--- a/Task5/Дз5.pptx
+++ b/Task5/Дз5.pptx
@@ -1,34 +1,34 @@
 
 <file path=ppt/presentation.xml><?xml version="1.0" encoding="utf-8"?>
-<p:presentation xmlns:a="http://schemas.openxmlformats.org/drawingml/2006/main" xmlns:r="http://schemas.openxmlformats.org/officeDocument/2006/relationships" xmlns:mc="http://schemas.openxmlformats.org/markup-compatibility/2006" xmlns:mv="urn:schemas-microsoft-com:mac:vml" xmlns:p="http://schemas.openxmlformats.org/presentationml/2006/main" xmlns:c="http://schemas.openxmlformats.org/drawingml/2006/chart" xmlns:dgm="http://schemas.openxmlformats.org/drawingml/2006/diagram" xmlns:o="urn:schemas-microsoft-com:office:office" xmlns:v="urn:schemas-microsoft-com:vml" xmlns:pvml="urn:schemas-microsoft-com:office:powerpoint" xmlns:com="http://schemas.openxmlformats.org/drawingml/2006/compatibility" xmlns:p14="http://schemas.microsoft.com/office/powerpoint/2010/main" xmlns:p15="http://schemas.microsoft.com/office/powerpoint/2012/main" xmlns:ahyp="http://schemas.microsoft.com/office/drawing/2018/hyperlinkcolor" autoCompressPictures="0" embedTrueTypeFonts="1" strictFirstAndLastChars="0" saveSubsetFonts="1">
+<p:presentation xmlns:a="http://schemas.openxmlformats.org/drawingml/2006/main" xmlns:r="http://schemas.openxmlformats.org/officeDocument/2006/relationships" xmlns:p="http://schemas.openxmlformats.org/presentationml/2006/main" strictFirstAndLastChars="0" embedTrueTypeFonts="1" saveSubsetFonts="1" autoCompressPictures="0">
   <p:sldMasterIdLst>
-    <p:sldMasterId id="2147483659" r:id="rId5"/>
+    <p:sldMasterId id="2147483659" r:id="rId1"/>
   </p:sldMasterIdLst>
   <p:notesMasterIdLst>
-    <p:notesMasterId r:id="rId6"/>
+    <p:notesMasterId r:id="rId9"/>
   </p:notesMasterIdLst>
   <p:sldIdLst>
-    <p:sldId id="256" r:id="rId7"/>
-    <p:sldId id="257" r:id="rId8"/>
-    <p:sldId id="258" r:id="rId9"/>
-    <p:sldId id="259" r:id="rId10"/>
-    <p:sldId id="260" r:id="rId11"/>
-    <p:sldId id="261" r:id="rId12"/>
-    <p:sldId id="262" r:id="rId13"/>
+    <p:sldId id="256" r:id="rId2"/>
+    <p:sldId id="257" r:id="rId3"/>
+    <p:sldId id="258" r:id="rId4"/>
+    <p:sldId id="259" r:id="rId5"/>
+    <p:sldId id="260" r:id="rId6"/>
+    <p:sldId id="261" r:id="rId7"/>
+    <p:sldId id="262" r:id="rId8"/>
   </p:sldIdLst>
-  <p:sldSz cy="5143500" cx="9144000"/>
+  <p:sldSz cx="9144000" cy="5143500" type="screen16x9"/>
   <p:notesSz cx="6858000" cy="9144000"/>
   <p:embeddedFontLst>
     <p:embeddedFont>
-      <p:font typeface="Roboto"/>
-      <p:regular r:id="rId14"/>
-      <p:bold r:id="rId15"/>
-      <p:italic r:id="rId16"/>
-      <p:boldItalic r:id="rId17"/>
+      <p:font typeface="Roboto" panose="02000000000000000000" pitchFamily="2" charset="0"/>
+      <p:regular r:id="rId10"/>
+      <p:bold r:id="rId11"/>
+      <p:italic r:id="rId12"/>
+      <p:boldItalic r:id="rId13"/>
     </p:embeddedFont>
   </p:embeddedFontLst>
   <p:defaultTextStyle>
-    <a:defPPr lvl="0" marR="0" rtl="0" algn="l">
+    <a:defPPr marR="0" lvl="0" algn="l" rtl="0">
       <a:lnSpc>
         <a:spcPct val="100000"/>
       </a:lnSpc>
@@ -39,7 +39,7 @@
         <a:spcPts val="0"/>
       </a:spcAft>
     </a:defPPr>
-    <a:lvl1pPr lvl="0" marR="0" rtl="0" algn="l">
+    <a:lvl1pPr marR="0" lvl="0" algn="l" rtl="0">
       <a:lnSpc>
         <a:spcPct val="100000"/>
       </a:lnSpc>
@@ -53,7 +53,7 @@
         <a:srgbClr val="000000"/>
       </a:buClr>
       <a:buFont typeface="Arial"/>
-      <a:defRPr b="0" i="0" sz="1400" u="none" cap="none" strike="noStrike">
+      <a:defRPr sz="1400" b="0" i="0" u="none" strike="noStrike" cap="none">
         <a:solidFill>
           <a:srgbClr val="000000"/>
         </a:solidFill>
@@ -63,7 +63,7 @@
         <a:sym typeface="Arial"/>
       </a:defRPr>
     </a:lvl1pPr>
-    <a:lvl2pPr lvl="1" marR="0" rtl="0" algn="l">
+    <a:lvl2pPr marR="0" lvl="1" algn="l" rtl="0">
       <a:lnSpc>
         <a:spcPct val="100000"/>
       </a:lnSpc>
@@ -77,7 +77,7 @@
         <a:srgbClr val="000000"/>
       </a:buClr>
       <a:buFont typeface="Arial"/>
-      <a:defRPr b="0" i="0" sz="1400" u="none" cap="none" strike="noStrike">
+      <a:defRPr sz="1400" b="0" i="0" u="none" strike="noStrike" cap="none">
         <a:solidFill>
           <a:srgbClr val="000000"/>
         </a:solidFill>
@@ -87,7 +87,7 @@
         <a:sym typeface="Arial"/>
       </a:defRPr>
     </a:lvl2pPr>
-    <a:lvl3pPr lvl="2" marR="0" rtl="0" algn="l">
+    <a:lvl3pPr marR="0" lvl="2" algn="l" rtl="0">
       <a:lnSpc>
         <a:spcPct val="100000"/>
       </a:lnSpc>
@@ -101,7 +101,7 @@
         <a:srgbClr val="000000"/>
       </a:buClr>
       <a:buFont typeface="Arial"/>
-      <a:defRPr b="0" i="0" sz="1400" u="none" cap="none" strike="noStrike">
+      <a:defRPr sz="1400" b="0" i="0" u="none" strike="noStrike" cap="none">
         <a:solidFill>
           <a:srgbClr val="000000"/>
         </a:solidFill>
@@ -111,7 +111,7 @@
         <a:sym typeface="Arial"/>
       </a:defRPr>
     </a:lvl3pPr>
-    <a:lvl4pPr lvl="3" marR="0" rtl="0" algn="l">
+    <a:lvl4pPr marR="0" lvl="3" algn="l" rtl="0">
       <a:lnSpc>
         <a:spcPct val="100000"/>
       </a:lnSpc>
@@ -125,7 +125,7 @@
         <a:srgbClr val="000000"/>
       </a:buClr>
       <a:buFont typeface="Arial"/>
-      <a:defRPr b="0" i="0" sz="1400" u="none" cap="none" strike="noStrike">
+      <a:defRPr sz="1400" b="0" i="0" u="none" strike="noStrike" cap="none">
         <a:solidFill>
           <a:srgbClr val="000000"/>
         </a:solidFill>
@@ -135,7 +135,7 @@
         <a:sym typeface="Arial"/>
       </a:defRPr>
     </a:lvl4pPr>
-    <a:lvl5pPr lvl="4" marR="0" rtl="0" algn="l">
+    <a:lvl5pPr marR="0" lvl="4" algn="l" rtl="0">
       <a:lnSpc>
         <a:spcPct val="100000"/>
       </a:lnSpc>
@@ -149,7 +149,7 @@
         <a:srgbClr val="000000"/>
       </a:buClr>
       <a:buFont typeface="Arial"/>
-      <a:defRPr b="0" i="0" sz="1400" u="none" cap="none" strike="noStrike">
+      <a:defRPr sz="1400" b="0" i="0" u="none" strike="noStrike" cap="none">
         <a:solidFill>
           <a:srgbClr val="000000"/>
         </a:solidFill>
@@ -159,7 +159,7 @@
         <a:sym typeface="Arial"/>
       </a:defRPr>
     </a:lvl5pPr>
-    <a:lvl6pPr lvl="5" marR="0" rtl="0" algn="l">
+    <a:lvl6pPr marR="0" lvl="5" algn="l" rtl="0">
       <a:lnSpc>
         <a:spcPct val="100000"/>
       </a:lnSpc>
@@ -173,7 +173,7 @@
         <a:srgbClr val="000000"/>
       </a:buClr>
       <a:buFont typeface="Arial"/>
-      <a:defRPr b="0" i="0" sz="1400" u="none" cap="none" strike="noStrike">
+      <a:defRPr sz="1400" b="0" i="0" u="none" strike="noStrike" cap="none">
         <a:solidFill>
           <a:srgbClr val="000000"/>
         </a:solidFill>
@@ -183,7 +183,7 @@
         <a:sym typeface="Arial"/>
       </a:defRPr>
     </a:lvl6pPr>
-    <a:lvl7pPr lvl="6" marR="0" rtl="0" algn="l">
+    <a:lvl7pPr marR="0" lvl="6" algn="l" rtl="0">
       <a:lnSpc>
         <a:spcPct val="100000"/>
       </a:lnSpc>
@@ -197,7 +197,7 @@
         <a:srgbClr val="000000"/>
       </a:buClr>
       <a:buFont typeface="Arial"/>
-      <a:defRPr b="0" i="0" sz="1400" u="none" cap="none" strike="noStrike">
+      <a:defRPr sz="1400" b="0" i="0" u="none" strike="noStrike" cap="none">
         <a:solidFill>
           <a:srgbClr val="000000"/>
         </a:solidFill>
@@ -207,7 +207,7 @@
         <a:sym typeface="Arial"/>
       </a:defRPr>
     </a:lvl7pPr>
-    <a:lvl8pPr lvl="7" marR="0" rtl="0" algn="l">
+    <a:lvl8pPr marR="0" lvl="7" algn="l" rtl="0">
       <a:lnSpc>
         <a:spcPct val="100000"/>
       </a:lnSpc>
@@ -221,7 +221,7 @@
         <a:srgbClr val="000000"/>
       </a:buClr>
       <a:buFont typeface="Arial"/>
-      <a:defRPr b="0" i="0" sz="1400" u="none" cap="none" strike="noStrike">
+      <a:defRPr sz="1400" b="0" i="0" u="none" strike="noStrike" cap="none">
         <a:solidFill>
           <a:srgbClr val="000000"/>
         </a:solidFill>
@@ -231,7 +231,7 @@
         <a:sym typeface="Arial"/>
       </a:defRPr>
     </a:lvl8pPr>
-    <a:lvl9pPr lvl="8" marR="0" rtl="0" algn="l">
+    <a:lvl9pPr marR="0" lvl="8" algn="l" rtl="0">
       <a:lnSpc>
         <a:spcPct val="100000"/>
       </a:lnSpc>
@@ -245,7 +245,7 @@
         <a:srgbClr val="000000"/>
       </a:buClr>
       <a:buFont typeface="Arial"/>
-      <a:defRPr b="0" i="0" sz="1400" u="none" cap="none" strike="noStrike">
+      <a:defRPr sz="1400" b="0" i="0" u="none" strike="noStrike" cap="none">
         <a:solidFill>
           <a:srgbClr val="000000"/>
         </a:solidFill>
@@ -258,7 +258,7 @@
   </p:defaultTextStyle>
   <p:extLst>
     <p:ext uri="{EFAFB233-063F-42B5-8137-9DF3F51BA10A}">
-      <p15:sldGuideLst>
+      <p15:sldGuideLst xmlns:p15="http://schemas.microsoft.com/office/powerpoint/2012/main">
         <p15:guide id="1" orient="horz" pos="1620">
           <p15:clr>
             <a:srgbClr val="A4A3A4"/>
@@ -276,11 +276,16 @@
 </file>
 
 <file path=ppt/notesMasters/notesMaster1.xml><?xml version="1.0" encoding="utf-8"?>
-<p:notesMaster xmlns:a="http://schemas.openxmlformats.org/drawingml/2006/main" xmlns:r="http://schemas.openxmlformats.org/officeDocument/2006/relationships" xmlns:mc="http://schemas.openxmlformats.org/markup-compatibility/2006" xmlns:mv="urn:schemas-microsoft-com:mac:vml" xmlns:p="http://schemas.openxmlformats.org/presentationml/2006/main" xmlns:c="http://schemas.openxmlformats.org/drawingml/2006/chart" xmlns:dgm="http://schemas.openxmlformats.org/drawingml/2006/diagram" xmlns:o="urn:schemas-microsoft-com:office:office" xmlns:v="urn:schemas-microsoft-com:vml" xmlns:pvml="urn:schemas-microsoft-com:office:powerpoint" xmlns:com="http://schemas.openxmlformats.org/drawingml/2006/compatibility" xmlns:p14="http://schemas.microsoft.com/office/powerpoint/2010/main" xmlns:p15="http://schemas.microsoft.com/office/powerpoint/2012/main" xmlns:ahyp="http://schemas.microsoft.com/office/drawing/2018/hyperlinkcolor">
+<p:notesMaster xmlns:a="http://schemas.openxmlformats.org/drawingml/2006/main" xmlns:r="http://schemas.openxmlformats.org/officeDocument/2006/relationships" xmlns:p="http://schemas.openxmlformats.org/presentationml/2006/main">
   <p:cSld>
+    <p:bg>
+      <p:bgRef idx="1001">
+        <a:schemeClr val="bg1"/>
+      </p:bgRef>
+    </p:bg>
     <p:spTree>
       <p:nvGrpSpPr>
-        <p:cNvPr id="2" name="Shape 2"/>
+        <p:cNvPr id="1" name="Shape 2"/>
         <p:cNvGrpSpPr/>
         <p:nvPr/>
       </p:nvGrpSpPr>
@@ -295,9 +300,11 @@
       <p:sp>
         <p:nvSpPr>
           <p:cNvPr id="3" name="Google Shape;3;n"/>
-          <p:cNvSpPr/>
+          <p:cNvSpPr>
+            <a:spLocks noGrp="1" noRot="1" noChangeAspect="1"/>
+          </p:cNvSpPr>
           <p:nvPr>
-            <p:ph idx="2" type="sldImg"/>
+            <p:ph type="sldImg" idx="2"/>
           </p:nvPr>
         </p:nvSpPr>
         <p:spPr>
@@ -306,9 +313,13 @@
             <a:ext cx="6096075" cy="3429000"/>
           </a:xfrm>
           <a:custGeom>
-            <a:rect b="b" l="l" r="r" t="t"/>
+            <a:avLst/>
+            <a:gdLst/>
+            <a:ahLst/>
+            <a:cxnLst/>
+            <a:rect l="l" t="t" r="r" b="b"/>
             <a:pathLst>
-              <a:path extrusionOk="0" h="120000" w="120000">
+              <a:path w="120000" h="120000" extrusionOk="0">
                 <a:moveTo>
                   <a:pt x="0" y="0"/>
                 </a:moveTo>
@@ -326,23 +337,25 @@
             </a:pathLst>
           </a:custGeom>
           <a:noFill/>
-          <a:ln cap="flat" cmpd="sng" w="9525">
+          <a:ln w="9525" cap="flat" cmpd="sng">
             <a:solidFill>
               <a:srgbClr val="000000"/>
             </a:solidFill>
             <a:prstDash val="solid"/>
             <a:round/>
-            <a:headEnd len="sm" w="sm" type="none"/>
-            <a:tailEnd len="sm" w="sm" type="none"/>
+            <a:headEnd type="none" w="sm" len="sm"/>
+            <a:tailEnd type="none" w="sm" len="sm"/>
           </a:ln>
         </p:spPr>
       </p:sp>
       <p:sp>
         <p:nvSpPr>
           <p:cNvPr id="4" name="Google Shape;4;n"/>
-          <p:cNvSpPr txBox="1"/>
+          <p:cNvSpPr txBox="1">
+            <a:spLocks noGrp="1"/>
+          </p:cNvSpPr>
           <p:nvPr>
-            <p:ph idx="1" type="body"/>
+            <p:ph type="body" idx="1"/>
           </p:nvPr>
         </p:nvSpPr>
         <p:spPr>
@@ -359,11 +372,11 @@
           </a:ln>
         </p:spPr>
         <p:txBody>
-          <a:bodyPr anchorCtr="0" anchor="t" bIns="91425" lIns="91425" spcFirstLastPara="1" rIns="91425" wrap="square" tIns="91425">
+          <a:bodyPr spcFirstLastPara="1" wrap="square" lIns="91425" tIns="91425" rIns="91425" bIns="91425" anchor="t" anchorCtr="0">
             <a:noAutofit/>
           </a:bodyPr>
           <a:lstStyle>
-            <a:lvl1pPr indent="-298450" lvl="0" marL="457200">
+            <a:lvl1pPr marL="457200" lvl="0" indent="-298450">
               <a:spcBef>
                 <a:spcPts val="0"/>
               </a:spcBef>
@@ -374,7 +387,7 @@
               <a:buChar char="●"/>
               <a:defRPr sz="1100"/>
             </a:lvl1pPr>
-            <a:lvl2pPr indent="-298450" lvl="1" marL="914400">
+            <a:lvl2pPr marL="914400" lvl="1" indent="-298450">
               <a:spcBef>
                 <a:spcPts val="0"/>
               </a:spcBef>
@@ -385,7 +398,7 @@
               <a:buChar char="○"/>
               <a:defRPr sz="1100"/>
             </a:lvl2pPr>
-            <a:lvl3pPr indent="-298450" lvl="2" marL="1371600">
+            <a:lvl3pPr marL="1371600" lvl="2" indent="-298450">
               <a:spcBef>
                 <a:spcPts val="0"/>
               </a:spcBef>
@@ -396,7 +409,7 @@
               <a:buChar char="■"/>
               <a:defRPr sz="1100"/>
             </a:lvl3pPr>
-            <a:lvl4pPr indent="-298450" lvl="3" marL="1828800">
+            <a:lvl4pPr marL="1828800" lvl="3" indent="-298450">
               <a:spcBef>
                 <a:spcPts val="0"/>
               </a:spcBef>
@@ -407,7 +420,7 @@
               <a:buChar char="●"/>
               <a:defRPr sz="1100"/>
             </a:lvl4pPr>
-            <a:lvl5pPr indent="-298450" lvl="4" marL="2286000">
+            <a:lvl5pPr marL="2286000" lvl="4" indent="-298450">
               <a:spcBef>
                 <a:spcPts val="0"/>
               </a:spcBef>
@@ -418,7 +431,7 @@
               <a:buChar char="○"/>
               <a:defRPr sz="1100"/>
             </a:lvl5pPr>
-            <a:lvl6pPr indent="-298450" lvl="5" marL="2743200">
+            <a:lvl6pPr marL="2743200" lvl="5" indent="-298450">
               <a:spcBef>
                 <a:spcPts val="0"/>
               </a:spcBef>
@@ -429,7 +442,7 @@
               <a:buChar char="■"/>
               <a:defRPr sz="1100"/>
             </a:lvl6pPr>
-            <a:lvl7pPr indent="-298450" lvl="6" marL="3200400">
+            <a:lvl7pPr marL="3200400" lvl="6" indent="-298450">
               <a:spcBef>
                 <a:spcPts val="0"/>
               </a:spcBef>
@@ -440,7 +453,7 @@
               <a:buChar char="●"/>
               <a:defRPr sz="1100"/>
             </a:lvl7pPr>
-            <a:lvl8pPr indent="-298450" lvl="7" marL="3657600">
+            <a:lvl8pPr marL="3657600" lvl="7" indent="-298450">
               <a:spcBef>
                 <a:spcPts val="0"/>
               </a:spcBef>
@@ -451,7 +464,7 @@
               <a:buChar char="○"/>
               <a:defRPr sz="1100"/>
             </a:lvl8pPr>
-            <a:lvl9pPr indent="-298450" lvl="8" marL="4114800">
+            <a:lvl9pPr marL="4114800" lvl="8" indent="-298450">
               <a:spcBef>
                 <a:spcPts val="0"/>
               </a:spcBef>
@@ -463,14 +476,16 @@
               <a:defRPr sz="1100"/>
             </a:lvl9pPr>
           </a:lstStyle>
-          <a:p/>
+          <a:p>
+            <a:endParaRPr/>
+          </a:p>
         </p:txBody>
       </p:sp>
     </p:spTree>
   </p:cSld>
-  <p:clrMap accent1="accent1" accent2="accent2" accent3="accent3" accent4="accent4" accent5="accent5" accent6="accent6" bg1="lt1" bg2="dk2" tx1="dk1" tx2="lt2" folHlink="folHlink" hlink="hlink"/>
+  <p:clrMap bg1="lt1" tx1="dk1" bg2="dk2" tx2="lt2" accent1="accent1" accent2="accent2" accent3="accent3" accent4="accent4" accent5="accent5" accent6="accent6" hlink="hlink" folHlink="folHlink"/>
   <p:notesStyle>
-    <a:defPPr lvl="0" marR="0" rtl="0" algn="l">
+    <a:defPPr marR="0" lvl="0" algn="l" rtl="0">
       <a:lnSpc>
         <a:spcPct val="100000"/>
       </a:lnSpc>
@@ -481,7 +496,7 @@
         <a:spcPts val="0"/>
       </a:spcAft>
     </a:defPPr>
-    <a:lvl1pPr lvl="0" marR="0" rtl="0" algn="l">
+    <a:lvl1pPr marR="0" lvl="0" algn="l" rtl="0">
       <a:lnSpc>
         <a:spcPct val="100000"/>
       </a:lnSpc>
@@ -495,7 +510,7 @@
         <a:srgbClr val="000000"/>
       </a:buClr>
       <a:buFont typeface="Arial"/>
-      <a:defRPr b="0" i="0" sz="1400" u="none" cap="none" strike="noStrike">
+      <a:defRPr sz="1400" b="0" i="0" u="none" strike="noStrike" cap="none">
         <a:solidFill>
           <a:srgbClr val="000000"/>
         </a:solidFill>
@@ -505,7 +520,7 @@
         <a:sym typeface="Arial"/>
       </a:defRPr>
     </a:lvl1pPr>
-    <a:lvl2pPr lvl="1" marR="0" rtl="0" algn="l">
+    <a:lvl2pPr marR="0" lvl="1" algn="l" rtl="0">
       <a:lnSpc>
         <a:spcPct val="100000"/>
       </a:lnSpc>
@@ -519,7 +534,7 @@
         <a:srgbClr val="000000"/>
       </a:buClr>
       <a:buFont typeface="Arial"/>
-      <a:defRPr b="0" i="0" sz="1400" u="none" cap="none" strike="noStrike">
+      <a:defRPr sz="1400" b="0" i="0" u="none" strike="noStrike" cap="none">
         <a:solidFill>
           <a:srgbClr val="000000"/>
         </a:solidFill>
@@ -529,7 +544,7 @@
         <a:sym typeface="Arial"/>
       </a:defRPr>
     </a:lvl2pPr>
-    <a:lvl3pPr lvl="2" marR="0" rtl="0" algn="l">
+    <a:lvl3pPr marR="0" lvl="2" algn="l" rtl="0">
       <a:lnSpc>
         <a:spcPct val="100000"/>
       </a:lnSpc>
@@ -543,7 +558,7 @@
         <a:srgbClr val="000000"/>
       </a:buClr>
       <a:buFont typeface="Arial"/>
-      <a:defRPr b="0" i="0" sz="1400" u="none" cap="none" strike="noStrike">
+      <a:defRPr sz="1400" b="0" i="0" u="none" strike="noStrike" cap="none">
         <a:solidFill>
           <a:srgbClr val="000000"/>
         </a:solidFill>
@@ -553,7 +568,7 @@
         <a:sym typeface="Arial"/>
       </a:defRPr>
     </a:lvl3pPr>
-    <a:lvl4pPr lvl="3" marR="0" rtl="0" algn="l">
+    <a:lvl4pPr marR="0" lvl="3" algn="l" rtl="0">
       <a:lnSpc>
         <a:spcPct val="100000"/>
       </a:lnSpc>
@@ -567,7 +582,7 @@
         <a:srgbClr val="000000"/>
       </a:buClr>
       <a:buFont typeface="Arial"/>
-      <a:defRPr b="0" i="0" sz="1400" u="none" cap="none" strike="noStrike">
+      <a:defRPr sz="1400" b="0" i="0" u="none" strike="noStrike" cap="none">
         <a:solidFill>
           <a:srgbClr val="000000"/>
         </a:solidFill>
@@ -577,7 +592,7 @@
         <a:sym typeface="Arial"/>
       </a:defRPr>
     </a:lvl4pPr>
-    <a:lvl5pPr lvl="4" marR="0" rtl="0" algn="l">
+    <a:lvl5pPr marR="0" lvl="4" algn="l" rtl="0">
       <a:lnSpc>
         <a:spcPct val="100000"/>
       </a:lnSpc>
@@ -591,7 +606,7 @@
         <a:srgbClr val="000000"/>
       </a:buClr>
       <a:buFont typeface="Arial"/>
-      <a:defRPr b="0" i="0" sz="1400" u="none" cap="none" strike="noStrike">
+      <a:defRPr sz="1400" b="0" i="0" u="none" strike="noStrike" cap="none">
         <a:solidFill>
           <a:srgbClr val="000000"/>
         </a:solidFill>
@@ -601,7 +616,7 @@
         <a:sym typeface="Arial"/>
       </a:defRPr>
     </a:lvl5pPr>
-    <a:lvl6pPr lvl="5" marR="0" rtl="0" algn="l">
+    <a:lvl6pPr marR="0" lvl="5" algn="l" rtl="0">
       <a:lnSpc>
         <a:spcPct val="100000"/>
       </a:lnSpc>
@@ -615,7 +630,7 @@
         <a:srgbClr val="000000"/>
       </a:buClr>
       <a:buFont typeface="Arial"/>
-      <a:defRPr b="0" i="0" sz="1400" u="none" cap="none" strike="noStrike">
+      <a:defRPr sz="1400" b="0" i="0" u="none" strike="noStrike" cap="none">
         <a:solidFill>
           <a:srgbClr val="000000"/>
         </a:solidFill>
@@ -625,7 +640,7 @@
         <a:sym typeface="Arial"/>
       </a:defRPr>
     </a:lvl6pPr>
-    <a:lvl7pPr lvl="6" marR="0" rtl="0" algn="l">
+    <a:lvl7pPr marR="0" lvl="6" algn="l" rtl="0">
       <a:lnSpc>
         <a:spcPct val="100000"/>
       </a:lnSpc>
@@ -639,7 +654,7 @@
         <a:srgbClr val="000000"/>
       </a:buClr>
       <a:buFont typeface="Arial"/>
-      <a:defRPr b="0" i="0" sz="1400" u="none" cap="none" strike="noStrike">
+      <a:defRPr sz="1400" b="0" i="0" u="none" strike="noStrike" cap="none">
         <a:solidFill>
           <a:srgbClr val="000000"/>
         </a:solidFill>
@@ -649,7 +664,7 @@
         <a:sym typeface="Arial"/>
       </a:defRPr>
     </a:lvl7pPr>
-    <a:lvl8pPr lvl="7" marR="0" rtl="0" algn="l">
+    <a:lvl8pPr marR="0" lvl="7" algn="l" rtl="0">
       <a:lnSpc>
         <a:spcPct val="100000"/>
       </a:lnSpc>
@@ -663,7 +678,7 @@
         <a:srgbClr val="000000"/>
       </a:buClr>
       <a:buFont typeface="Arial"/>
-      <a:defRPr b="0" i="0" sz="1400" u="none" cap="none" strike="noStrike">
+      <a:defRPr sz="1400" b="0" i="0" u="none" strike="noStrike" cap="none">
         <a:solidFill>
           <a:srgbClr val="000000"/>
         </a:solidFill>
@@ -673,7 +688,7 @@
         <a:sym typeface="Arial"/>
       </a:defRPr>
     </a:lvl8pPr>
-    <a:lvl9pPr lvl="8" marR="0" rtl="0" algn="l">
+    <a:lvl9pPr marR="0" lvl="8" algn="l" rtl="0">
       <a:lnSpc>
         <a:spcPct val="100000"/>
       </a:lnSpc>
@@ -687,7 +702,7 @@
         <a:srgbClr val="000000"/>
       </a:buClr>
       <a:buFont typeface="Arial"/>
-      <a:defRPr b="0" i="0" sz="1400" u="none" cap="none" strike="noStrike">
+      <a:defRPr sz="1400" b="0" i="0" u="none" strike="noStrike" cap="none">
         <a:solidFill>
           <a:srgbClr val="000000"/>
         </a:solidFill>
@@ -702,11 +717,11 @@
 </file>
 
 <file path=ppt/notesSlides/notesSlide1.xml><?xml version="1.0" encoding="utf-8"?>
-<p:notes xmlns:a="http://schemas.openxmlformats.org/drawingml/2006/main" xmlns:r="http://schemas.openxmlformats.org/officeDocument/2006/relationships" xmlns:mc="http://schemas.openxmlformats.org/markup-compatibility/2006" xmlns:mv="urn:schemas-microsoft-com:mac:vml" xmlns:p="http://schemas.openxmlformats.org/presentationml/2006/main" xmlns:c="http://schemas.openxmlformats.org/drawingml/2006/chart" xmlns:dgm="http://schemas.openxmlformats.org/drawingml/2006/diagram" xmlns:o="urn:schemas-microsoft-com:office:office" xmlns:v="urn:schemas-microsoft-com:vml" xmlns:pvml="urn:schemas-microsoft-com:office:powerpoint" xmlns:com="http://schemas.openxmlformats.org/drawingml/2006/compatibility" xmlns:p14="http://schemas.microsoft.com/office/powerpoint/2010/main" xmlns:p15="http://schemas.microsoft.com/office/powerpoint/2012/main" xmlns:ahyp="http://schemas.microsoft.com/office/drawing/2018/hyperlinkcolor" showMasterPhAnim="0" showMasterSp="0">
+<p:notes xmlns:a="http://schemas.openxmlformats.org/drawingml/2006/main" xmlns:r="http://schemas.openxmlformats.org/officeDocument/2006/relationships" xmlns:p="http://schemas.openxmlformats.org/presentationml/2006/main" showMasterSp="0" showMasterPhAnim="0">
   <p:cSld>
     <p:spTree>
       <p:nvGrpSpPr>
-        <p:cNvPr id="50" name="Shape 50"/>
+        <p:cNvPr id="1" name="Shape 50"/>
         <p:cNvGrpSpPr/>
         <p:nvPr/>
       </p:nvGrpSpPr>
@@ -721,20 +736,26 @@
       <p:sp>
         <p:nvSpPr>
           <p:cNvPr id="51" name="Google Shape;51;g140a9f1f93e_0_10:notes"/>
-          <p:cNvSpPr/>
+          <p:cNvSpPr>
+            <a:spLocks noGrp="1" noRot="1" noChangeAspect="1"/>
+          </p:cNvSpPr>
           <p:nvPr>
-            <p:ph idx="2" type="sldImg"/>
+            <p:ph type="sldImg" idx="2"/>
           </p:nvPr>
         </p:nvSpPr>
         <p:spPr>
           <a:xfrm>
-            <a:off x="381300" y="685800"/>
+            <a:off x="381000" y="685800"/>
             <a:ext cx="6096000" cy="3429000"/>
           </a:xfrm>
           <a:custGeom>
-            <a:rect b="b" l="l" r="r" t="t"/>
+            <a:avLst/>
+            <a:gdLst/>
+            <a:ahLst/>
+            <a:cxnLst/>
+            <a:rect l="l" t="t" r="r" b="b"/>
             <a:pathLst>
-              <a:path extrusionOk="0" h="120000" w="120000">
+              <a:path w="120000" h="120000" extrusionOk="0">
                 <a:moveTo>
                   <a:pt x="0" y="0"/>
                 </a:moveTo>
@@ -756,9 +777,11 @@
       <p:sp>
         <p:nvSpPr>
           <p:cNvPr id="52" name="Google Shape;52;g140a9f1f93e_0_10:notes"/>
-          <p:cNvSpPr txBox="1"/>
+          <p:cNvSpPr txBox="1">
+            <a:spLocks noGrp="1"/>
+          </p:cNvSpPr>
           <p:nvPr>
-            <p:ph idx="1" type="body"/>
+            <p:ph type="body" idx="1"/>
           </p:nvPr>
         </p:nvSpPr>
         <p:spPr>
@@ -771,12 +794,12 @@
           </a:prstGeom>
         </p:spPr>
         <p:txBody>
-          <a:bodyPr anchorCtr="0" anchor="t" bIns="91425" lIns="91425" spcFirstLastPara="1" rIns="91425" wrap="square" tIns="91425">
+          <a:bodyPr spcFirstLastPara="1" wrap="square" lIns="91425" tIns="91425" rIns="91425" bIns="91425" anchor="t" anchorCtr="0">
             <a:noAutofit/>
           </a:bodyPr>
           <a:lstStyle/>
           <a:p>
-            <a:pPr indent="0" lvl="0" marL="0" rtl="0" algn="l">
+            <a:pPr marL="0" lvl="0" indent="0" algn="l" rtl="0">
               <a:spcBef>
                 <a:spcPts val="0"/>
               </a:spcBef>
@@ -785,9 +808,6 @@
               </a:spcAft>
               <a:buNone/>
             </a:pPr>
-            <a:r>
-              <a:t/>
-            </a:r>
             <a:endParaRPr/>
           </a:p>
         </p:txBody>
@@ -801,11 +821,11 @@
 </file>
 
 <file path=ppt/notesSlides/notesSlide2.xml><?xml version="1.0" encoding="utf-8"?>
-<p:notes xmlns:a="http://schemas.openxmlformats.org/drawingml/2006/main" xmlns:r="http://schemas.openxmlformats.org/officeDocument/2006/relationships" xmlns:mc="http://schemas.openxmlformats.org/markup-compatibility/2006" xmlns:mv="urn:schemas-microsoft-com:mac:vml" xmlns:p="http://schemas.openxmlformats.org/presentationml/2006/main" xmlns:c="http://schemas.openxmlformats.org/drawingml/2006/chart" xmlns:dgm="http://schemas.openxmlformats.org/drawingml/2006/diagram" xmlns:o="urn:schemas-microsoft-com:office:office" xmlns:v="urn:schemas-microsoft-com:vml" xmlns:pvml="urn:schemas-microsoft-com:office:powerpoint" xmlns:com="http://schemas.openxmlformats.org/drawingml/2006/compatibility" xmlns:p14="http://schemas.microsoft.com/office/powerpoint/2010/main" xmlns:p15="http://schemas.microsoft.com/office/powerpoint/2012/main" xmlns:ahyp="http://schemas.microsoft.com/office/drawing/2018/hyperlinkcolor" showMasterPhAnim="0" showMasterSp="0">
+<p:notes xmlns:a="http://schemas.openxmlformats.org/drawingml/2006/main" xmlns:r="http://schemas.openxmlformats.org/officeDocument/2006/relationships" xmlns:p="http://schemas.openxmlformats.org/presentationml/2006/main" showMasterSp="0" showMasterPhAnim="0">
   <p:cSld>
     <p:spTree>
       <p:nvGrpSpPr>
-        <p:cNvPr id="56" name="Shape 56"/>
+        <p:cNvPr id="1" name="Shape 56"/>
         <p:cNvGrpSpPr/>
         <p:nvPr/>
       </p:nvGrpSpPr>
@@ -820,20 +840,26 @@
       <p:sp>
         <p:nvSpPr>
           <p:cNvPr id="57" name="Google Shape;57;g140a9f1f93e_0_60:notes"/>
-          <p:cNvSpPr/>
+          <p:cNvSpPr>
+            <a:spLocks noGrp="1" noRot="1" noChangeAspect="1"/>
+          </p:cNvSpPr>
           <p:nvPr>
-            <p:ph idx="2" type="sldImg"/>
+            <p:ph type="sldImg" idx="2"/>
           </p:nvPr>
         </p:nvSpPr>
         <p:spPr>
           <a:xfrm>
-            <a:off x="381300" y="685800"/>
+            <a:off x="381000" y="685800"/>
             <a:ext cx="6096000" cy="3429000"/>
           </a:xfrm>
           <a:custGeom>
-            <a:rect b="b" l="l" r="r" t="t"/>
+            <a:avLst/>
+            <a:gdLst/>
+            <a:ahLst/>
+            <a:cxnLst/>
+            <a:rect l="l" t="t" r="r" b="b"/>
             <a:pathLst>
-              <a:path extrusionOk="0" h="120000" w="120000">
+              <a:path w="120000" h="120000" extrusionOk="0">
                 <a:moveTo>
                   <a:pt x="0" y="0"/>
                 </a:moveTo>
@@ -855,9 +881,11 @@
       <p:sp>
         <p:nvSpPr>
           <p:cNvPr id="58" name="Google Shape;58;g140a9f1f93e_0_60:notes"/>
-          <p:cNvSpPr txBox="1"/>
+          <p:cNvSpPr txBox="1">
+            <a:spLocks noGrp="1"/>
+          </p:cNvSpPr>
           <p:nvPr>
-            <p:ph idx="1" type="body"/>
+            <p:ph type="body" idx="1"/>
           </p:nvPr>
         </p:nvSpPr>
         <p:spPr>
@@ -870,12 +898,12 @@
           </a:prstGeom>
         </p:spPr>
         <p:txBody>
-          <a:bodyPr anchorCtr="0" anchor="t" bIns="91425" lIns="91425" spcFirstLastPara="1" rIns="91425" wrap="square" tIns="91425">
+          <a:bodyPr spcFirstLastPara="1" wrap="square" lIns="91425" tIns="91425" rIns="91425" bIns="91425" anchor="t" anchorCtr="0">
             <a:noAutofit/>
           </a:bodyPr>
           <a:lstStyle/>
           <a:p>
-            <a:pPr indent="0" lvl="0" marL="0" rtl="0" algn="l">
+            <a:pPr marL="0" lvl="0" indent="0" algn="l" rtl="0">
               <a:spcBef>
                 <a:spcPts val="0"/>
               </a:spcBef>
@@ -884,9 +912,6 @@
               </a:spcAft>
               <a:buNone/>
             </a:pPr>
-            <a:r>
-              <a:t/>
-            </a:r>
             <a:endParaRPr/>
           </a:p>
         </p:txBody>
@@ -900,11 +925,11 @@
 </file>
 
 <file path=ppt/notesSlides/notesSlide3.xml><?xml version="1.0" encoding="utf-8"?>
-<p:notes xmlns:a="http://schemas.openxmlformats.org/drawingml/2006/main" xmlns:r="http://schemas.openxmlformats.org/officeDocument/2006/relationships" xmlns:mc="http://schemas.openxmlformats.org/markup-compatibility/2006" xmlns:mv="urn:schemas-microsoft-com:mac:vml" xmlns:p="http://schemas.openxmlformats.org/presentationml/2006/main" xmlns:c="http://schemas.openxmlformats.org/drawingml/2006/chart" xmlns:dgm="http://schemas.openxmlformats.org/drawingml/2006/diagram" xmlns:o="urn:schemas-microsoft-com:office:office" xmlns:v="urn:schemas-microsoft-com:vml" xmlns:pvml="urn:schemas-microsoft-com:office:powerpoint" xmlns:com="http://schemas.openxmlformats.org/drawingml/2006/compatibility" xmlns:p14="http://schemas.microsoft.com/office/powerpoint/2010/main" xmlns:p15="http://schemas.microsoft.com/office/powerpoint/2012/main" xmlns:ahyp="http://schemas.microsoft.com/office/drawing/2018/hyperlinkcolor" showMasterPhAnim="0" showMasterSp="0">
+<p:notes xmlns:a="http://schemas.openxmlformats.org/drawingml/2006/main" xmlns:r="http://schemas.openxmlformats.org/officeDocument/2006/relationships" xmlns:p="http://schemas.openxmlformats.org/presentationml/2006/main" showMasterSp="0" showMasterPhAnim="0">
   <p:cSld>
     <p:spTree>
       <p:nvGrpSpPr>
-        <p:cNvPr id="62" name="Shape 62"/>
+        <p:cNvPr id="1" name="Shape 62"/>
         <p:cNvGrpSpPr/>
         <p:nvPr/>
       </p:nvGrpSpPr>
@@ -919,9 +944,11 @@
       <p:sp>
         <p:nvSpPr>
           <p:cNvPr id="63" name="Google Shape;63;g140a9f1f93e_0_110:notes"/>
-          <p:cNvSpPr/>
+          <p:cNvSpPr>
+            <a:spLocks noGrp="1" noRot="1" noChangeAspect="1"/>
+          </p:cNvSpPr>
           <p:nvPr>
-            <p:ph idx="2" type="sldImg"/>
+            <p:ph type="sldImg" idx="2"/>
           </p:nvPr>
         </p:nvSpPr>
         <p:spPr>
@@ -930,9 +957,13 @@
             <a:ext cx="6096000" cy="3429000"/>
           </a:xfrm>
           <a:custGeom>
-            <a:rect b="b" l="l" r="r" t="t"/>
+            <a:avLst/>
+            <a:gdLst/>
+            <a:ahLst/>
+            <a:cxnLst/>
+            <a:rect l="l" t="t" r="r" b="b"/>
             <a:pathLst>
-              <a:path extrusionOk="0" h="120000" w="120000">
+              <a:path w="120000" h="120000" extrusionOk="0">
                 <a:moveTo>
                   <a:pt x="0" y="0"/>
                 </a:moveTo>
@@ -954,9 +985,11 @@
       <p:sp>
         <p:nvSpPr>
           <p:cNvPr id="64" name="Google Shape;64;g140a9f1f93e_0_110:notes"/>
-          <p:cNvSpPr txBox="1"/>
+          <p:cNvSpPr txBox="1">
+            <a:spLocks noGrp="1"/>
+          </p:cNvSpPr>
           <p:nvPr>
-            <p:ph idx="1" type="body"/>
+            <p:ph type="body" idx="1"/>
           </p:nvPr>
         </p:nvSpPr>
         <p:spPr>
@@ -969,12 +1002,12 @@
           </a:prstGeom>
         </p:spPr>
         <p:txBody>
-          <a:bodyPr anchorCtr="0" anchor="t" bIns="91425" lIns="91425" spcFirstLastPara="1" rIns="91425" wrap="square" tIns="91425">
+          <a:bodyPr spcFirstLastPara="1" wrap="square" lIns="91425" tIns="91425" rIns="91425" bIns="91425" anchor="t" anchorCtr="0">
             <a:noAutofit/>
           </a:bodyPr>
           <a:lstStyle/>
           <a:p>
-            <a:pPr indent="0" lvl="0" marL="0" rtl="0" algn="l">
+            <a:pPr marL="0" lvl="0" indent="0" algn="l" rtl="0">
               <a:spcBef>
                 <a:spcPts val="0"/>
               </a:spcBef>
@@ -983,9 +1016,6 @@
               </a:spcAft>
               <a:buNone/>
             </a:pPr>
-            <a:r>
-              <a:t/>
-            </a:r>
             <a:endParaRPr/>
           </a:p>
         </p:txBody>
@@ -999,11 +1029,11 @@
 </file>
 
 <file path=ppt/notesSlides/notesSlide4.xml><?xml version="1.0" encoding="utf-8"?>
-<p:notes xmlns:a="http://schemas.openxmlformats.org/drawingml/2006/main" xmlns:r="http://schemas.openxmlformats.org/officeDocument/2006/relationships" xmlns:mc="http://schemas.openxmlformats.org/markup-compatibility/2006" xmlns:mv="urn:schemas-microsoft-com:mac:vml" xmlns:p="http://schemas.openxmlformats.org/presentationml/2006/main" xmlns:c="http://schemas.openxmlformats.org/drawingml/2006/chart" xmlns:dgm="http://schemas.openxmlformats.org/drawingml/2006/diagram" xmlns:o="urn:schemas-microsoft-com:office:office" xmlns:v="urn:schemas-microsoft-com:vml" xmlns:pvml="urn:schemas-microsoft-com:office:powerpoint" xmlns:com="http://schemas.openxmlformats.org/drawingml/2006/compatibility" xmlns:p14="http://schemas.microsoft.com/office/powerpoint/2010/main" xmlns:p15="http://schemas.microsoft.com/office/powerpoint/2012/main" xmlns:ahyp="http://schemas.microsoft.com/office/drawing/2018/hyperlinkcolor" showMasterPhAnim="0" showMasterSp="0">
+<p:notes xmlns:a="http://schemas.openxmlformats.org/drawingml/2006/main" xmlns:r="http://schemas.openxmlformats.org/officeDocument/2006/relationships" xmlns:p="http://schemas.openxmlformats.org/presentationml/2006/main" showMasterSp="0" showMasterPhAnim="0">
   <p:cSld>
     <p:spTree>
       <p:nvGrpSpPr>
-        <p:cNvPr id="68" name="Shape 68"/>
+        <p:cNvPr id="1" name="Shape 68"/>
         <p:cNvGrpSpPr/>
         <p:nvPr/>
       </p:nvGrpSpPr>
@@ -1018,9 +1048,11 @@
       <p:sp>
         <p:nvSpPr>
           <p:cNvPr id="69" name="Google Shape;69;g1642bbaf22c_0_7:notes"/>
-          <p:cNvSpPr/>
+          <p:cNvSpPr>
+            <a:spLocks noGrp="1" noRot="1" noChangeAspect="1"/>
+          </p:cNvSpPr>
           <p:nvPr>
-            <p:ph idx="2" type="sldImg"/>
+            <p:ph type="sldImg" idx="2"/>
           </p:nvPr>
         </p:nvSpPr>
         <p:spPr>
@@ -1029,9 +1061,13 @@
             <a:ext cx="6096000" cy="3429000"/>
           </a:xfrm>
           <a:custGeom>
-            <a:rect b="b" l="l" r="r" t="t"/>
+            <a:avLst/>
+            <a:gdLst/>
+            <a:ahLst/>
+            <a:cxnLst/>
+            <a:rect l="l" t="t" r="r" b="b"/>
             <a:pathLst>
-              <a:path extrusionOk="0" h="120000" w="120000">
+              <a:path w="120000" h="120000" extrusionOk="0">
                 <a:moveTo>
                   <a:pt x="0" y="0"/>
                 </a:moveTo>
@@ -1053,9 +1089,11 @@
       <p:sp>
         <p:nvSpPr>
           <p:cNvPr id="70" name="Google Shape;70;g1642bbaf22c_0_7:notes"/>
-          <p:cNvSpPr txBox="1"/>
+          <p:cNvSpPr txBox="1">
+            <a:spLocks noGrp="1"/>
+          </p:cNvSpPr>
           <p:nvPr>
-            <p:ph idx="1" type="body"/>
+            <p:ph type="body" idx="1"/>
           </p:nvPr>
         </p:nvSpPr>
         <p:spPr>
@@ -1068,12 +1106,12 @@
           </a:prstGeom>
         </p:spPr>
         <p:txBody>
-          <a:bodyPr anchorCtr="0" anchor="t" bIns="91425" lIns="91425" spcFirstLastPara="1" rIns="91425" wrap="square" tIns="91425">
+          <a:bodyPr spcFirstLastPara="1" wrap="square" lIns="91425" tIns="91425" rIns="91425" bIns="91425" anchor="t" anchorCtr="0">
             <a:noAutofit/>
           </a:bodyPr>
           <a:lstStyle/>
           <a:p>
-            <a:pPr indent="0" lvl="0" marL="0" rtl="0" algn="l">
+            <a:pPr marL="0" lvl="0" indent="0" algn="l" rtl="0">
               <a:spcBef>
                 <a:spcPts val="0"/>
               </a:spcBef>
@@ -1082,9 +1120,6 @@
               </a:spcAft>
               <a:buNone/>
             </a:pPr>
-            <a:r>
-              <a:t/>
-            </a:r>
             <a:endParaRPr/>
           </a:p>
         </p:txBody>
@@ -1098,11 +1133,11 @@
 </file>
 
 <file path=ppt/notesSlides/notesSlide5.xml><?xml version="1.0" encoding="utf-8"?>
-<p:notes xmlns:a="http://schemas.openxmlformats.org/drawingml/2006/main" xmlns:r="http://schemas.openxmlformats.org/officeDocument/2006/relationships" xmlns:mc="http://schemas.openxmlformats.org/markup-compatibility/2006" xmlns:mv="urn:schemas-microsoft-com:mac:vml" xmlns:p="http://schemas.openxmlformats.org/presentationml/2006/main" xmlns:c="http://schemas.openxmlformats.org/drawingml/2006/chart" xmlns:dgm="http://schemas.openxmlformats.org/drawingml/2006/diagram" xmlns:o="urn:schemas-microsoft-com:office:office" xmlns:v="urn:schemas-microsoft-com:vml" xmlns:pvml="urn:schemas-microsoft-com:office:powerpoint" xmlns:com="http://schemas.openxmlformats.org/drawingml/2006/compatibility" xmlns:p14="http://schemas.microsoft.com/office/powerpoint/2010/main" xmlns:p15="http://schemas.microsoft.com/office/powerpoint/2012/main" xmlns:ahyp="http://schemas.microsoft.com/office/drawing/2018/hyperlinkcolor" showMasterPhAnim="0" showMasterSp="0">
+<p:notes xmlns:a="http://schemas.openxmlformats.org/drawingml/2006/main" xmlns:r="http://schemas.openxmlformats.org/officeDocument/2006/relationships" xmlns:p="http://schemas.openxmlformats.org/presentationml/2006/main" showMasterSp="0" showMasterPhAnim="0">
   <p:cSld>
     <p:spTree>
       <p:nvGrpSpPr>
-        <p:cNvPr id="73" name="Shape 73"/>
+        <p:cNvPr id="1" name="Shape 73"/>
         <p:cNvGrpSpPr/>
         <p:nvPr/>
       </p:nvGrpSpPr>
@@ -1117,9 +1152,11 @@
       <p:sp>
         <p:nvSpPr>
           <p:cNvPr id="74" name="Google Shape;74;g140a9f1f93e_0_160:notes"/>
-          <p:cNvSpPr/>
+          <p:cNvSpPr>
+            <a:spLocks noGrp="1" noRot="1" noChangeAspect="1"/>
+          </p:cNvSpPr>
           <p:nvPr>
-            <p:ph idx="2" type="sldImg"/>
+            <p:ph type="sldImg" idx="2"/>
           </p:nvPr>
         </p:nvSpPr>
         <p:spPr>
@@ -1128,9 +1165,13 @@
             <a:ext cx="6096000" cy="3429000"/>
           </a:xfrm>
           <a:custGeom>
-            <a:rect b="b" l="l" r="r" t="t"/>
+            <a:avLst/>
+            <a:gdLst/>
+            <a:ahLst/>
+            <a:cxnLst/>
+            <a:rect l="l" t="t" r="r" b="b"/>
             <a:pathLst>
-              <a:path extrusionOk="0" h="120000" w="120000">
+              <a:path w="120000" h="120000" extrusionOk="0">
                 <a:moveTo>
                   <a:pt x="0" y="0"/>
                 </a:moveTo>
@@ -1152,9 +1193,11 @@
       <p:sp>
         <p:nvSpPr>
           <p:cNvPr id="75" name="Google Shape;75;g140a9f1f93e_0_160:notes"/>
-          <p:cNvSpPr txBox="1"/>
+          <p:cNvSpPr txBox="1">
+            <a:spLocks noGrp="1"/>
+          </p:cNvSpPr>
           <p:nvPr>
-            <p:ph idx="1" type="body"/>
+            <p:ph type="body" idx="1"/>
           </p:nvPr>
         </p:nvSpPr>
         <p:spPr>
@@ -1167,12 +1210,12 @@
           </a:prstGeom>
         </p:spPr>
         <p:txBody>
-          <a:bodyPr anchorCtr="0" anchor="t" bIns="91425" lIns="91425" spcFirstLastPara="1" rIns="91425" wrap="square" tIns="91425">
+          <a:bodyPr spcFirstLastPara="1" wrap="square" lIns="91425" tIns="91425" rIns="91425" bIns="91425" anchor="t" anchorCtr="0">
             <a:noAutofit/>
           </a:bodyPr>
           <a:lstStyle/>
           <a:p>
-            <a:pPr indent="0" lvl="0" marL="0" rtl="0" algn="l">
+            <a:pPr marL="0" lvl="0" indent="0" algn="l" rtl="0">
               <a:spcBef>
                 <a:spcPts val="0"/>
               </a:spcBef>
@@ -1215,7 +1258,7 @@
             </a:endParaRPr>
           </a:p>
           <a:p>
-            <a:pPr indent="0" lvl="0" marL="0" rtl="0" algn="l">
+            <a:pPr marL="0" lvl="0" indent="0" algn="l" rtl="0">
               <a:spcBef>
                 <a:spcPts val="0"/>
               </a:spcBef>
@@ -1258,7 +1301,7 @@
             </a:endParaRPr>
           </a:p>
           <a:p>
-            <a:pPr indent="0" lvl="0" marL="0" rtl="0" algn="l">
+            <a:pPr marL="0" lvl="0" indent="0" algn="l" rtl="0">
               <a:spcBef>
                 <a:spcPts val="0"/>
               </a:spcBef>
@@ -1301,7 +1344,7 @@
             </a:endParaRPr>
           </a:p>
           <a:p>
-            <a:pPr indent="0" lvl="0" marL="0" rtl="0" algn="l">
+            <a:pPr marL="0" lvl="0" indent="0" algn="l" rtl="0">
               <a:spcBef>
                 <a:spcPts val="0"/>
               </a:spcBef>
@@ -1344,7 +1387,7 @@
             </a:endParaRPr>
           </a:p>
           <a:p>
-            <a:pPr indent="0" lvl="0" marL="0" rtl="0" algn="l">
+            <a:pPr marL="0" lvl="0" indent="0" algn="l" rtl="0">
               <a:spcBef>
                 <a:spcPts val="0"/>
               </a:spcBef>
@@ -1387,7 +1430,7 @@
             </a:endParaRPr>
           </a:p>
           <a:p>
-            <a:pPr indent="0" lvl="0" marL="0" rtl="0" algn="l">
+            <a:pPr marL="0" lvl="0" indent="0" algn="l" rtl="0">
               <a:spcBef>
                 <a:spcPts val="0"/>
               </a:spcBef>
@@ -1424,11 +1467,11 @@
 </file>
 
 <file path=ppt/notesSlides/notesSlide6.xml><?xml version="1.0" encoding="utf-8"?>
-<p:notes xmlns:a="http://schemas.openxmlformats.org/drawingml/2006/main" xmlns:r="http://schemas.openxmlformats.org/officeDocument/2006/relationships" xmlns:mc="http://schemas.openxmlformats.org/markup-compatibility/2006" xmlns:mv="urn:schemas-microsoft-com:mac:vml" xmlns:p="http://schemas.openxmlformats.org/presentationml/2006/main" xmlns:c="http://schemas.openxmlformats.org/drawingml/2006/chart" xmlns:dgm="http://schemas.openxmlformats.org/drawingml/2006/diagram" xmlns:o="urn:schemas-microsoft-com:office:office" xmlns:v="urn:schemas-microsoft-com:vml" xmlns:pvml="urn:schemas-microsoft-com:office:powerpoint" xmlns:com="http://schemas.openxmlformats.org/drawingml/2006/compatibility" xmlns:p14="http://schemas.microsoft.com/office/powerpoint/2010/main" xmlns:p15="http://schemas.microsoft.com/office/powerpoint/2012/main" xmlns:ahyp="http://schemas.microsoft.com/office/drawing/2018/hyperlinkcolor" showMasterPhAnim="0" showMasterSp="0">
+<p:notes xmlns:a="http://schemas.openxmlformats.org/drawingml/2006/main" xmlns:r="http://schemas.openxmlformats.org/officeDocument/2006/relationships" xmlns:p="http://schemas.openxmlformats.org/presentationml/2006/main" showMasterSp="0" showMasterPhAnim="0">
   <p:cSld>
     <p:spTree>
       <p:nvGrpSpPr>
-        <p:cNvPr id="78" name="Shape 78"/>
+        <p:cNvPr id="1" name="Shape 78"/>
         <p:cNvGrpSpPr/>
         <p:nvPr/>
       </p:nvGrpSpPr>
@@ -1443,9 +1486,11 @@
       <p:sp>
         <p:nvSpPr>
           <p:cNvPr id="79" name="Google Shape;79;g140a9f1f93e_0_210:notes"/>
-          <p:cNvSpPr/>
+          <p:cNvSpPr>
+            <a:spLocks noGrp="1" noRot="1" noChangeAspect="1"/>
+          </p:cNvSpPr>
           <p:nvPr>
-            <p:ph idx="2" type="sldImg"/>
+            <p:ph type="sldImg" idx="2"/>
           </p:nvPr>
         </p:nvSpPr>
         <p:spPr>
@@ -1454,9 +1499,13 @@
             <a:ext cx="6096000" cy="3429000"/>
           </a:xfrm>
           <a:custGeom>
-            <a:rect b="b" l="l" r="r" t="t"/>
+            <a:avLst/>
+            <a:gdLst/>
+            <a:ahLst/>
+            <a:cxnLst/>
+            <a:rect l="l" t="t" r="r" b="b"/>
             <a:pathLst>
-              <a:path extrusionOk="0" h="120000" w="120000">
+              <a:path w="120000" h="120000" extrusionOk="0">
                 <a:moveTo>
                   <a:pt x="0" y="0"/>
                 </a:moveTo>
@@ -1478,9 +1527,11 @@
       <p:sp>
         <p:nvSpPr>
           <p:cNvPr id="80" name="Google Shape;80;g140a9f1f93e_0_210:notes"/>
-          <p:cNvSpPr txBox="1"/>
+          <p:cNvSpPr txBox="1">
+            <a:spLocks noGrp="1"/>
+          </p:cNvSpPr>
           <p:nvPr>
-            <p:ph idx="1" type="body"/>
+            <p:ph type="body" idx="1"/>
           </p:nvPr>
         </p:nvSpPr>
         <p:spPr>
@@ -1493,12 +1544,12 @@
           </a:prstGeom>
         </p:spPr>
         <p:txBody>
-          <a:bodyPr anchorCtr="0" anchor="t" bIns="91425" lIns="91425" spcFirstLastPara="1" rIns="91425" wrap="square" tIns="91425">
+          <a:bodyPr spcFirstLastPara="1" wrap="square" lIns="91425" tIns="91425" rIns="91425" bIns="91425" anchor="t" anchorCtr="0">
             <a:noAutofit/>
           </a:bodyPr>
           <a:lstStyle/>
           <a:p>
-            <a:pPr indent="0" lvl="0" marL="0" rtl="0" algn="l">
+            <a:pPr marL="0" lvl="0" indent="0" algn="l" rtl="0">
               <a:spcBef>
                 <a:spcPts val="0"/>
               </a:spcBef>
@@ -1507,9 +1558,6 @@
               </a:spcAft>
               <a:buNone/>
             </a:pPr>
-            <a:r>
-              <a:t/>
-            </a:r>
             <a:endParaRPr/>
           </a:p>
         </p:txBody>
@@ -1523,11 +1571,11 @@
 </file>
 
 <file path=ppt/notesSlides/notesSlide7.xml><?xml version="1.0" encoding="utf-8"?>
-<p:notes xmlns:a="http://schemas.openxmlformats.org/drawingml/2006/main" xmlns:r="http://schemas.openxmlformats.org/officeDocument/2006/relationships" xmlns:mc="http://schemas.openxmlformats.org/markup-compatibility/2006" xmlns:mv="urn:schemas-microsoft-com:mac:vml" xmlns:p="http://schemas.openxmlformats.org/presentationml/2006/main" xmlns:c="http://schemas.openxmlformats.org/drawingml/2006/chart" xmlns:dgm="http://schemas.openxmlformats.org/drawingml/2006/diagram" xmlns:o="urn:schemas-microsoft-com:office:office" xmlns:v="urn:schemas-microsoft-com:vml" xmlns:pvml="urn:schemas-microsoft-com:office:powerpoint" xmlns:com="http://schemas.openxmlformats.org/drawingml/2006/compatibility" xmlns:p14="http://schemas.microsoft.com/office/powerpoint/2010/main" xmlns:p15="http://schemas.microsoft.com/office/powerpoint/2012/main" xmlns:ahyp="http://schemas.microsoft.com/office/drawing/2018/hyperlinkcolor" showMasterPhAnim="0" showMasterSp="0">
+<p:notes xmlns:a="http://schemas.openxmlformats.org/drawingml/2006/main" xmlns:r="http://schemas.openxmlformats.org/officeDocument/2006/relationships" xmlns:p="http://schemas.openxmlformats.org/presentationml/2006/main" showMasterSp="0" showMasterPhAnim="0">
   <p:cSld>
     <p:spTree>
       <p:nvGrpSpPr>
-        <p:cNvPr id="84" name="Shape 84"/>
+        <p:cNvPr id="1" name="Shape 84"/>
         <p:cNvGrpSpPr/>
         <p:nvPr/>
       </p:nvGrpSpPr>
@@ -1542,9 +1590,11 @@
       <p:sp>
         <p:nvSpPr>
           <p:cNvPr id="85" name="Google Shape;85;g1642b854354_0_0:notes"/>
-          <p:cNvSpPr/>
+          <p:cNvSpPr>
+            <a:spLocks noGrp="1" noRot="1" noChangeAspect="1"/>
+          </p:cNvSpPr>
           <p:nvPr>
-            <p:ph idx="2" type="sldImg"/>
+            <p:ph type="sldImg" idx="2"/>
           </p:nvPr>
         </p:nvSpPr>
         <p:spPr>
@@ -1553,9 +1603,13 @@
             <a:ext cx="6096000" cy="3429000"/>
           </a:xfrm>
           <a:custGeom>
-            <a:rect b="b" l="l" r="r" t="t"/>
+            <a:avLst/>
+            <a:gdLst/>
+            <a:ahLst/>
+            <a:cxnLst/>
+            <a:rect l="l" t="t" r="r" b="b"/>
             <a:pathLst>
-              <a:path extrusionOk="0" h="120000" w="120000">
+              <a:path w="120000" h="120000" extrusionOk="0">
                 <a:moveTo>
                   <a:pt x="0" y="0"/>
                 </a:moveTo>
@@ -1577,9 +1631,11 @@
       <p:sp>
         <p:nvSpPr>
           <p:cNvPr id="86" name="Google Shape;86;g1642b854354_0_0:notes"/>
-          <p:cNvSpPr txBox="1"/>
+          <p:cNvSpPr txBox="1">
+            <a:spLocks noGrp="1"/>
+          </p:cNvSpPr>
           <p:nvPr>
-            <p:ph idx="1" type="body"/>
+            <p:ph type="body" idx="1"/>
           </p:nvPr>
         </p:nvSpPr>
         <p:spPr>
@@ -1592,12 +1648,12 @@
           </a:prstGeom>
         </p:spPr>
         <p:txBody>
-          <a:bodyPr anchorCtr="0" anchor="t" bIns="91425" lIns="91425" spcFirstLastPara="1" rIns="91425" wrap="square" tIns="91425">
+          <a:bodyPr spcFirstLastPara="1" wrap="square" lIns="91425" tIns="91425" rIns="91425" bIns="91425" anchor="t" anchorCtr="0">
             <a:noAutofit/>
           </a:bodyPr>
           <a:lstStyle/>
           <a:p>
-            <a:pPr indent="0" lvl="0" marL="0" rtl="0" algn="l">
+            <a:pPr marL="0" lvl="0" indent="0" algn="l" rtl="0">
               <a:spcBef>
                 <a:spcPts val="0"/>
               </a:spcBef>
@@ -1606,9 +1662,6 @@
               </a:spcAft>
               <a:buNone/>
             </a:pPr>
-            <a:r>
-              <a:t/>
-            </a:r>
             <a:endParaRPr/>
           </a:p>
         </p:txBody>
@@ -1622,11 +1675,11 @@
 </file>
 
 <file path=ppt/slideLayouts/slideLayout1.xml><?xml version="1.0" encoding="utf-8"?>
-<p:sldLayout xmlns:a="http://schemas.openxmlformats.org/drawingml/2006/main" xmlns:r="http://schemas.openxmlformats.org/officeDocument/2006/relationships" xmlns:mc="http://schemas.openxmlformats.org/markup-compatibility/2006" xmlns:mv="urn:schemas-microsoft-com:mac:vml" xmlns:p="http://schemas.openxmlformats.org/presentationml/2006/main" xmlns:c="http://schemas.openxmlformats.org/drawingml/2006/chart" xmlns:dgm="http://schemas.openxmlformats.org/drawingml/2006/diagram" xmlns:o="urn:schemas-microsoft-com:office:office" xmlns:v="urn:schemas-microsoft-com:vml" xmlns:pvml="urn:schemas-microsoft-com:office:powerpoint" xmlns:com="http://schemas.openxmlformats.org/drawingml/2006/compatibility" xmlns:p14="http://schemas.microsoft.com/office/powerpoint/2010/main" xmlns:p15="http://schemas.microsoft.com/office/powerpoint/2012/main" xmlns:ahyp="http://schemas.microsoft.com/office/drawing/2018/hyperlinkcolor" matchingName="Title slide" type="title">
+<p:sldLayout xmlns:a="http://schemas.openxmlformats.org/drawingml/2006/main" xmlns:r="http://schemas.openxmlformats.org/officeDocument/2006/relationships" xmlns:p="http://schemas.openxmlformats.org/presentationml/2006/main" matchingName="Title slide" type="title">
   <p:cSld name="TITLE">
     <p:spTree>
       <p:nvGrpSpPr>
-        <p:cNvPr id="9" name="Shape 9"/>
+        <p:cNvPr id="1" name="Shape 9"/>
         <p:cNvGrpSpPr/>
         <p:nvPr/>
       </p:nvGrpSpPr>
@@ -1641,7 +1694,9 @@
       <p:sp>
         <p:nvSpPr>
           <p:cNvPr id="10" name="Google Shape;10;p2"/>
-          <p:cNvSpPr txBox="1"/>
+          <p:cNvSpPr txBox="1">
+            <a:spLocks noGrp="1"/>
+          </p:cNvSpPr>
           <p:nvPr>
             <p:ph type="ctrTitle"/>
           </p:nvPr>
@@ -1656,7 +1711,7 @@
           </a:prstGeom>
         </p:spPr>
         <p:txBody>
-          <a:bodyPr anchorCtr="0" anchor="b" bIns="91425" lIns="91425" spcFirstLastPara="1" rIns="91425" wrap="square" tIns="91425">
+          <a:bodyPr spcFirstLastPara="1" wrap="square" lIns="91425" tIns="91425" rIns="91425" bIns="91425" anchor="b" anchorCtr="0">
             <a:normAutofit/>
           </a:bodyPr>
           <a:lstStyle>
@@ -1760,15 +1815,19 @@
               <a:defRPr sz="5200"/>
             </a:lvl9pPr>
           </a:lstStyle>
-          <a:p/>
+          <a:p>
+            <a:endParaRPr/>
+          </a:p>
         </p:txBody>
       </p:sp>
       <p:sp>
         <p:nvSpPr>
           <p:cNvPr id="11" name="Google Shape;11;p2"/>
-          <p:cNvSpPr txBox="1"/>
+          <p:cNvSpPr txBox="1">
+            <a:spLocks noGrp="1"/>
+          </p:cNvSpPr>
           <p:nvPr>
-            <p:ph idx="1" type="subTitle"/>
+            <p:ph type="subTitle" idx="1"/>
           </p:nvPr>
         </p:nvSpPr>
         <p:spPr>
@@ -1781,7 +1840,7 @@
           </a:prstGeom>
         </p:spPr>
         <p:txBody>
-          <a:bodyPr anchorCtr="0" anchor="t" bIns="91425" lIns="91425" spcFirstLastPara="1" rIns="91425" wrap="square" tIns="91425">
+          <a:bodyPr spcFirstLastPara="1" wrap="square" lIns="91425" tIns="91425" rIns="91425" bIns="91425" anchor="t" anchorCtr="0">
             <a:normAutofit/>
           </a:bodyPr>
           <a:lstStyle>
@@ -1912,15 +1971,19 @@
               <a:defRPr sz="2800"/>
             </a:lvl9pPr>
           </a:lstStyle>
-          <a:p/>
+          <a:p>
+            <a:endParaRPr/>
+          </a:p>
         </p:txBody>
       </p:sp>
       <p:sp>
         <p:nvSpPr>
           <p:cNvPr id="12" name="Google Shape;12;p2"/>
-          <p:cNvSpPr txBox="1"/>
+          <p:cNvSpPr txBox="1">
+            <a:spLocks noGrp="1"/>
+          </p:cNvSpPr>
           <p:nvPr>
-            <p:ph idx="12" type="sldNum"/>
+            <p:ph type="sldNum" idx="12"/>
           </p:nvPr>
         </p:nvSpPr>
         <p:spPr>
@@ -1933,7 +1996,7 @@
           </a:prstGeom>
         </p:spPr>
         <p:txBody>
-          <a:bodyPr anchorCtr="0" anchor="ctr" bIns="91425" lIns="91425" spcFirstLastPara="1" rIns="91425" wrap="square" tIns="91425">
+          <a:bodyPr spcFirstLastPara="1" wrap="square" lIns="91425" tIns="91425" rIns="91425" bIns="91425" anchor="ctr" anchorCtr="0">
             <a:normAutofit/>
           </a:bodyPr>
           <a:lstStyle>
@@ -1975,7 +2038,7 @@
             </a:lvl9pPr>
           </a:lstStyle>
           <a:p>
-            <a:pPr indent="0" lvl="0" marL="0" rtl="0" algn="r">
+            <a:pPr marL="0" lvl="0" indent="0" algn="r" rtl="0">
               <a:spcBef>
                 <a:spcPts val="0"/>
               </a:spcBef>
@@ -2001,11 +2064,11 @@
 </file>
 
 <file path=ppt/slideLayouts/slideLayout10.xml><?xml version="1.0" encoding="utf-8"?>
-<p:sldLayout xmlns:a="http://schemas.openxmlformats.org/drawingml/2006/main" xmlns:r="http://schemas.openxmlformats.org/officeDocument/2006/relationships" xmlns:mc="http://schemas.openxmlformats.org/markup-compatibility/2006" xmlns:mv="urn:schemas-microsoft-com:mac:vml" xmlns:p="http://schemas.openxmlformats.org/presentationml/2006/main" xmlns:c="http://schemas.openxmlformats.org/drawingml/2006/chart" xmlns:dgm="http://schemas.openxmlformats.org/drawingml/2006/diagram" xmlns:o="urn:schemas-microsoft-com:office:office" xmlns:v="urn:schemas-microsoft-com:vml" xmlns:pvml="urn:schemas-microsoft-com:office:powerpoint" xmlns:com="http://schemas.openxmlformats.org/drawingml/2006/compatibility" xmlns:p14="http://schemas.microsoft.com/office/powerpoint/2010/main" xmlns:p15="http://schemas.microsoft.com/office/powerpoint/2012/main" xmlns:ahyp="http://schemas.microsoft.com/office/drawing/2018/hyperlinkcolor" matchingName="Big number">
+<p:sldLayout xmlns:a="http://schemas.openxmlformats.org/drawingml/2006/main" xmlns:r="http://schemas.openxmlformats.org/officeDocument/2006/relationships" xmlns:p="http://schemas.openxmlformats.org/presentationml/2006/main" matchingName="Big number">
   <p:cSld name="BIG_NUMBER">
     <p:spTree>
       <p:nvGrpSpPr>
-        <p:cNvPr id="44" name="Shape 44"/>
+        <p:cNvPr id="1" name="Shape 44"/>
         <p:cNvGrpSpPr/>
         <p:nvPr/>
       </p:nvGrpSpPr>
@@ -2020,9 +2083,11 @@
       <p:sp>
         <p:nvSpPr>
           <p:cNvPr id="45" name="Google Shape;45;p11"/>
-          <p:cNvSpPr txBox="1"/>
+          <p:cNvSpPr txBox="1">
+            <a:spLocks noGrp="1"/>
+          </p:cNvSpPr>
           <p:nvPr>
-            <p:ph hasCustomPrompt="1" type="title"/>
+            <p:ph type="title" hasCustomPrompt="1"/>
           </p:nvPr>
         </p:nvSpPr>
         <p:spPr>
@@ -2035,7 +2100,7 @@
           </a:prstGeom>
         </p:spPr>
         <p:txBody>
-          <a:bodyPr anchorCtr="0" anchor="b" bIns="91425" lIns="91425" spcFirstLastPara="1" rIns="91425" wrap="square" tIns="91425">
+          <a:bodyPr spcFirstLastPara="1" wrap="square" lIns="91425" tIns="91425" rIns="91425" bIns="91425" anchor="b" anchorCtr="0">
             <a:normAutofit/>
           </a:bodyPr>
           <a:lstStyle>
@@ -2149,9 +2214,11 @@
       <p:sp>
         <p:nvSpPr>
           <p:cNvPr id="46" name="Google Shape;46;p11"/>
-          <p:cNvSpPr txBox="1"/>
+          <p:cNvSpPr txBox="1">
+            <a:spLocks noGrp="1"/>
+          </p:cNvSpPr>
           <p:nvPr>
-            <p:ph idx="1" type="body"/>
+            <p:ph type="body" idx="1"/>
           </p:nvPr>
         </p:nvSpPr>
         <p:spPr>
@@ -2164,11 +2231,11 @@
           </a:prstGeom>
         </p:spPr>
         <p:txBody>
-          <a:bodyPr anchorCtr="0" anchor="t" bIns="91425" lIns="91425" spcFirstLastPara="1" rIns="91425" wrap="square" tIns="91425">
+          <a:bodyPr spcFirstLastPara="1" wrap="square" lIns="91425" tIns="91425" rIns="91425" bIns="91425" anchor="t" anchorCtr="0">
             <a:normAutofit/>
           </a:bodyPr>
           <a:lstStyle>
-            <a:lvl1pPr indent="-342900" lvl="0" marL="457200" algn="ctr">
+            <a:lvl1pPr marL="457200" lvl="0" indent="-342900" algn="ctr">
               <a:spcBef>
                 <a:spcPts val="0"/>
               </a:spcBef>
@@ -2179,7 +2246,7 @@
               <a:buChar char="●"/>
               <a:defRPr/>
             </a:lvl1pPr>
-            <a:lvl2pPr indent="-317500" lvl="1" marL="914400" algn="ctr">
+            <a:lvl2pPr marL="914400" lvl="1" indent="-317500" algn="ctr">
               <a:spcBef>
                 <a:spcPts val="0"/>
               </a:spcBef>
@@ -2190,7 +2257,7 @@
               <a:buChar char="○"/>
               <a:defRPr/>
             </a:lvl2pPr>
-            <a:lvl3pPr indent="-317500" lvl="2" marL="1371600" algn="ctr">
+            <a:lvl3pPr marL="1371600" lvl="2" indent="-317500" algn="ctr">
               <a:spcBef>
                 <a:spcPts val="0"/>
               </a:spcBef>
@@ -2201,7 +2268,7 @@
               <a:buChar char="■"/>
               <a:defRPr/>
             </a:lvl3pPr>
-            <a:lvl4pPr indent="-317500" lvl="3" marL="1828800" algn="ctr">
+            <a:lvl4pPr marL="1828800" lvl="3" indent="-317500" algn="ctr">
               <a:spcBef>
                 <a:spcPts val="0"/>
               </a:spcBef>
@@ -2212,7 +2279,7 @@
               <a:buChar char="●"/>
               <a:defRPr/>
             </a:lvl4pPr>
-            <a:lvl5pPr indent="-317500" lvl="4" marL="2286000" algn="ctr">
+            <a:lvl5pPr marL="2286000" lvl="4" indent="-317500" algn="ctr">
               <a:spcBef>
                 <a:spcPts val="0"/>
               </a:spcBef>
@@ -2223,7 +2290,7 @@
               <a:buChar char="○"/>
               <a:defRPr/>
             </a:lvl5pPr>
-            <a:lvl6pPr indent="-317500" lvl="5" marL="2743200" algn="ctr">
+            <a:lvl6pPr marL="2743200" lvl="5" indent="-317500" algn="ctr">
               <a:spcBef>
                 <a:spcPts val="0"/>
               </a:spcBef>
@@ -2234,7 +2301,7 @@
               <a:buChar char="■"/>
               <a:defRPr/>
             </a:lvl6pPr>
-            <a:lvl7pPr indent="-317500" lvl="6" marL="3200400" algn="ctr">
+            <a:lvl7pPr marL="3200400" lvl="6" indent="-317500" algn="ctr">
               <a:spcBef>
                 <a:spcPts val="0"/>
               </a:spcBef>
@@ -2245,7 +2312,7 @@
               <a:buChar char="●"/>
               <a:defRPr/>
             </a:lvl7pPr>
-            <a:lvl8pPr indent="-317500" lvl="7" marL="3657600" algn="ctr">
+            <a:lvl8pPr marL="3657600" lvl="7" indent="-317500" algn="ctr">
               <a:spcBef>
                 <a:spcPts val="0"/>
               </a:spcBef>
@@ -2256,7 +2323,7 @@
               <a:buChar char="○"/>
               <a:defRPr/>
             </a:lvl8pPr>
-            <a:lvl9pPr indent="-317500" lvl="8" marL="4114800" algn="ctr">
+            <a:lvl9pPr marL="4114800" lvl="8" indent="-317500" algn="ctr">
               <a:spcBef>
                 <a:spcPts val="0"/>
               </a:spcBef>
@@ -2268,15 +2335,19 @@
               <a:defRPr/>
             </a:lvl9pPr>
           </a:lstStyle>
-          <a:p/>
+          <a:p>
+            <a:endParaRPr/>
+          </a:p>
         </p:txBody>
       </p:sp>
       <p:sp>
         <p:nvSpPr>
           <p:cNvPr id="47" name="Google Shape;47;p11"/>
-          <p:cNvSpPr txBox="1"/>
+          <p:cNvSpPr txBox="1">
+            <a:spLocks noGrp="1"/>
+          </p:cNvSpPr>
           <p:nvPr>
-            <p:ph idx="12" type="sldNum"/>
+            <p:ph type="sldNum" idx="12"/>
           </p:nvPr>
         </p:nvSpPr>
         <p:spPr>
@@ -2289,7 +2360,7 @@
           </a:prstGeom>
         </p:spPr>
         <p:txBody>
-          <a:bodyPr anchorCtr="0" anchor="ctr" bIns="91425" lIns="91425" spcFirstLastPara="1" rIns="91425" wrap="square" tIns="91425">
+          <a:bodyPr spcFirstLastPara="1" wrap="square" lIns="91425" tIns="91425" rIns="91425" bIns="91425" anchor="ctr" anchorCtr="0">
             <a:normAutofit/>
           </a:bodyPr>
           <a:lstStyle>
@@ -2331,7 +2402,7 @@
             </a:lvl9pPr>
           </a:lstStyle>
           <a:p>
-            <a:pPr indent="0" lvl="0" marL="0" rtl="0" algn="r">
+            <a:pPr marL="0" lvl="0" indent="0" algn="r" rtl="0">
               <a:spcBef>
                 <a:spcPts val="0"/>
               </a:spcBef>
@@ -2357,11 +2428,11 @@
 </file>
 
 <file path=ppt/slideLayouts/slideLayout11.xml><?xml version="1.0" encoding="utf-8"?>
-<p:sldLayout xmlns:a="http://schemas.openxmlformats.org/drawingml/2006/main" xmlns:r="http://schemas.openxmlformats.org/officeDocument/2006/relationships" xmlns:mc="http://schemas.openxmlformats.org/markup-compatibility/2006" xmlns:mv="urn:schemas-microsoft-com:mac:vml" xmlns:p="http://schemas.openxmlformats.org/presentationml/2006/main" xmlns:c="http://schemas.openxmlformats.org/drawingml/2006/chart" xmlns:dgm="http://schemas.openxmlformats.org/drawingml/2006/diagram" xmlns:o="urn:schemas-microsoft-com:office:office" xmlns:v="urn:schemas-microsoft-com:vml" xmlns:pvml="urn:schemas-microsoft-com:office:powerpoint" xmlns:com="http://schemas.openxmlformats.org/drawingml/2006/compatibility" xmlns:p14="http://schemas.microsoft.com/office/powerpoint/2010/main" xmlns:p15="http://schemas.microsoft.com/office/powerpoint/2012/main" xmlns:ahyp="http://schemas.microsoft.com/office/drawing/2018/hyperlinkcolor" matchingName="Blank" type="blank">
+<p:sldLayout xmlns:a="http://schemas.openxmlformats.org/drawingml/2006/main" xmlns:r="http://schemas.openxmlformats.org/officeDocument/2006/relationships" xmlns:p="http://schemas.openxmlformats.org/presentationml/2006/main" matchingName="Blank" type="blank">
   <p:cSld name="BLANK">
     <p:spTree>
       <p:nvGrpSpPr>
-        <p:cNvPr id="48" name="Shape 48"/>
+        <p:cNvPr id="1" name="Shape 48"/>
         <p:cNvGrpSpPr/>
         <p:nvPr/>
       </p:nvGrpSpPr>
@@ -2376,9 +2447,11 @@
       <p:sp>
         <p:nvSpPr>
           <p:cNvPr id="49" name="Google Shape;49;p12"/>
-          <p:cNvSpPr txBox="1"/>
+          <p:cNvSpPr txBox="1">
+            <a:spLocks noGrp="1"/>
+          </p:cNvSpPr>
           <p:nvPr>
-            <p:ph idx="12" type="sldNum"/>
+            <p:ph type="sldNum" idx="12"/>
           </p:nvPr>
         </p:nvSpPr>
         <p:spPr>
@@ -2391,7 +2464,7 @@
           </a:prstGeom>
         </p:spPr>
         <p:txBody>
-          <a:bodyPr anchorCtr="0" anchor="ctr" bIns="91425" lIns="91425" spcFirstLastPara="1" rIns="91425" wrap="square" tIns="91425">
+          <a:bodyPr spcFirstLastPara="1" wrap="square" lIns="91425" tIns="91425" rIns="91425" bIns="91425" anchor="ctr" anchorCtr="0">
             <a:normAutofit/>
           </a:bodyPr>
           <a:lstStyle>
@@ -2433,7 +2506,7 @@
             </a:lvl9pPr>
           </a:lstStyle>
           <a:p>
-            <a:pPr indent="0" lvl="0" marL="0" rtl="0" algn="r">
+            <a:pPr marL="0" lvl="0" indent="0" algn="r" rtl="0">
               <a:spcBef>
                 <a:spcPts val="0"/>
               </a:spcBef>
@@ -2459,11 +2532,11 @@
 </file>
 
 <file path=ppt/slideLayouts/slideLayout2.xml><?xml version="1.0" encoding="utf-8"?>
-<p:sldLayout xmlns:a="http://schemas.openxmlformats.org/drawingml/2006/main" xmlns:r="http://schemas.openxmlformats.org/officeDocument/2006/relationships" xmlns:mc="http://schemas.openxmlformats.org/markup-compatibility/2006" xmlns:mv="urn:schemas-microsoft-com:mac:vml" xmlns:p="http://schemas.openxmlformats.org/presentationml/2006/main" xmlns:c="http://schemas.openxmlformats.org/drawingml/2006/chart" xmlns:dgm="http://schemas.openxmlformats.org/drawingml/2006/diagram" xmlns:o="urn:schemas-microsoft-com:office:office" xmlns:v="urn:schemas-microsoft-com:vml" xmlns:pvml="urn:schemas-microsoft-com:office:powerpoint" xmlns:com="http://schemas.openxmlformats.org/drawingml/2006/compatibility" xmlns:p14="http://schemas.microsoft.com/office/powerpoint/2010/main" xmlns:p15="http://schemas.microsoft.com/office/powerpoint/2012/main" xmlns:ahyp="http://schemas.microsoft.com/office/drawing/2018/hyperlinkcolor" matchingName="Section header" type="secHead">
+<p:sldLayout xmlns:a="http://schemas.openxmlformats.org/drawingml/2006/main" xmlns:r="http://schemas.openxmlformats.org/officeDocument/2006/relationships" xmlns:p="http://schemas.openxmlformats.org/presentationml/2006/main" matchingName="Section header" type="secHead">
   <p:cSld name="SECTION_HEADER">
     <p:spTree>
       <p:nvGrpSpPr>
-        <p:cNvPr id="13" name="Shape 13"/>
+        <p:cNvPr id="1" name="Shape 13"/>
         <p:cNvGrpSpPr/>
         <p:nvPr/>
       </p:nvGrpSpPr>
@@ -2478,7 +2551,9 @@
       <p:sp>
         <p:nvSpPr>
           <p:cNvPr id="14" name="Google Shape;14;p3"/>
-          <p:cNvSpPr txBox="1"/>
+          <p:cNvSpPr txBox="1">
+            <a:spLocks noGrp="1"/>
+          </p:cNvSpPr>
           <p:nvPr>
             <p:ph type="title"/>
           </p:nvPr>
@@ -2493,7 +2568,7 @@
           </a:prstGeom>
         </p:spPr>
         <p:txBody>
-          <a:bodyPr anchorCtr="0" anchor="ctr" bIns="91425" lIns="91425" spcFirstLastPara="1" rIns="91425" wrap="square" tIns="91425">
+          <a:bodyPr spcFirstLastPara="1" wrap="square" lIns="91425" tIns="91425" rIns="91425" bIns="91425" anchor="ctr" anchorCtr="0">
             <a:normAutofit/>
           </a:bodyPr>
           <a:lstStyle>
@@ -2597,15 +2672,19 @@
               <a:defRPr sz="3600"/>
             </a:lvl9pPr>
           </a:lstStyle>
-          <a:p/>
+          <a:p>
+            <a:endParaRPr/>
+          </a:p>
         </p:txBody>
       </p:sp>
       <p:sp>
         <p:nvSpPr>
           <p:cNvPr id="15" name="Google Shape;15;p3"/>
-          <p:cNvSpPr txBox="1"/>
+          <p:cNvSpPr txBox="1">
+            <a:spLocks noGrp="1"/>
+          </p:cNvSpPr>
           <p:nvPr>
-            <p:ph idx="12" type="sldNum"/>
+            <p:ph type="sldNum" idx="12"/>
           </p:nvPr>
         </p:nvSpPr>
         <p:spPr>
@@ -2618,7 +2697,7 @@
           </a:prstGeom>
         </p:spPr>
         <p:txBody>
-          <a:bodyPr anchorCtr="0" anchor="ctr" bIns="91425" lIns="91425" spcFirstLastPara="1" rIns="91425" wrap="square" tIns="91425">
+          <a:bodyPr spcFirstLastPara="1" wrap="square" lIns="91425" tIns="91425" rIns="91425" bIns="91425" anchor="ctr" anchorCtr="0">
             <a:normAutofit/>
           </a:bodyPr>
           <a:lstStyle>
@@ -2660,7 +2739,7 @@
             </a:lvl9pPr>
           </a:lstStyle>
           <a:p>
-            <a:pPr indent="0" lvl="0" marL="0" rtl="0" algn="r">
+            <a:pPr marL="0" lvl="0" indent="0" algn="r" rtl="0">
               <a:spcBef>
                 <a:spcPts val="0"/>
               </a:spcBef>
@@ -2686,11 +2765,11 @@
 </file>
 
 <file path=ppt/slideLayouts/slideLayout3.xml><?xml version="1.0" encoding="utf-8"?>
-<p:sldLayout xmlns:a="http://schemas.openxmlformats.org/drawingml/2006/main" xmlns:r="http://schemas.openxmlformats.org/officeDocument/2006/relationships" xmlns:mc="http://schemas.openxmlformats.org/markup-compatibility/2006" xmlns:mv="urn:schemas-microsoft-com:mac:vml" xmlns:p="http://schemas.openxmlformats.org/presentationml/2006/main" xmlns:c="http://schemas.openxmlformats.org/drawingml/2006/chart" xmlns:dgm="http://schemas.openxmlformats.org/drawingml/2006/diagram" xmlns:o="urn:schemas-microsoft-com:office:office" xmlns:v="urn:schemas-microsoft-com:vml" xmlns:pvml="urn:schemas-microsoft-com:office:powerpoint" xmlns:com="http://schemas.openxmlformats.org/drawingml/2006/compatibility" xmlns:p14="http://schemas.microsoft.com/office/powerpoint/2010/main" xmlns:p15="http://schemas.microsoft.com/office/powerpoint/2012/main" xmlns:ahyp="http://schemas.microsoft.com/office/drawing/2018/hyperlinkcolor" matchingName="Title and body" type="tx">
+<p:sldLayout xmlns:a="http://schemas.openxmlformats.org/drawingml/2006/main" xmlns:r="http://schemas.openxmlformats.org/officeDocument/2006/relationships" xmlns:p="http://schemas.openxmlformats.org/presentationml/2006/main" matchingName="Title and body" type="tx">
   <p:cSld name="TITLE_AND_BODY">
     <p:spTree>
       <p:nvGrpSpPr>
-        <p:cNvPr id="16" name="Shape 16"/>
+        <p:cNvPr id="1" name="Shape 16"/>
         <p:cNvGrpSpPr/>
         <p:nvPr/>
       </p:nvGrpSpPr>
@@ -2705,7 +2784,9 @@
       <p:sp>
         <p:nvSpPr>
           <p:cNvPr id="17" name="Google Shape;17;p4"/>
-          <p:cNvSpPr txBox="1"/>
+          <p:cNvSpPr txBox="1">
+            <a:spLocks noGrp="1"/>
+          </p:cNvSpPr>
           <p:nvPr>
             <p:ph type="title"/>
           </p:nvPr>
@@ -2720,7 +2801,7 @@
           </a:prstGeom>
         </p:spPr>
         <p:txBody>
-          <a:bodyPr anchorCtr="0" anchor="t" bIns="91425" lIns="91425" spcFirstLastPara="1" rIns="91425" wrap="square" tIns="91425">
+          <a:bodyPr spcFirstLastPara="1" wrap="square" lIns="91425" tIns="91425" rIns="91425" bIns="91425" anchor="t" anchorCtr="0">
             <a:normAutofit/>
           </a:bodyPr>
           <a:lstStyle>
@@ -2824,15 +2905,19 @@
               <a:defRPr/>
             </a:lvl9pPr>
           </a:lstStyle>
-          <a:p/>
+          <a:p>
+            <a:endParaRPr/>
+          </a:p>
         </p:txBody>
       </p:sp>
       <p:sp>
         <p:nvSpPr>
           <p:cNvPr id="18" name="Google Shape;18;p4"/>
-          <p:cNvSpPr txBox="1"/>
+          <p:cNvSpPr txBox="1">
+            <a:spLocks noGrp="1"/>
+          </p:cNvSpPr>
           <p:nvPr>
-            <p:ph idx="1" type="body"/>
+            <p:ph type="body" idx="1"/>
           </p:nvPr>
         </p:nvSpPr>
         <p:spPr>
@@ -2845,11 +2930,11 @@
           </a:prstGeom>
         </p:spPr>
         <p:txBody>
-          <a:bodyPr anchorCtr="0" anchor="t" bIns="91425" lIns="91425" spcFirstLastPara="1" rIns="91425" wrap="square" tIns="91425">
+          <a:bodyPr spcFirstLastPara="1" wrap="square" lIns="91425" tIns="91425" rIns="91425" bIns="91425" anchor="t" anchorCtr="0">
             <a:normAutofit/>
           </a:bodyPr>
           <a:lstStyle>
-            <a:lvl1pPr indent="-342900" lvl="0" marL="457200">
+            <a:lvl1pPr marL="457200" lvl="0" indent="-342900">
               <a:spcBef>
                 <a:spcPts val="0"/>
               </a:spcBef>
@@ -2860,7 +2945,7 @@
               <a:buChar char="●"/>
               <a:defRPr/>
             </a:lvl1pPr>
-            <a:lvl2pPr indent="-317500" lvl="1" marL="914400">
+            <a:lvl2pPr marL="914400" lvl="1" indent="-317500">
               <a:spcBef>
                 <a:spcPts val="0"/>
               </a:spcBef>
@@ -2871,7 +2956,7 @@
               <a:buChar char="○"/>
               <a:defRPr/>
             </a:lvl2pPr>
-            <a:lvl3pPr indent="-317500" lvl="2" marL="1371600">
+            <a:lvl3pPr marL="1371600" lvl="2" indent="-317500">
               <a:spcBef>
                 <a:spcPts val="0"/>
               </a:spcBef>
@@ -2882,7 +2967,7 @@
               <a:buChar char="■"/>
               <a:defRPr/>
             </a:lvl3pPr>
-            <a:lvl4pPr indent="-317500" lvl="3" marL="1828800">
+            <a:lvl4pPr marL="1828800" lvl="3" indent="-317500">
               <a:spcBef>
                 <a:spcPts val="0"/>
               </a:spcBef>
@@ -2893,7 +2978,7 @@
               <a:buChar char="●"/>
               <a:defRPr/>
             </a:lvl4pPr>
-            <a:lvl5pPr indent="-317500" lvl="4" marL="2286000">
+            <a:lvl5pPr marL="2286000" lvl="4" indent="-317500">
               <a:spcBef>
                 <a:spcPts val="0"/>
               </a:spcBef>
@@ -2904,7 +2989,7 @@
               <a:buChar char="○"/>
               <a:defRPr/>
             </a:lvl5pPr>
-            <a:lvl6pPr indent="-317500" lvl="5" marL="2743200">
+            <a:lvl6pPr marL="2743200" lvl="5" indent="-317500">
               <a:spcBef>
                 <a:spcPts val="0"/>
               </a:spcBef>
@@ -2915,7 +3000,7 @@
               <a:buChar char="■"/>
               <a:defRPr/>
             </a:lvl6pPr>
-            <a:lvl7pPr indent="-317500" lvl="6" marL="3200400">
+            <a:lvl7pPr marL="3200400" lvl="6" indent="-317500">
               <a:spcBef>
                 <a:spcPts val="0"/>
               </a:spcBef>
@@ -2926,7 +3011,7 @@
               <a:buChar char="●"/>
               <a:defRPr/>
             </a:lvl7pPr>
-            <a:lvl8pPr indent="-317500" lvl="7" marL="3657600">
+            <a:lvl8pPr marL="3657600" lvl="7" indent="-317500">
               <a:spcBef>
                 <a:spcPts val="0"/>
               </a:spcBef>
@@ -2937,7 +3022,7 @@
               <a:buChar char="○"/>
               <a:defRPr/>
             </a:lvl8pPr>
-            <a:lvl9pPr indent="-317500" lvl="8" marL="4114800">
+            <a:lvl9pPr marL="4114800" lvl="8" indent="-317500">
               <a:spcBef>
                 <a:spcPts val="0"/>
               </a:spcBef>
@@ -2949,15 +3034,19 @@
               <a:defRPr/>
             </a:lvl9pPr>
           </a:lstStyle>
-          <a:p/>
+          <a:p>
+            <a:endParaRPr/>
+          </a:p>
         </p:txBody>
       </p:sp>
       <p:sp>
         <p:nvSpPr>
           <p:cNvPr id="19" name="Google Shape;19;p4"/>
-          <p:cNvSpPr txBox="1"/>
+          <p:cNvSpPr txBox="1">
+            <a:spLocks noGrp="1"/>
+          </p:cNvSpPr>
           <p:nvPr>
-            <p:ph idx="12" type="sldNum"/>
+            <p:ph type="sldNum" idx="12"/>
           </p:nvPr>
         </p:nvSpPr>
         <p:spPr>
@@ -2970,7 +3059,7 @@
           </a:prstGeom>
         </p:spPr>
         <p:txBody>
-          <a:bodyPr anchorCtr="0" anchor="ctr" bIns="91425" lIns="91425" spcFirstLastPara="1" rIns="91425" wrap="square" tIns="91425">
+          <a:bodyPr spcFirstLastPara="1" wrap="square" lIns="91425" tIns="91425" rIns="91425" bIns="91425" anchor="ctr" anchorCtr="0">
             <a:normAutofit/>
           </a:bodyPr>
           <a:lstStyle>
@@ -3012,7 +3101,7 @@
             </a:lvl9pPr>
           </a:lstStyle>
           <a:p>
-            <a:pPr indent="0" lvl="0" marL="0" rtl="0" algn="r">
+            <a:pPr marL="0" lvl="0" indent="0" algn="r" rtl="0">
               <a:spcBef>
                 <a:spcPts val="0"/>
               </a:spcBef>
@@ -3038,11 +3127,11 @@
 </file>
 
 <file path=ppt/slideLayouts/slideLayout4.xml><?xml version="1.0" encoding="utf-8"?>
-<p:sldLayout xmlns:a="http://schemas.openxmlformats.org/drawingml/2006/main" xmlns:r="http://schemas.openxmlformats.org/officeDocument/2006/relationships" xmlns:mc="http://schemas.openxmlformats.org/markup-compatibility/2006" xmlns:mv="urn:schemas-microsoft-com:mac:vml" xmlns:p="http://schemas.openxmlformats.org/presentationml/2006/main" xmlns:c="http://schemas.openxmlformats.org/drawingml/2006/chart" xmlns:dgm="http://schemas.openxmlformats.org/drawingml/2006/diagram" xmlns:o="urn:schemas-microsoft-com:office:office" xmlns:v="urn:schemas-microsoft-com:vml" xmlns:pvml="urn:schemas-microsoft-com:office:powerpoint" xmlns:com="http://schemas.openxmlformats.org/drawingml/2006/compatibility" xmlns:p14="http://schemas.microsoft.com/office/powerpoint/2010/main" xmlns:p15="http://schemas.microsoft.com/office/powerpoint/2012/main" xmlns:ahyp="http://schemas.microsoft.com/office/drawing/2018/hyperlinkcolor" matchingName="Title and two columns" type="twoColTx">
+<p:sldLayout xmlns:a="http://schemas.openxmlformats.org/drawingml/2006/main" xmlns:r="http://schemas.openxmlformats.org/officeDocument/2006/relationships" xmlns:p="http://schemas.openxmlformats.org/presentationml/2006/main" matchingName="Title and two columns" type="twoColTx">
   <p:cSld name="TITLE_AND_TWO_COLUMNS">
     <p:spTree>
       <p:nvGrpSpPr>
-        <p:cNvPr id="20" name="Shape 20"/>
+        <p:cNvPr id="1" name="Shape 20"/>
         <p:cNvGrpSpPr/>
         <p:nvPr/>
       </p:nvGrpSpPr>
@@ -3057,7 +3146,9 @@
       <p:sp>
         <p:nvSpPr>
           <p:cNvPr id="21" name="Google Shape;21;p5"/>
-          <p:cNvSpPr txBox="1"/>
+          <p:cNvSpPr txBox="1">
+            <a:spLocks noGrp="1"/>
+          </p:cNvSpPr>
           <p:nvPr>
             <p:ph type="title"/>
           </p:nvPr>
@@ -3072,7 +3163,7 @@
           </a:prstGeom>
         </p:spPr>
         <p:txBody>
-          <a:bodyPr anchorCtr="0" anchor="t" bIns="91425" lIns="91425" spcFirstLastPara="1" rIns="91425" wrap="square" tIns="91425">
+          <a:bodyPr spcFirstLastPara="1" wrap="square" lIns="91425" tIns="91425" rIns="91425" bIns="91425" anchor="t" anchorCtr="0">
             <a:normAutofit/>
           </a:bodyPr>
           <a:lstStyle>
@@ -3176,15 +3267,19 @@
               <a:defRPr/>
             </a:lvl9pPr>
           </a:lstStyle>
-          <a:p/>
+          <a:p>
+            <a:endParaRPr/>
+          </a:p>
         </p:txBody>
       </p:sp>
       <p:sp>
         <p:nvSpPr>
           <p:cNvPr id="22" name="Google Shape;22;p5"/>
-          <p:cNvSpPr txBox="1"/>
+          <p:cNvSpPr txBox="1">
+            <a:spLocks noGrp="1"/>
+          </p:cNvSpPr>
           <p:nvPr>
-            <p:ph idx="1" type="body"/>
+            <p:ph type="body" idx="1"/>
           </p:nvPr>
         </p:nvSpPr>
         <p:spPr>
@@ -3197,11 +3292,11 @@
           </a:prstGeom>
         </p:spPr>
         <p:txBody>
-          <a:bodyPr anchorCtr="0" anchor="t" bIns="91425" lIns="91425" spcFirstLastPara="1" rIns="91425" wrap="square" tIns="91425">
+          <a:bodyPr spcFirstLastPara="1" wrap="square" lIns="91425" tIns="91425" rIns="91425" bIns="91425" anchor="t" anchorCtr="0">
             <a:normAutofit/>
           </a:bodyPr>
           <a:lstStyle>
-            <a:lvl1pPr indent="-317500" lvl="0" marL="457200">
+            <a:lvl1pPr marL="457200" lvl="0" indent="-317500">
               <a:spcBef>
                 <a:spcPts val="0"/>
               </a:spcBef>
@@ -3212,7 +3307,7 @@
               <a:buChar char="●"/>
               <a:defRPr sz="1400"/>
             </a:lvl1pPr>
-            <a:lvl2pPr indent="-304800" lvl="1" marL="914400">
+            <a:lvl2pPr marL="914400" lvl="1" indent="-304800">
               <a:spcBef>
                 <a:spcPts val="0"/>
               </a:spcBef>
@@ -3223,7 +3318,7 @@
               <a:buChar char="○"/>
               <a:defRPr sz="1200"/>
             </a:lvl2pPr>
-            <a:lvl3pPr indent="-304800" lvl="2" marL="1371600">
+            <a:lvl3pPr marL="1371600" lvl="2" indent="-304800">
               <a:spcBef>
                 <a:spcPts val="0"/>
               </a:spcBef>
@@ -3234,7 +3329,7 @@
               <a:buChar char="■"/>
               <a:defRPr sz="1200"/>
             </a:lvl3pPr>
-            <a:lvl4pPr indent="-304800" lvl="3" marL="1828800">
+            <a:lvl4pPr marL="1828800" lvl="3" indent="-304800">
               <a:spcBef>
                 <a:spcPts val="0"/>
               </a:spcBef>
@@ -3245,7 +3340,7 @@
               <a:buChar char="●"/>
               <a:defRPr sz="1200"/>
             </a:lvl4pPr>
-            <a:lvl5pPr indent="-304800" lvl="4" marL="2286000">
+            <a:lvl5pPr marL="2286000" lvl="4" indent="-304800">
               <a:spcBef>
                 <a:spcPts val="0"/>
               </a:spcBef>
@@ -3256,7 +3351,7 @@
               <a:buChar char="○"/>
               <a:defRPr sz="1200"/>
             </a:lvl5pPr>
-            <a:lvl6pPr indent="-304800" lvl="5" marL="2743200">
+            <a:lvl6pPr marL="2743200" lvl="5" indent="-304800">
               <a:spcBef>
                 <a:spcPts val="0"/>
               </a:spcBef>
@@ -3267,7 +3362,7 @@
               <a:buChar char="■"/>
               <a:defRPr sz="1200"/>
             </a:lvl6pPr>
-            <a:lvl7pPr indent="-304800" lvl="6" marL="3200400">
+            <a:lvl7pPr marL="3200400" lvl="6" indent="-304800">
               <a:spcBef>
                 <a:spcPts val="0"/>
               </a:spcBef>
@@ -3278,7 +3373,7 @@
               <a:buChar char="●"/>
               <a:defRPr sz="1200"/>
             </a:lvl7pPr>
-            <a:lvl8pPr indent="-304800" lvl="7" marL="3657600">
+            <a:lvl8pPr marL="3657600" lvl="7" indent="-304800">
               <a:spcBef>
                 <a:spcPts val="0"/>
               </a:spcBef>
@@ -3289,7 +3384,7 @@
               <a:buChar char="○"/>
               <a:defRPr sz="1200"/>
             </a:lvl8pPr>
-            <a:lvl9pPr indent="-304800" lvl="8" marL="4114800">
+            <a:lvl9pPr marL="4114800" lvl="8" indent="-304800">
               <a:spcBef>
                 <a:spcPts val="0"/>
               </a:spcBef>
@@ -3301,15 +3396,19 @@
               <a:defRPr sz="1200"/>
             </a:lvl9pPr>
           </a:lstStyle>
-          <a:p/>
+          <a:p>
+            <a:endParaRPr/>
+          </a:p>
         </p:txBody>
       </p:sp>
       <p:sp>
         <p:nvSpPr>
           <p:cNvPr id="23" name="Google Shape;23;p5"/>
-          <p:cNvSpPr txBox="1"/>
+          <p:cNvSpPr txBox="1">
+            <a:spLocks noGrp="1"/>
+          </p:cNvSpPr>
           <p:nvPr>
-            <p:ph idx="2" type="body"/>
+            <p:ph type="body" idx="2"/>
           </p:nvPr>
         </p:nvSpPr>
         <p:spPr>
@@ -3322,11 +3421,11 @@
           </a:prstGeom>
         </p:spPr>
         <p:txBody>
-          <a:bodyPr anchorCtr="0" anchor="t" bIns="91425" lIns="91425" spcFirstLastPara="1" rIns="91425" wrap="square" tIns="91425">
+          <a:bodyPr spcFirstLastPara="1" wrap="square" lIns="91425" tIns="91425" rIns="91425" bIns="91425" anchor="t" anchorCtr="0">
             <a:normAutofit/>
           </a:bodyPr>
           <a:lstStyle>
-            <a:lvl1pPr indent="-317500" lvl="0" marL="457200">
+            <a:lvl1pPr marL="457200" lvl="0" indent="-317500">
               <a:spcBef>
                 <a:spcPts val="0"/>
               </a:spcBef>
@@ -3337,7 +3436,7 @@
               <a:buChar char="●"/>
               <a:defRPr sz="1400"/>
             </a:lvl1pPr>
-            <a:lvl2pPr indent="-304800" lvl="1" marL="914400">
+            <a:lvl2pPr marL="914400" lvl="1" indent="-304800">
               <a:spcBef>
                 <a:spcPts val="0"/>
               </a:spcBef>
@@ -3348,7 +3447,7 @@
               <a:buChar char="○"/>
               <a:defRPr sz="1200"/>
             </a:lvl2pPr>
-            <a:lvl3pPr indent="-304800" lvl="2" marL="1371600">
+            <a:lvl3pPr marL="1371600" lvl="2" indent="-304800">
               <a:spcBef>
                 <a:spcPts val="0"/>
               </a:spcBef>
@@ -3359,7 +3458,7 @@
               <a:buChar char="■"/>
               <a:defRPr sz="1200"/>
             </a:lvl3pPr>
-            <a:lvl4pPr indent="-304800" lvl="3" marL="1828800">
+            <a:lvl4pPr marL="1828800" lvl="3" indent="-304800">
               <a:spcBef>
                 <a:spcPts val="0"/>
               </a:spcBef>
@@ -3370,7 +3469,7 @@
               <a:buChar char="●"/>
               <a:defRPr sz="1200"/>
             </a:lvl4pPr>
-            <a:lvl5pPr indent="-304800" lvl="4" marL="2286000">
+            <a:lvl5pPr marL="2286000" lvl="4" indent="-304800">
               <a:spcBef>
                 <a:spcPts val="0"/>
               </a:spcBef>
@@ -3381,7 +3480,7 @@
               <a:buChar char="○"/>
               <a:defRPr sz="1200"/>
             </a:lvl5pPr>
-            <a:lvl6pPr indent="-304800" lvl="5" marL="2743200">
+            <a:lvl6pPr marL="2743200" lvl="5" indent="-304800">
               <a:spcBef>
                 <a:spcPts val="0"/>
               </a:spcBef>
@@ -3392,7 +3491,7 @@
               <a:buChar char="■"/>
               <a:defRPr sz="1200"/>
             </a:lvl6pPr>
-            <a:lvl7pPr indent="-304800" lvl="6" marL="3200400">
+            <a:lvl7pPr marL="3200400" lvl="6" indent="-304800">
               <a:spcBef>
                 <a:spcPts val="0"/>
               </a:spcBef>
@@ -3403,7 +3502,7 @@
               <a:buChar char="●"/>
               <a:defRPr sz="1200"/>
             </a:lvl7pPr>
-            <a:lvl8pPr indent="-304800" lvl="7" marL="3657600">
+            <a:lvl8pPr marL="3657600" lvl="7" indent="-304800">
               <a:spcBef>
                 <a:spcPts val="0"/>
               </a:spcBef>
@@ -3414,7 +3513,7 @@
               <a:buChar char="○"/>
               <a:defRPr sz="1200"/>
             </a:lvl8pPr>
-            <a:lvl9pPr indent="-304800" lvl="8" marL="4114800">
+            <a:lvl9pPr marL="4114800" lvl="8" indent="-304800">
               <a:spcBef>
                 <a:spcPts val="0"/>
               </a:spcBef>
@@ -3426,15 +3525,19 @@
               <a:defRPr sz="1200"/>
             </a:lvl9pPr>
           </a:lstStyle>
-          <a:p/>
+          <a:p>
+            <a:endParaRPr/>
+          </a:p>
         </p:txBody>
       </p:sp>
       <p:sp>
         <p:nvSpPr>
           <p:cNvPr id="24" name="Google Shape;24;p5"/>
-          <p:cNvSpPr txBox="1"/>
+          <p:cNvSpPr txBox="1">
+            <a:spLocks noGrp="1"/>
+          </p:cNvSpPr>
           <p:nvPr>
-            <p:ph idx="12" type="sldNum"/>
+            <p:ph type="sldNum" idx="12"/>
           </p:nvPr>
         </p:nvSpPr>
         <p:spPr>
@@ -3447,7 +3550,7 @@
           </a:prstGeom>
         </p:spPr>
         <p:txBody>
-          <a:bodyPr anchorCtr="0" anchor="ctr" bIns="91425" lIns="91425" spcFirstLastPara="1" rIns="91425" wrap="square" tIns="91425">
+          <a:bodyPr spcFirstLastPara="1" wrap="square" lIns="91425" tIns="91425" rIns="91425" bIns="91425" anchor="ctr" anchorCtr="0">
             <a:normAutofit/>
           </a:bodyPr>
           <a:lstStyle>
@@ -3489,7 +3592,7 @@
             </a:lvl9pPr>
           </a:lstStyle>
           <a:p>
-            <a:pPr indent="0" lvl="0" marL="0" rtl="0" algn="r">
+            <a:pPr marL="0" lvl="0" indent="0" algn="r" rtl="0">
               <a:spcBef>
                 <a:spcPts val="0"/>
               </a:spcBef>
@@ -3515,11 +3618,11 @@
 </file>
 
 <file path=ppt/slideLayouts/slideLayout5.xml><?xml version="1.0" encoding="utf-8"?>
-<p:sldLayout xmlns:a="http://schemas.openxmlformats.org/drawingml/2006/main" xmlns:r="http://schemas.openxmlformats.org/officeDocument/2006/relationships" xmlns:mc="http://schemas.openxmlformats.org/markup-compatibility/2006" xmlns:mv="urn:schemas-microsoft-com:mac:vml" xmlns:p="http://schemas.openxmlformats.org/presentationml/2006/main" xmlns:c="http://schemas.openxmlformats.org/drawingml/2006/chart" xmlns:dgm="http://schemas.openxmlformats.org/drawingml/2006/diagram" xmlns:o="urn:schemas-microsoft-com:office:office" xmlns:v="urn:schemas-microsoft-com:vml" xmlns:pvml="urn:schemas-microsoft-com:office:powerpoint" xmlns:com="http://schemas.openxmlformats.org/drawingml/2006/compatibility" xmlns:p14="http://schemas.microsoft.com/office/powerpoint/2010/main" xmlns:p15="http://schemas.microsoft.com/office/powerpoint/2012/main" xmlns:ahyp="http://schemas.microsoft.com/office/drawing/2018/hyperlinkcolor" matchingName="Title only" type="titleOnly">
+<p:sldLayout xmlns:a="http://schemas.openxmlformats.org/drawingml/2006/main" xmlns:r="http://schemas.openxmlformats.org/officeDocument/2006/relationships" xmlns:p="http://schemas.openxmlformats.org/presentationml/2006/main" matchingName="Title only" type="titleOnly">
   <p:cSld name="TITLE_ONLY">
     <p:spTree>
       <p:nvGrpSpPr>
-        <p:cNvPr id="25" name="Shape 25"/>
+        <p:cNvPr id="1" name="Shape 25"/>
         <p:cNvGrpSpPr/>
         <p:nvPr/>
       </p:nvGrpSpPr>
@@ -3534,7 +3637,9 @@
       <p:sp>
         <p:nvSpPr>
           <p:cNvPr id="26" name="Google Shape;26;p6"/>
-          <p:cNvSpPr txBox="1"/>
+          <p:cNvSpPr txBox="1">
+            <a:spLocks noGrp="1"/>
+          </p:cNvSpPr>
           <p:nvPr>
             <p:ph type="title"/>
           </p:nvPr>
@@ -3549,7 +3654,7 @@
           </a:prstGeom>
         </p:spPr>
         <p:txBody>
-          <a:bodyPr anchorCtr="0" anchor="t" bIns="91425" lIns="91425" spcFirstLastPara="1" rIns="91425" wrap="square" tIns="91425">
+          <a:bodyPr spcFirstLastPara="1" wrap="square" lIns="91425" tIns="91425" rIns="91425" bIns="91425" anchor="t" anchorCtr="0">
             <a:normAutofit/>
           </a:bodyPr>
           <a:lstStyle>
@@ -3653,15 +3758,19 @@
               <a:defRPr/>
             </a:lvl9pPr>
           </a:lstStyle>
-          <a:p/>
+          <a:p>
+            <a:endParaRPr/>
+          </a:p>
         </p:txBody>
       </p:sp>
       <p:sp>
         <p:nvSpPr>
           <p:cNvPr id="27" name="Google Shape;27;p6"/>
-          <p:cNvSpPr txBox="1"/>
+          <p:cNvSpPr txBox="1">
+            <a:spLocks noGrp="1"/>
+          </p:cNvSpPr>
           <p:nvPr>
-            <p:ph idx="12" type="sldNum"/>
+            <p:ph type="sldNum" idx="12"/>
           </p:nvPr>
         </p:nvSpPr>
         <p:spPr>
@@ -3674,7 +3783,7 @@
           </a:prstGeom>
         </p:spPr>
         <p:txBody>
-          <a:bodyPr anchorCtr="0" anchor="ctr" bIns="91425" lIns="91425" spcFirstLastPara="1" rIns="91425" wrap="square" tIns="91425">
+          <a:bodyPr spcFirstLastPara="1" wrap="square" lIns="91425" tIns="91425" rIns="91425" bIns="91425" anchor="ctr" anchorCtr="0">
             <a:normAutofit/>
           </a:bodyPr>
           <a:lstStyle>
@@ -3716,7 +3825,7 @@
             </a:lvl9pPr>
           </a:lstStyle>
           <a:p>
-            <a:pPr indent="0" lvl="0" marL="0" rtl="0" algn="r">
+            <a:pPr marL="0" lvl="0" indent="0" algn="r" rtl="0">
               <a:spcBef>
                 <a:spcPts val="0"/>
               </a:spcBef>
@@ -3742,11 +3851,11 @@
 </file>
 
 <file path=ppt/slideLayouts/slideLayout6.xml><?xml version="1.0" encoding="utf-8"?>
-<p:sldLayout xmlns:a="http://schemas.openxmlformats.org/drawingml/2006/main" xmlns:r="http://schemas.openxmlformats.org/officeDocument/2006/relationships" xmlns:mc="http://schemas.openxmlformats.org/markup-compatibility/2006" xmlns:mv="urn:schemas-microsoft-com:mac:vml" xmlns:p="http://schemas.openxmlformats.org/presentationml/2006/main" xmlns:c="http://schemas.openxmlformats.org/drawingml/2006/chart" xmlns:dgm="http://schemas.openxmlformats.org/drawingml/2006/diagram" xmlns:o="urn:schemas-microsoft-com:office:office" xmlns:v="urn:schemas-microsoft-com:vml" xmlns:pvml="urn:schemas-microsoft-com:office:powerpoint" xmlns:com="http://schemas.openxmlformats.org/drawingml/2006/compatibility" xmlns:p14="http://schemas.microsoft.com/office/powerpoint/2010/main" xmlns:p15="http://schemas.microsoft.com/office/powerpoint/2012/main" xmlns:ahyp="http://schemas.microsoft.com/office/drawing/2018/hyperlinkcolor" matchingName="One column text">
+<p:sldLayout xmlns:a="http://schemas.openxmlformats.org/drawingml/2006/main" xmlns:r="http://schemas.openxmlformats.org/officeDocument/2006/relationships" xmlns:p="http://schemas.openxmlformats.org/presentationml/2006/main" matchingName="One column text">
   <p:cSld name="ONE_COLUMN_TEXT">
     <p:spTree>
       <p:nvGrpSpPr>
-        <p:cNvPr id="28" name="Shape 28"/>
+        <p:cNvPr id="1" name="Shape 28"/>
         <p:cNvGrpSpPr/>
         <p:nvPr/>
       </p:nvGrpSpPr>
@@ -3761,7 +3870,9 @@
       <p:sp>
         <p:nvSpPr>
           <p:cNvPr id="29" name="Google Shape;29;p7"/>
-          <p:cNvSpPr txBox="1"/>
+          <p:cNvSpPr txBox="1">
+            <a:spLocks noGrp="1"/>
+          </p:cNvSpPr>
           <p:nvPr>
             <p:ph type="title"/>
           </p:nvPr>
@@ -3776,7 +3887,7 @@
           </a:prstGeom>
         </p:spPr>
         <p:txBody>
-          <a:bodyPr anchorCtr="0" anchor="b" bIns="91425" lIns="91425" spcFirstLastPara="1" rIns="91425" wrap="square" tIns="91425">
+          <a:bodyPr spcFirstLastPara="1" wrap="square" lIns="91425" tIns="91425" rIns="91425" bIns="91425" anchor="b" anchorCtr="0">
             <a:normAutofit/>
           </a:bodyPr>
           <a:lstStyle>
@@ -3880,15 +3991,19 @@
               <a:defRPr sz="2400"/>
             </a:lvl9pPr>
           </a:lstStyle>
-          <a:p/>
+          <a:p>
+            <a:endParaRPr/>
+          </a:p>
         </p:txBody>
       </p:sp>
       <p:sp>
         <p:nvSpPr>
           <p:cNvPr id="30" name="Google Shape;30;p7"/>
-          <p:cNvSpPr txBox="1"/>
+          <p:cNvSpPr txBox="1">
+            <a:spLocks noGrp="1"/>
+          </p:cNvSpPr>
           <p:nvPr>
-            <p:ph idx="1" type="body"/>
+            <p:ph type="body" idx="1"/>
           </p:nvPr>
         </p:nvSpPr>
         <p:spPr>
@@ -3901,11 +4016,11 @@
           </a:prstGeom>
         </p:spPr>
         <p:txBody>
-          <a:bodyPr anchorCtr="0" anchor="t" bIns="91425" lIns="91425" spcFirstLastPara="1" rIns="91425" wrap="square" tIns="91425">
+          <a:bodyPr spcFirstLastPara="1" wrap="square" lIns="91425" tIns="91425" rIns="91425" bIns="91425" anchor="t" anchorCtr="0">
             <a:normAutofit/>
           </a:bodyPr>
           <a:lstStyle>
-            <a:lvl1pPr indent="-304800" lvl="0" marL="457200">
+            <a:lvl1pPr marL="457200" lvl="0" indent="-304800">
               <a:spcBef>
                 <a:spcPts val="0"/>
               </a:spcBef>
@@ -3916,7 +4031,7 @@
               <a:buChar char="●"/>
               <a:defRPr sz="1200"/>
             </a:lvl1pPr>
-            <a:lvl2pPr indent="-304800" lvl="1" marL="914400">
+            <a:lvl2pPr marL="914400" lvl="1" indent="-304800">
               <a:spcBef>
                 <a:spcPts val="0"/>
               </a:spcBef>
@@ -3927,7 +4042,7 @@
               <a:buChar char="○"/>
               <a:defRPr sz="1200"/>
             </a:lvl2pPr>
-            <a:lvl3pPr indent="-304800" lvl="2" marL="1371600">
+            <a:lvl3pPr marL="1371600" lvl="2" indent="-304800">
               <a:spcBef>
                 <a:spcPts val="0"/>
               </a:spcBef>
@@ -3938,7 +4053,7 @@
               <a:buChar char="■"/>
               <a:defRPr sz="1200"/>
             </a:lvl3pPr>
-            <a:lvl4pPr indent="-304800" lvl="3" marL="1828800">
+            <a:lvl4pPr marL="1828800" lvl="3" indent="-304800">
               <a:spcBef>
                 <a:spcPts val="0"/>
               </a:spcBef>
@@ -3949,7 +4064,7 @@
               <a:buChar char="●"/>
               <a:defRPr sz="1200"/>
             </a:lvl4pPr>
-            <a:lvl5pPr indent="-304800" lvl="4" marL="2286000">
+            <a:lvl5pPr marL="2286000" lvl="4" indent="-304800">
               <a:spcBef>
                 <a:spcPts val="0"/>
               </a:spcBef>
@@ -3960,7 +4075,7 @@
               <a:buChar char="○"/>
               <a:defRPr sz="1200"/>
             </a:lvl5pPr>
-            <a:lvl6pPr indent="-304800" lvl="5" marL="2743200">
+            <a:lvl6pPr marL="2743200" lvl="5" indent="-304800">
               <a:spcBef>
                 <a:spcPts val="0"/>
               </a:spcBef>
@@ -3971,7 +4086,7 @@
               <a:buChar char="■"/>
               <a:defRPr sz="1200"/>
             </a:lvl6pPr>
-            <a:lvl7pPr indent="-304800" lvl="6" marL="3200400">
+            <a:lvl7pPr marL="3200400" lvl="6" indent="-304800">
               <a:spcBef>
                 <a:spcPts val="0"/>
               </a:spcBef>
@@ -3982,7 +4097,7 @@
               <a:buChar char="●"/>
               <a:defRPr sz="1200"/>
             </a:lvl7pPr>
-            <a:lvl8pPr indent="-304800" lvl="7" marL="3657600">
+            <a:lvl8pPr marL="3657600" lvl="7" indent="-304800">
               <a:spcBef>
                 <a:spcPts val="0"/>
               </a:spcBef>
@@ -3993,7 +4108,7 @@
               <a:buChar char="○"/>
               <a:defRPr sz="1200"/>
             </a:lvl8pPr>
-            <a:lvl9pPr indent="-304800" lvl="8" marL="4114800">
+            <a:lvl9pPr marL="4114800" lvl="8" indent="-304800">
               <a:spcBef>
                 <a:spcPts val="0"/>
               </a:spcBef>
@@ -4005,15 +4120,19 @@
               <a:defRPr sz="1200"/>
             </a:lvl9pPr>
           </a:lstStyle>
-          <a:p/>
+          <a:p>
+            <a:endParaRPr/>
+          </a:p>
         </p:txBody>
       </p:sp>
       <p:sp>
         <p:nvSpPr>
           <p:cNvPr id="31" name="Google Shape;31;p7"/>
-          <p:cNvSpPr txBox="1"/>
+          <p:cNvSpPr txBox="1">
+            <a:spLocks noGrp="1"/>
+          </p:cNvSpPr>
           <p:nvPr>
-            <p:ph idx="12" type="sldNum"/>
+            <p:ph type="sldNum" idx="12"/>
           </p:nvPr>
         </p:nvSpPr>
         <p:spPr>
@@ -4026,7 +4145,7 @@
           </a:prstGeom>
         </p:spPr>
         <p:txBody>
-          <a:bodyPr anchorCtr="0" anchor="ctr" bIns="91425" lIns="91425" spcFirstLastPara="1" rIns="91425" wrap="square" tIns="91425">
+          <a:bodyPr spcFirstLastPara="1" wrap="square" lIns="91425" tIns="91425" rIns="91425" bIns="91425" anchor="ctr" anchorCtr="0">
             <a:normAutofit/>
           </a:bodyPr>
           <a:lstStyle>
@@ -4068,7 +4187,7 @@
             </a:lvl9pPr>
           </a:lstStyle>
           <a:p>
-            <a:pPr indent="0" lvl="0" marL="0" rtl="0" algn="r">
+            <a:pPr marL="0" lvl="0" indent="0" algn="r" rtl="0">
               <a:spcBef>
                 <a:spcPts val="0"/>
               </a:spcBef>
@@ -4094,11 +4213,11 @@
 </file>
 
 <file path=ppt/slideLayouts/slideLayout7.xml><?xml version="1.0" encoding="utf-8"?>
-<p:sldLayout xmlns:a="http://schemas.openxmlformats.org/drawingml/2006/main" xmlns:r="http://schemas.openxmlformats.org/officeDocument/2006/relationships" xmlns:mc="http://schemas.openxmlformats.org/markup-compatibility/2006" xmlns:mv="urn:schemas-microsoft-com:mac:vml" xmlns:p="http://schemas.openxmlformats.org/presentationml/2006/main" xmlns:c="http://schemas.openxmlformats.org/drawingml/2006/chart" xmlns:dgm="http://schemas.openxmlformats.org/drawingml/2006/diagram" xmlns:o="urn:schemas-microsoft-com:office:office" xmlns:v="urn:schemas-microsoft-com:vml" xmlns:pvml="urn:schemas-microsoft-com:office:powerpoint" xmlns:com="http://schemas.openxmlformats.org/drawingml/2006/compatibility" xmlns:p14="http://schemas.microsoft.com/office/powerpoint/2010/main" xmlns:p15="http://schemas.microsoft.com/office/powerpoint/2012/main" xmlns:ahyp="http://schemas.microsoft.com/office/drawing/2018/hyperlinkcolor" matchingName="Main point">
+<p:sldLayout xmlns:a="http://schemas.openxmlformats.org/drawingml/2006/main" xmlns:r="http://schemas.openxmlformats.org/officeDocument/2006/relationships" xmlns:p="http://schemas.openxmlformats.org/presentationml/2006/main" matchingName="Main point">
   <p:cSld name="MAIN_POINT">
     <p:spTree>
       <p:nvGrpSpPr>
-        <p:cNvPr id="32" name="Shape 32"/>
+        <p:cNvPr id="1" name="Shape 32"/>
         <p:cNvGrpSpPr/>
         <p:nvPr/>
       </p:nvGrpSpPr>
@@ -4113,7 +4232,9 @@
       <p:sp>
         <p:nvSpPr>
           <p:cNvPr id="33" name="Google Shape;33;p8"/>
-          <p:cNvSpPr txBox="1"/>
+          <p:cNvSpPr txBox="1">
+            <a:spLocks noGrp="1"/>
+          </p:cNvSpPr>
           <p:nvPr>
             <p:ph type="title"/>
           </p:nvPr>
@@ -4128,7 +4249,7 @@
           </a:prstGeom>
         </p:spPr>
         <p:txBody>
-          <a:bodyPr anchorCtr="0" anchor="ctr" bIns="91425" lIns="91425" spcFirstLastPara="1" rIns="91425" wrap="square" tIns="91425">
+          <a:bodyPr spcFirstLastPara="1" wrap="square" lIns="91425" tIns="91425" rIns="91425" bIns="91425" anchor="ctr" anchorCtr="0">
             <a:normAutofit/>
           </a:bodyPr>
           <a:lstStyle>
@@ -4232,15 +4353,19 @@
               <a:defRPr sz="4800"/>
             </a:lvl9pPr>
           </a:lstStyle>
-          <a:p/>
+          <a:p>
+            <a:endParaRPr/>
+          </a:p>
         </p:txBody>
       </p:sp>
       <p:sp>
         <p:nvSpPr>
           <p:cNvPr id="34" name="Google Shape;34;p8"/>
-          <p:cNvSpPr txBox="1"/>
+          <p:cNvSpPr txBox="1">
+            <a:spLocks noGrp="1"/>
+          </p:cNvSpPr>
           <p:nvPr>
-            <p:ph idx="12" type="sldNum"/>
+            <p:ph type="sldNum" idx="12"/>
           </p:nvPr>
         </p:nvSpPr>
         <p:spPr>
@@ -4253,7 +4378,7 @@
           </a:prstGeom>
         </p:spPr>
         <p:txBody>
-          <a:bodyPr anchorCtr="0" anchor="ctr" bIns="91425" lIns="91425" spcFirstLastPara="1" rIns="91425" wrap="square" tIns="91425">
+          <a:bodyPr spcFirstLastPara="1" wrap="square" lIns="91425" tIns="91425" rIns="91425" bIns="91425" anchor="ctr" anchorCtr="0">
             <a:normAutofit/>
           </a:bodyPr>
           <a:lstStyle>
@@ -4295,7 +4420,7 @@
             </a:lvl9pPr>
           </a:lstStyle>
           <a:p>
-            <a:pPr indent="0" lvl="0" marL="0" rtl="0" algn="r">
+            <a:pPr marL="0" lvl="0" indent="0" algn="r" rtl="0">
               <a:spcBef>
                 <a:spcPts val="0"/>
               </a:spcBef>
@@ -4321,11 +4446,11 @@
 </file>
 
 <file path=ppt/slideLayouts/slideLayout8.xml><?xml version="1.0" encoding="utf-8"?>
-<p:sldLayout xmlns:a="http://schemas.openxmlformats.org/drawingml/2006/main" xmlns:r="http://schemas.openxmlformats.org/officeDocument/2006/relationships" xmlns:mc="http://schemas.openxmlformats.org/markup-compatibility/2006" xmlns:mv="urn:schemas-microsoft-com:mac:vml" xmlns:p="http://schemas.openxmlformats.org/presentationml/2006/main" xmlns:c="http://schemas.openxmlformats.org/drawingml/2006/chart" xmlns:dgm="http://schemas.openxmlformats.org/drawingml/2006/diagram" xmlns:o="urn:schemas-microsoft-com:office:office" xmlns:v="urn:schemas-microsoft-com:vml" xmlns:pvml="urn:schemas-microsoft-com:office:powerpoint" xmlns:com="http://schemas.openxmlformats.org/drawingml/2006/compatibility" xmlns:p14="http://schemas.microsoft.com/office/powerpoint/2010/main" xmlns:p15="http://schemas.microsoft.com/office/powerpoint/2012/main" xmlns:ahyp="http://schemas.microsoft.com/office/drawing/2018/hyperlinkcolor" matchingName="Section title and description">
+<p:sldLayout xmlns:a="http://schemas.openxmlformats.org/drawingml/2006/main" xmlns:r="http://schemas.openxmlformats.org/officeDocument/2006/relationships" xmlns:p="http://schemas.openxmlformats.org/presentationml/2006/main" matchingName="Section title and description">
   <p:cSld name="SECTION_TITLE_AND_DESCRIPTION">
     <p:spTree>
       <p:nvGrpSpPr>
-        <p:cNvPr id="35" name="Shape 35"/>
+        <p:cNvPr id="1" name="Shape 35"/>
         <p:cNvGrpSpPr/>
         <p:nvPr/>
       </p:nvGrpSpPr>
@@ -4359,12 +4484,12 @@
           </a:ln>
         </p:spPr>
         <p:txBody>
-          <a:bodyPr anchorCtr="0" anchor="ctr" bIns="91425" lIns="91425" spcFirstLastPara="1" rIns="91425" wrap="square" tIns="91425">
+          <a:bodyPr spcFirstLastPara="1" wrap="square" lIns="91425" tIns="91425" rIns="91425" bIns="91425" anchor="ctr" anchorCtr="0">
             <a:noAutofit/>
           </a:bodyPr>
           <a:lstStyle/>
           <a:p>
-            <a:pPr indent="0" lvl="0" marL="0" rtl="0" algn="l">
+            <a:pPr marL="0" lvl="0" indent="0" algn="l" rtl="0">
               <a:spcBef>
                 <a:spcPts val="0"/>
               </a:spcBef>
@@ -4373,9 +4498,6 @@
               </a:spcAft>
               <a:buNone/>
             </a:pPr>
-            <a:r>
-              <a:t/>
-            </a:r>
             <a:endParaRPr/>
           </a:p>
         </p:txBody>
@@ -4383,7 +4505,9 @@
       <p:sp>
         <p:nvSpPr>
           <p:cNvPr id="37" name="Google Shape;37;p9"/>
-          <p:cNvSpPr txBox="1"/>
+          <p:cNvSpPr txBox="1">
+            <a:spLocks noGrp="1"/>
+          </p:cNvSpPr>
           <p:nvPr>
             <p:ph type="title"/>
           </p:nvPr>
@@ -4398,7 +4522,7 @@
           </a:prstGeom>
         </p:spPr>
         <p:txBody>
-          <a:bodyPr anchorCtr="0" anchor="b" bIns="91425" lIns="91425" spcFirstLastPara="1" rIns="91425" wrap="square" tIns="91425">
+          <a:bodyPr spcFirstLastPara="1" wrap="square" lIns="91425" tIns="91425" rIns="91425" bIns="91425" anchor="b" anchorCtr="0">
             <a:normAutofit/>
           </a:bodyPr>
           <a:lstStyle>
@@ -4502,15 +4626,19 @@
               <a:defRPr sz="4200"/>
             </a:lvl9pPr>
           </a:lstStyle>
-          <a:p/>
+          <a:p>
+            <a:endParaRPr/>
+          </a:p>
         </p:txBody>
       </p:sp>
       <p:sp>
         <p:nvSpPr>
           <p:cNvPr id="38" name="Google Shape;38;p9"/>
-          <p:cNvSpPr txBox="1"/>
+          <p:cNvSpPr txBox="1">
+            <a:spLocks noGrp="1"/>
+          </p:cNvSpPr>
           <p:nvPr>
-            <p:ph idx="1" type="subTitle"/>
+            <p:ph type="subTitle" idx="1"/>
           </p:nvPr>
         </p:nvSpPr>
         <p:spPr>
@@ -4523,7 +4651,7 @@
           </a:prstGeom>
         </p:spPr>
         <p:txBody>
-          <a:bodyPr anchorCtr="0" anchor="t" bIns="91425" lIns="91425" spcFirstLastPara="1" rIns="91425" wrap="square" tIns="91425">
+          <a:bodyPr spcFirstLastPara="1" wrap="square" lIns="91425" tIns="91425" rIns="91425" bIns="91425" anchor="t" anchorCtr="0">
             <a:normAutofit/>
           </a:bodyPr>
           <a:lstStyle>
@@ -4654,15 +4782,19 @@
               <a:defRPr sz="2100"/>
             </a:lvl9pPr>
           </a:lstStyle>
-          <a:p/>
+          <a:p>
+            <a:endParaRPr/>
+          </a:p>
         </p:txBody>
       </p:sp>
       <p:sp>
         <p:nvSpPr>
           <p:cNvPr id="39" name="Google Shape;39;p9"/>
-          <p:cNvSpPr txBox="1"/>
+          <p:cNvSpPr txBox="1">
+            <a:spLocks noGrp="1"/>
+          </p:cNvSpPr>
           <p:nvPr>
-            <p:ph idx="2" type="body"/>
+            <p:ph type="body" idx="2"/>
           </p:nvPr>
         </p:nvSpPr>
         <p:spPr>
@@ -4675,11 +4807,11 @@
           </a:prstGeom>
         </p:spPr>
         <p:txBody>
-          <a:bodyPr anchorCtr="0" anchor="ctr" bIns="91425" lIns="91425" spcFirstLastPara="1" rIns="91425" wrap="square" tIns="91425">
+          <a:bodyPr spcFirstLastPara="1" wrap="square" lIns="91425" tIns="91425" rIns="91425" bIns="91425" anchor="ctr" anchorCtr="0">
             <a:normAutofit/>
           </a:bodyPr>
           <a:lstStyle>
-            <a:lvl1pPr indent="-342900" lvl="0" marL="457200">
+            <a:lvl1pPr marL="457200" lvl="0" indent="-342900">
               <a:spcBef>
                 <a:spcPts val="0"/>
               </a:spcBef>
@@ -4690,7 +4822,7 @@
               <a:buChar char="●"/>
               <a:defRPr/>
             </a:lvl1pPr>
-            <a:lvl2pPr indent="-317500" lvl="1" marL="914400">
+            <a:lvl2pPr marL="914400" lvl="1" indent="-317500">
               <a:spcBef>
                 <a:spcPts val="0"/>
               </a:spcBef>
@@ -4701,7 +4833,7 @@
               <a:buChar char="○"/>
               <a:defRPr/>
             </a:lvl2pPr>
-            <a:lvl3pPr indent="-317500" lvl="2" marL="1371600">
+            <a:lvl3pPr marL="1371600" lvl="2" indent="-317500">
               <a:spcBef>
                 <a:spcPts val="0"/>
               </a:spcBef>
@@ -4712,7 +4844,7 @@
               <a:buChar char="■"/>
               <a:defRPr/>
             </a:lvl3pPr>
-            <a:lvl4pPr indent="-317500" lvl="3" marL="1828800">
+            <a:lvl4pPr marL="1828800" lvl="3" indent="-317500">
               <a:spcBef>
                 <a:spcPts val="0"/>
               </a:spcBef>
@@ -4723,7 +4855,7 @@
               <a:buChar char="●"/>
               <a:defRPr/>
             </a:lvl4pPr>
-            <a:lvl5pPr indent="-317500" lvl="4" marL="2286000">
+            <a:lvl5pPr marL="2286000" lvl="4" indent="-317500">
               <a:spcBef>
                 <a:spcPts val="0"/>
               </a:spcBef>
@@ -4734,7 +4866,7 @@
               <a:buChar char="○"/>
               <a:defRPr/>
             </a:lvl5pPr>
-            <a:lvl6pPr indent="-317500" lvl="5" marL="2743200">
+            <a:lvl6pPr marL="2743200" lvl="5" indent="-317500">
               <a:spcBef>
                 <a:spcPts val="0"/>
               </a:spcBef>
@@ -4745,7 +4877,7 @@
               <a:buChar char="■"/>
               <a:defRPr/>
             </a:lvl6pPr>
-            <a:lvl7pPr indent="-317500" lvl="6" marL="3200400">
+            <a:lvl7pPr marL="3200400" lvl="6" indent="-317500">
               <a:spcBef>
                 <a:spcPts val="0"/>
               </a:spcBef>
@@ -4756,7 +4888,7 @@
               <a:buChar char="●"/>
               <a:defRPr/>
             </a:lvl7pPr>
-            <a:lvl8pPr indent="-317500" lvl="7" marL="3657600">
+            <a:lvl8pPr marL="3657600" lvl="7" indent="-317500">
               <a:spcBef>
                 <a:spcPts val="0"/>
               </a:spcBef>
@@ -4767,7 +4899,7 @@
               <a:buChar char="○"/>
               <a:defRPr/>
             </a:lvl8pPr>
-            <a:lvl9pPr indent="-317500" lvl="8" marL="4114800">
+            <a:lvl9pPr marL="4114800" lvl="8" indent="-317500">
               <a:spcBef>
                 <a:spcPts val="0"/>
               </a:spcBef>
@@ -4779,15 +4911,19 @@
               <a:defRPr/>
             </a:lvl9pPr>
           </a:lstStyle>
-          <a:p/>
+          <a:p>
+            <a:endParaRPr/>
+          </a:p>
         </p:txBody>
       </p:sp>
       <p:sp>
         <p:nvSpPr>
           <p:cNvPr id="40" name="Google Shape;40;p9"/>
-          <p:cNvSpPr txBox="1"/>
+          <p:cNvSpPr txBox="1">
+            <a:spLocks noGrp="1"/>
+          </p:cNvSpPr>
           <p:nvPr>
-            <p:ph idx="12" type="sldNum"/>
+            <p:ph type="sldNum" idx="12"/>
           </p:nvPr>
         </p:nvSpPr>
         <p:spPr>
@@ -4800,7 +4936,7 @@
           </a:prstGeom>
         </p:spPr>
         <p:txBody>
-          <a:bodyPr anchorCtr="0" anchor="ctr" bIns="91425" lIns="91425" spcFirstLastPara="1" rIns="91425" wrap="square" tIns="91425">
+          <a:bodyPr spcFirstLastPara="1" wrap="square" lIns="91425" tIns="91425" rIns="91425" bIns="91425" anchor="ctr" anchorCtr="0">
             <a:normAutofit/>
           </a:bodyPr>
           <a:lstStyle>
@@ -4842,7 +4978,7 @@
             </a:lvl9pPr>
           </a:lstStyle>
           <a:p>
-            <a:pPr indent="0" lvl="0" marL="0" rtl="0" algn="r">
+            <a:pPr marL="0" lvl="0" indent="0" algn="r" rtl="0">
               <a:spcBef>
                 <a:spcPts val="0"/>
               </a:spcBef>
@@ -4868,11 +5004,11 @@
 </file>
 
 <file path=ppt/slideLayouts/slideLayout9.xml><?xml version="1.0" encoding="utf-8"?>
-<p:sldLayout xmlns:a="http://schemas.openxmlformats.org/drawingml/2006/main" xmlns:r="http://schemas.openxmlformats.org/officeDocument/2006/relationships" xmlns:mc="http://schemas.openxmlformats.org/markup-compatibility/2006" xmlns:mv="urn:schemas-microsoft-com:mac:vml" xmlns:p="http://schemas.openxmlformats.org/presentationml/2006/main" xmlns:c="http://schemas.openxmlformats.org/drawingml/2006/chart" xmlns:dgm="http://schemas.openxmlformats.org/drawingml/2006/diagram" xmlns:o="urn:schemas-microsoft-com:office:office" xmlns:v="urn:schemas-microsoft-com:vml" xmlns:pvml="urn:schemas-microsoft-com:office:powerpoint" xmlns:com="http://schemas.openxmlformats.org/drawingml/2006/compatibility" xmlns:p14="http://schemas.microsoft.com/office/powerpoint/2010/main" xmlns:p15="http://schemas.microsoft.com/office/powerpoint/2012/main" xmlns:ahyp="http://schemas.microsoft.com/office/drawing/2018/hyperlinkcolor" matchingName="Caption">
+<p:sldLayout xmlns:a="http://schemas.openxmlformats.org/drawingml/2006/main" xmlns:r="http://schemas.openxmlformats.org/officeDocument/2006/relationships" xmlns:p="http://schemas.openxmlformats.org/presentationml/2006/main" matchingName="Caption">
   <p:cSld name="CAPTION_ONLY">
     <p:spTree>
       <p:nvGrpSpPr>
-        <p:cNvPr id="41" name="Shape 41"/>
+        <p:cNvPr id="1" name="Shape 41"/>
         <p:cNvGrpSpPr/>
         <p:nvPr/>
       </p:nvGrpSpPr>
@@ -4887,9 +5023,11 @@
       <p:sp>
         <p:nvSpPr>
           <p:cNvPr id="42" name="Google Shape;42;p10"/>
-          <p:cNvSpPr txBox="1"/>
+          <p:cNvSpPr txBox="1">
+            <a:spLocks noGrp="1"/>
+          </p:cNvSpPr>
           <p:nvPr>
-            <p:ph idx="1" type="body"/>
+            <p:ph type="body" idx="1"/>
           </p:nvPr>
         </p:nvSpPr>
         <p:spPr>
@@ -4902,11 +5040,11 @@
           </a:prstGeom>
         </p:spPr>
         <p:txBody>
-          <a:bodyPr anchorCtr="0" anchor="ctr" bIns="91425" lIns="91425" spcFirstLastPara="1" rIns="91425" wrap="square" tIns="91425">
+          <a:bodyPr spcFirstLastPara="1" wrap="square" lIns="91425" tIns="91425" rIns="91425" bIns="91425" anchor="ctr" anchorCtr="0">
             <a:normAutofit/>
           </a:bodyPr>
           <a:lstStyle>
-            <a:lvl1pPr indent="-228600" lvl="0" marL="457200">
+            <a:lvl1pPr marL="457200" lvl="0" indent="-228600">
               <a:lnSpc>
                 <a:spcPct val="100000"/>
               </a:lnSpc>
@@ -4921,15 +5059,19 @@
               <a:defRPr/>
             </a:lvl1pPr>
           </a:lstStyle>
-          <a:p/>
+          <a:p>
+            <a:endParaRPr/>
+          </a:p>
         </p:txBody>
       </p:sp>
       <p:sp>
         <p:nvSpPr>
           <p:cNvPr id="43" name="Google Shape;43;p10"/>
-          <p:cNvSpPr txBox="1"/>
+          <p:cNvSpPr txBox="1">
+            <a:spLocks noGrp="1"/>
+          </p:cNvSpPr>
           <p:nvPr>
-            <p:ph idx="12" type="sldNum"/>
+            <p:ph type="sldNum" idx="12"/>
           </p:nvPr>
         </p:nvSpPr>
         <p:spPr>
@@ -4942,7 +5084,7 @@
           </a:prstGeom>
         </p:spPr>
         <p:txBody>
-          <a:bodyPr anchorCtr="0" anchor="ctr" bIns="91425" lIns="91425" spcFirstLastPara="1" rIns="91425" wrap="square" tIns="91425">
+          <a:bodyPr spcFirstLastPara="1" wrap="square" lIns="91425" tIns="91425" rIns="91425" bIns="91425" anchor="ctr" anchorCtr="0">
             <a:normAutofit/>
           </a:bodyPr>
           <a:lstStyle>
@@ -4984,7 +5126,7 @@
             </a:lvl9pPr>
           </a:lstStyle>
           <a:p>
-            <a:pPr indent="0" lvl="0" marL="0" rtl="0" algn="r">
+            <a:pPr marL="0" lvl="0" indent="0" algn="r" rtl="0">
               <a:spcBef>
                 <a:spcPts val="0"/>
               </a:spcBef>
@@ -5010,18 +5152,19 @@
 </file>
 
 <file path=ppt/slideMasters/slideMaster1.xml><?xml version="1.0" encoding="utf-8"?>
-<p:sldMaster xmlns:a="http://schemas.openxmlformats.org/drawingml/2006/main" xmlns:r="http://schemas.openxmlformats.org/officeDocument/2006/relationships" xmlns:mc="http://schemas.openxmlformats.org/markup-compatibility/2006" xmlns:mv="urn:schemas-microsoft-com:mac:vml" xmlns:p="http://schemas.openxmlformats.org/presentationml/2006/main" xmlns:c="http://schemas.openxmlformats.org/drawingml/2006/chart" xmlns:dgm="http://schemas.openxmlformats.org/drawingml/2006/diagram" xmlns:o="urn:schemas-microsoft-com:office:office" xmlns:v="urn:schemas-microsoft-com:vml" xmlns:pvml="urn:schemas-microsoft-com:office:powerpoint" xmlns:com="http://schemas.openxmlformats.org/drawingml/2006/compatibility" xmlns:p14="http://schemas.microsoft.com/office/powerpoint/2010/main" xmlns:p15="http://schemas.microsoft.com/office/powerpoint/2012/main" xmlns:ahyp="http://schemas.microsoft.com/office/drawing/2018/hyperlinkcolor">
+<p:sldMaster xmlns:a="http://schemas.openxmlformats.org/drawingml/2006/main" xmlns:r="http://schemas.openxmlformats.org/officeDocument/2006/relationships" xmlns:p="http://schemas.openxmlformats.org/presentationml/2006/main">
   <p:cSld name="simple-light-2">
     <p:bg>
       <p:bgPr>
         <a:solidFill>
           <a:schemeClr val="lt1"/>
         </a:solidFill>
+        <a:effectLst/>
       </p:bgPr>
     </p:bg>
     <p:spTree>
       <p:nvGrpSpPr>
-        <p:cNvPr id="5" name="Shape 5"/>
+        <p:cNvPr id="1" name="Shape 5"/>
         <p:cNvGrpSpPr/>
         <p:nvPr/>
       </p:nvGrpSpPr>
@@ -5036,7 +5179,9 @@
       <p:sp>
         <p:nvSpPr>
           <p:cNvPr id="6" name="Google Shape;6;p1"/>
-          <p:cNvSpPr txBox="1"/>
+          <p:cNvSpPr txBox="1">
+            <a:spLocks noGrp="1"/>
+          </p:cNvSpPr>
           <p:nvPr>
             <p:ph type="title"/>
           </p:nvPr>
@@ -5055,7 +5200,7 @@
           </a:ln>
         </p:spPr>
         <p:txBody>
-          <a:bodyPr anchorCtr="0" anchor="t" bIns="91425" lIns="91425" spcFirstLastPara="1" rIns="91425" wrap="square" tIns="91425">
+          <a:bodyPr spcFirstLastPara="1" wrap="square" lIns="91425" tIns="91425" rIns="91425" bIns="91425" anchor="t" anchorCtr="0">
             <a:normAutofit/>
           </a:bodyPr>
           <a:lstStyle>
@@ -5222,15 +5367,19 @@
               </a:defRPr>
             </a:lvl9pPr>
           </a:lstStyle>
-          <a:p/>
+          <a:p>
+            <a:endParaRPr/>
+          </a:p>
         </p:txBody>
       </p:sp>
       <p:sp>
         <p:nvSpPr>
           <p:cNvPr id="7" name="Google Shape;7;p1"/>
-          <p:cNvSpPr txBox="1"/>
+          <p:cNvSpPr txBox="1">
+            <a:spLocks noGrp="1"/>
+          </p:cNvSpPr>
           <p:nvPr>
-            <p:ph idx="1" type="body"/>
+            <p:ph type="body" idx="1"/>
           </p:nvPr>
         </p:nvSpPr>
         <p:spPr>
@@ -5247,11 +5396,11 @@
           </a:ln>
         </p:spPr>
         <p:txBody>
-          <a:bodyPr anchorCtr="0" anchor="t" bIns="91425" lIns="91425" spcFirstLastPara="1" rIns="91425" wrap="square" tIns="91425">
+          <a:bodyPr spcFirstLastPara="1" wrap="square" lIns="91425" tIns="91425" rIns="91425" bIns="91425" anchor="t" anchorCtr="0">
             <a:normAutofit/>
           </a:bodyPr>
           <a:lstStyle>
-            <a:lvl1pPr indent="-342900" lvl="0" marL="457200">
+            <a:lvl1pPr marL="457200" lvl="0" indent="-342900">
               <a:lnSpc>
                 <a:spcPct val="115000"/>
               </a:lnSpc>
@@ -5272,7 +5421,7 @@
                 </a:solidFill>
               </a:defRPr>
             </a:lvl1pPr>
-            <a:lvl2pPr indent="-317500" lvl="1" marL="914400">
+            <a:lvl2pPr marL="914400" lvl="1" indent="-317500">
               <a:lnSpc>
                 <a:spcPct val="115000"/>
               </a:lnSpc>
@@ -5293,7 +5442,7 @@
                 </a:solidFill>
               </a:defRPr>
             </a:lvl2pPr>
-            <a:lvl3pPr indent="-317500" lvl="2" marL="1371600">
+            <a:lvl3pPr marL="1371600" lvl="2" indent="-317500">
               <a:lnSpc>
                 <a:spcPct val="115000"/>
               </a:lnSpc>
@@ -5314,7 +5463,7 @@
                 </a:solidFill>
               </a:defRPr>
             </a:lvl3pPr>
-            <a:lvl4pPr indent="-317500" lvl="3" marL="1828800">
+            <a:lvl4pPr marL="1828800" lvl="3" indent="-317500">
               <a:lnSpc>
                 <a:spcPct val="115000"/>
               </a:lnSpc>
@@ -5335,7 +5484,7 @@
                 </a:solidFill>
               </a:defRPr>
             </a:lvl4pPr>
-            <a:lvl5pPr indent="-317500" lvl="4" marL="2286000">
+            <a:lvl5pPr marL="2286000" lvl="4" indent="-317500">
               <a:lnSpc>
                 <a:spcPct val="115000"/>
               </a:lnSpc>
@@ -5356,7 +5505,7 @@
                 </a:solidFill>
               </a:defRPr>
             </a:lvl5pPr>
-            <a:lvl6pPr indent="-317500" lvl="5" marL="2743200">
+            <a:lvl6pPr marL="2743200" lvl="5" indent="-317500">
               <a:lnSpc>
                 <a:spcPct val="115000"/>
               </a:lnSpc>
@@ -5377,7 +5526,7 @@
                 </a:solidFill>
               </a:defRPr>
             </a:lvl6pPr>
-            <a:lvl7pPr indent="-317500" lvl="6" marL="3200400">
+            <a:lvl7pPr marL="3200400" lvl="6" indent="-317500">
               <a:lnSpc>
                 <a:spcPct val="115000"/>
               </a:lnSpc>
@@ -5398,7 +5547,7 @@
                 </a:solidFill>
               </a:defRPr>
             </a:lvl7pPr>
-            <a:lvl8pPr indent="-317500" lvl="7" marL="3657600">
+            <a:lvl8pPr marL="3657600" lvl="7" indent="-317500">
               <a:lnSpc>
                 <a:spcPct val="115000"/>
               </a:lnSpc>
@@ -5419,7 +5568,7 @@
                 </a:solidFill>
               </a:defRPr>
             </a:lvl8pPr>
-            <a:lvl9pPr indent="-317500" lvl="8" marL="4114800">
+            <a:lvl9pPr marL="4114800" lvl="8" indent="-317500">
               <a:lnSpc>
                 <a:spcPct val="115000"/>
               </a:lnSpc>
@@ -5441,15 +5590,19 @@
               </a:defRPr>
             </a:lvl9pPr>
           </a:lstStyle>
-          <a:p/>
+          <a:p>
+            <a:endParaRPr/>
+          </a:p>
         </p:txBody>
       </p:sp>
       <p:sp>
         <p:nvSpPr>
           <p:cNvPr id="8" name="Google Shape;8;p1"/>
-          <p:cNvSpPr txBox="1"/>
+          <p:cNvSpPr txBox="1">
+            <a:spLocks noGrp="1"/>
+          </p:cNvSpPr>
           <p:nvPr>
-            <p:ph idx="12" type="sldNum"/>
+            <p:ph type="sldNum" idx="12"/>
           </p:nvPr>
         </p:nvSpPr>
         <p:spPr>
@@ -5466,7 +5619,7 @@
           </a:ln>
         </p:spPr>
         <p:txBody>
-          <a:bodyPr anchorCtr="0" anchor="ctr" bIns="91425" lIns="91425" spcFirstLastPara="1" rIns="91425" wrap="square" tIns="91425">
+          <a:bodyPr spcFirstLastPara="1" wrap="square" lIns="91425" tIns="91425" rIns="91425" bIns="91425" anchor="ctr" anchorCtr="0">
             <a:normAutofit/>
           </a:bodyPr>
           <a:lstStyle>
@@ -5544,7 +5697,7 @@
             </a:lvl9pPr>
           </a:lstStyle>
           <a:p>
-            <a:pPr indent="0" lvl="0" marL="0" rtl="0" algn="r">
+            <a:pPr marL="0" lvl="0" indent="0" algn="r" rtl="0">
               <a:spcBef>
                 <a:spcPts val="0"/>
               </a:spcBef>
@@ -5563,7 +5716,7 @@
       </p:sp>
     </p:spTree>
   </p:cSld>
-  <p:clrMap accent1="accent1" accent2="accent2" accent3="accent3" accent4="accent4" accent5="accent5" accent6="accent6" bg1="lt1" bg2="dk2" tx1="dk1" tx2="lt2" folHlink="folHlink" hlink="hlink"/>
+  <p:clrMap bg1="lt1" tx1="dk1" bg2="dk2" tx2="lt2" accent1="accent1" accent2="accent2" accent3="accent3" accent4="accent4" accent5="accent5" accent6="accent6" hlink="hlink" folHlink="folHlink"/>
   <p:sldLayoutIdLst>
     <p:sldLayoutId id="2147483648" r:id="rId1"/>
     <p:sldLayoutId id="2147483649" r:id="rId2"/>
@@ -5577,10 +5730,10 @@
     <p:sldLayoutId id="2147483657" r:id="rId10"/>
     <p:sldLayoutId id="2147483658" r:id="rId11"/>
   </p:sldLayoutIdLst>
-  <p:hf dt="0" ftr="0" hdr="0" sldNum="0"/>
+  <p:hf sldNum="0" hdr="0" ftr="0" dt="0"/>
   <p:txStyles>
     <p:titleStyle>
-      <a:defPPr lvl="0" marR="0" rtl="0" algn="l">
+      <a:defPPr marR="0" lvl="0" algn="l" rtl="0">
         <a:lnSpc>
           <a:spcPct val="100000"/>
         </a:lnSpc>
@@ -5591,7 +5744,7 @@
           <a:spcPts val="0"/>
         </a:spcAft>
       </a:defPPr>
-      <a:lvl1pPr lvl="0" marR="0" rtl="0" algn="l">
+      <a:lvl1pPr marR="0" lvl="0" algn="l" rtl="0">
         <a:lnSpc>
           <a:spcPct val="100000"/>
         </a:lnSpc>
@@ -5605,7 +5758,7 @@
           <a:srgbClr val="000000"/>
         </a:buClr>
         <a:buFont typeface="Arial"/>
-        <a:defRPr b="0" i="0" sz="1400" u="none" cap="none" strike="noStrike">
+        <a:defRPr sz="1400" b="0" i="0" u="none" strike="noStrike" cap="none">
           <a:solidFill>
             <a:srgbClr val="000000"/>
           </a:solidFill>
@@ -5615,7 +5768,7 @@
           <a:sym typeface="Arial"/>
         </a:defRPr>
       </a:lvl1pPr>
-      <a:lvl2pPr lvl="1" marR="0" rtl="0" algn="l">
+      <a:lvl2pPr marR="0" lvl="1" algn="l" rtl="0">
         <a:lnSpc>
           <a:spcPct val="100000"/>
         </a:lnSpc>
@@ -5629,7 +5782,7 @@
           <a:srgbClr val="000000"/>
         </a:buClr>
         <a:buFont typeface="Arial"/>
-        <a:defRPr b="0" i="0" sz="1400" u="none" cap="none" strike="noStrike">
+        <a:defRPr sz="1400" b="0" i="0" u="none" strike="noStrike" cap="none">
           <a:solidFill>
             <a:srgbClr val="000000"/>
           </a:solidFill>
@@ -5639,7 +5792,7 @@
           <a:sym typeface="Arial"/>
         </a:defRPr>
       </a:lvl2pPr>
-      <a:lvl3pPr lvl="2" marR="0" rtl="0" algn="l">
+      <a:lvl3pPr marR="0" lvl="2" algn="l" rtl="0">
         <a:lnSpc>
           <a:spcPct val="100000"/>
         </a:lnSpc>
@@ -5653,7 +5806,7 @@
           <a:srgbClr val="000000"/>
         </a:buClr>
         <a:buFont typeface="Arial"/>
-        <a:defRPr b="0" i="0" sz="1400" u="none" cap="none" strike="noStrike">
+        <a:defRPr sz="1400" b="0" i="0" u="none" strike="noStrike" cap="none">
           <a:solidFill>
             <a:srgbClr val="000000"/>
           </a:solidFill>
@@ -5663,7 +5816,7 @@
           <a:sym typeface="Arial"/>
         </a:defRPr>
       </a:lvl3pPr>
-      <a:lvl4pPr lvl="3" marR="0" rtl="0" algn="l">
+      <a:lvl4pPr marR="0" lvl="3" algn="l" rtl="0">
         <a:lnSpc>
           <a:spcPct val="100000"/>
         </a:lnSpc>
@@ -5677,7 +5830,7 @@
           <a:srgbClr val="000000"/>
         </a:buClr>
         <a:buFont typeface="Arial"/>
-        <a:defRPr b="0" i="0" sz="1400" u="none" cap="none" strike="noStrike">
+        <a:defRPr sz="1400" b="0" i="0" u="none" strike="noStrike" cap="none">
           <a:solidFill>
             <a:srgbClr val="000000"/>
           </a:solidFill>
@@ -5687,7 +5840,7 @@
           <a:sym typeface="Arial"/>
         </a:defRPr>
       </a:lvl4pPr>
-      <a:lvl5pPr lvl="4" marR="0" rtl="0" algn="l">
+      <a:lvl5pPr marR="0" lvl="4" algn="l" rtl="0">
         <a:lnSpc>
           <a:spcPct val="100000"/>
         </a:lnSpc>
@@ -5701,7 +5854,7 @@
           <a:srgbClr val="000000"/>
         </a:buClr>
         <a:buFont typeface="Arial"/>
-        <a:defRPr b="0" i="0" sz="1400" u="none" cap="none" strike="noStrike">
+        <a:defRPr sz="1400" b="0" i="0" u="none" strike="noStrike" cap="none">
           <a:solidFill>
             <a:srgbClr val="000000"/>
           </a:solidFill>
@@ -5711,7 +5864,7 @@
           <a:sym typeface="Arial"/>
         </a:defRPr>
       </a:lvl5pPr>
-      <a:lvl6pPr lvl="5" marR="0" rtl="0" algn="l">
+      <a:lvl6pPr marR="0" lvl="5" algn="l" rtl="0">
         <a:lnSpc>
           <a:spcPct val="100000"/>
         </a:lnSpc>
@@ -5725,7 +5878,7 @@
           <a:srgbClr val="000000"/>
         </a:buClr>
         <a:buFont typeface="Arial"/>
-        <a:defRPr b="0" i="0" sz="1400" u="none" cap="none" strike="noStrike">
+        <a:defRPr sz="1400" b="0" i="0" u="none" strike="noStrike" cap="none">
           <a:solidFill>
             <a:srgbClr val="000000"/>
           </a:solidFill>
@@ -5735,7 +5888,7 @@
           <a:sym typeface="Arial"/>
         </a:defRPr>
       </a:lvl6pPr>
-      <a:lvl7pPr lvl="6" marR="0" rtl="0" algn="l">
+      <a:lvl7pPr marR="0" lvl="6" algn="l" rtl="0">
         <a:lnSpc>
           <a:spcPct val="100000"/>
         </a:lnSpc>
@@ -5749,7 +5902,7 @@
           <a:srgbClr val="000000"/>
         </a:buClr>
         <a:buFont typeface="Arial"/>
-        <a:defRPr b="0" i="0" sz="1400" u="none" cap="none" strike="noStrike">
+        <a:defRPr sz="1400" b="0" i="0" u="none" strike="noStrike" cap="none">
           <a:solidFill>
             <a:srgbClr val="000000"/>
           </a:solidFill>
@@ -5759,7 +5912,7 @@
           <a:sym typeface="Arial"/>
         </a:defRPr>
       </a:lvl7pPr>
-      <a:lvl8pPr lvl="7" marR="0" rtl="0" algn="l">
+      <a:lvl8pPr marR="0" lvl="7" algn="l" rtl="0">
         <a:lnSpc>
           <a:spcPct val="100000"/>
         </a:lnSpc>
@@ -5773,7 +5926,7 @@
           <a:srgbClr val="000000"/>
         </a:buClr>
         <a:buFont typeface="Arial"/>
-        <a:defRPr b="0" i="0" sz="1400" u="none" cap="none" strike="noStrike">
+        <a:defRPr sz="1400" b="0" i="0" u="none" strike="noStrike" cap="none">
           <a:solidFill>
             <a:srgbClr val="000000"/>
           </a:solidFill>
@@ -5783,7 +5936,7 @@
           <a:sym typeface="Arial"/>
         </a:defRPr>
       </a:lvl8pPr>
-      <a:lvl9pPr lvl="8" marR="0" rtl="0" algn="l">
+      <a:lvl9pPr marR="0" lvl="8" algn="l" rtl="0">
         <a:lnSpc>
           <a:spcPct val="100000"/>
         </a:lnSpc>
@@ -5797,7 +5950,7 @@
           <a:srgbClr val="000000"/>
         </a:buClr>
         <a:buFont typeface="Arial"/>
-        <a:defRPr b="0" i="0" sz="1400" u="none" cap="none" strike="noStrike">
+        <a:defRPr sz="1400" b="0" i="0" u="none" strike="noStrike" cap="none">
           <a:solidFill>
             <a:srgbClr val="000000"/>
           </a:solidFill>
@@ -5809,7 +5962,7 @@
       </a:lvl9pPr>
     </p:titleStyle>
     <p:bodyStyle>
-      <a:defPPr lvl="0" marR="0" rtl="0" algn="l">
+      <a:defPPr marR="0" lvl="0" algn="l" rtl="0">
         <a:lnSpc>
           <a:spcPct val="100000"/>
         </a:lnSpc>
@@ -5820,7 +5973,7 @@
           <a:spcPts val="0"/>
         </a:spcAft>
       </a:defPPr>
-      <a:lvl1pPr lvl="0" marR="0" rtl="0" algn="l">
+      <a:lvl1pPr marR="0" lvl="0" algn="l" rtl="0">
         <a:lnSpc>
           <a:spcPct val="100000"/>
         </a:lnSpc>
@@ -5834,7 +5987,7 @@
           <a:srgbClr val="000000"/>
         </a:buClr>
         <a:buFont typeface="Arial"/>
-        <a:defRPr b="0" i="0" sz="1400" u="none" cap="none" strike="noStrike">
+        <a:defRPr sz="1400" b="0" i="0" u="none" strike="noStrike" cap="none">
           <a:solidFill>
             <a:srgbClr val="000000"/>
           </a:solidFill>
@@ -5844,7 +5997,7 @@
           <a:sym typeface="Arial"/>
         </a:defRPr>
       </a:lvl1pPr>
-      <a:lvl2pPr lvl="1" marR="0" rtl="0" algn="l">
+      <a:lvl2pPr marR="0" lvl="1" algn="l" rtl="0">
         <a:lnSpc>
           <a:spcPct val="100000"/>
         </a:lnSpc>
@@ -5858,7 +6011,7 @@
           <a:srgbClr val="000000"/>
         </a:buClr>
         <a:buFont typeface="Arial"/>
-        <a:defRPr b="0" i="0" sz="1400" u="none" cap="none" strike="noStrike">
+        <a:defRPr sz="1400" b="0" i="0" u="none" strike="noStrike" cap="none">
           <a:solidFill>
             <a:srgbClr val="000000"/>
           </a:solidFill>
@@ -5868,7 +6021,7 @@
           <a:sym typeface="Arial"/>
         </a:defRPr>
       </a:lvl2pPr>
-      <a:lvl3pPr lvl="2" marR="0" rtl="0" algn="l">
+      <a:lvl3pPr marR="0" lvl="2" algn="l" rtl="0">
         <a:lnSpc>
           <a:spcPct val="100000"/>
         </a:lnSpc>
@@ -5882,7 +6035,7 @@
           <a:srgbClr val="000000"/>
         </a:buClr>
         <a:buFont typeface="Arial"/>
-        <a:defRPr b="0" i="0" sz="1400" u="none" cap="none" strike="noStrike">
+        <a:defRPr sz="1400" b="0" i="0" u="none" strike="noStrike" cap="none">
           <a:solidFill>
             <a:srgbClr val="000000"/>
           </a:solidFill>
@@ -5892,7 +6045,7 @@
           <a:sym typeface="Arial"/>
         </a:defRPr>
       </a:lvl3pPr>
-      <a:lvl4pPr lvl="3" marR="0" rtl="0" algn="l">
+      <a:lvl4pPr marR="0" lvl="3" algn="l" rtl="0">
         <a:lnSpc>
           <a:spcPct val="100000"/>
         </a:lnSpc>
@@ -5906,7 +6059,7 @@
           <a:srgbClr val="000000"/>
         </a:buClr>
         <a:buFont typeface="Arial"/>
-        <a:defRPr b="0" i="0" sz="1400" u="none" cap="none" strike="noStrike">
+        <a:defRPr sz="1400" b="0" i="0" u="none" strike="noStrike" cap="none">
           <a:solidFill>
             <a:srgbClr val="000000"/>
           </a:solidFill>
@@ -5916,7 +6069,7 @@
           <a:sym typeface="Arial"/>
         </a:defRPr>
       </a:lvl4pPr>
-      <a:lvl5pPr lvl="4" marR="0" rtl="0" algn="l">
+      <a:lvl5pPr marR="0" lvl="4" algn="l" rtl="0">
         <a:lnSpc>
           <a:spcPct val="100000"/>
         </a:lnSpc>
@@ -5930,7 +6083,7 @@
           <a:srgbClr val="000000"/>
         </a:buClr>
         <a:buFont typeface="Arial"/>
-        <a:defRPr b="0" i="0" sz="1400" u="none" cap="none" strike="noStrike">
+        <a:defRPr sz="1400" b="0" i="0" u="none" strike="noStrike" cap="none">
           <a:solidFill>
             <a:srgbClr val="000000"/>
           </a:solidFill>
@@ -5940,7 +6093,7 @@
           <a:sym typeface="Arial"/>
         </a:defRPr>
       </a:lvl5pPr>
-      <a:lvl6pPr lvl="5" marR="0" rtl="0" algn="l">
+      <a:lvl6pPr marR="0" lvl="5" algn="l" rtl="0">
         <a:lnSpc>
           <a:spcPct val="100000"/>
         </a:lnSpc>
@@ -5954,7 +6107,7 @@
           <a:srgbClr val="000000"/>
         </a:buClr>
         <a:buFont typeface="Arial"/>
-        <a:defRPr b="0" i="0" sz="1400" u="none" cap="none" strike="noStrike">
+        <a:defRPr sz="1400" b="0" i="0" u="none" strike="noStrike" cap="none">
           <a:solidFill>
             <a:srgbClr val="000000"/>
           </a:solidFill>
@@ -5964,7 +6117,7 @@
           <a:sym typeface="Arial"/>
         </a:defRPr>
       </a:lvl6pPr>
-      <a:lvl7pPr lvl="6" marR="0" rtl="0" algn="l">
+      <a:lvl7pPr marR="0" lvl="6" algn="l" rtl="0">
         <a:lnSpc>
           <a:spcPct val="100000"/>
         </a:lnSpc>
@@ -5978,7 +6131,7 @@
           <a:srgbClr val="000000"/>
         </a:buClr>
         <a:buFont typeface="Arial"/>
-        <a:defRPr b="0" i="0" sz="1400" u="none" cap="none" strike="noStrike">
+        <a:defRPr sz="1400" b="0" i="0" u="none" strike="noStrike" cap="none">
           <a:solidFill>
             <a:srgbClr val="000000"/>
           </a:solidFill>
@@ -5988,7 +6141,7 @@
           <a:sym typeface="Arial"/>
         </a:defRPr>
       </a:lvl7pPr>
-      <a:lvl8pPr lvl="7" marR="0" rtl="0" algn="l">
+      <a:lvl8pPr marR="0" lvl="7" algn="l" rtl="0">
         <a:lnSpc>
           <a:spcPct val="100000"/>
         </a:lnSpc>
@@ -6002,7 +6155,7 @@
           <a:srgbClr val="000000"/>
         </a:buClr>
         <a:buFont typeface="Arial"/>
-        <a:defRPr b="0" i="0" sz="1400" u="none" cap="none" strike="noStrike">
+        <a:defRPr sz="1400" b="0" i="0" u="none" strike="noStrike" cap="none">
           <a:solidFill>
             <a:srgbClr val="000000"/>
           </a:solidFill>
@@ -6012,7 +6165,7 @@
           <a:sym typeface="Arial"/>
         </a:defRPr>
       </a:lvl8pPr>
-      <a:lvl9pPr lvl="8" marR="0" rtl="0" algn="l">
+      <a:lvl9pPr marR="0" lvl="8" algn="l" rtl="0">
         <a:lnSpc>
           <a:spcPct val="100000"/>
         </a:lnSpc>
@@ -6026,7 +6179,7 @@
           <a:srgbClr val="000000"/>
         </a:buClr>
         <a:buFont typeface="Arial"/>
-        <a:defRPr b="0" i="0" sz="1400" u="none" cap="none" strike="noStrike">
+        <a:defRPr sz="1400" b="0" i="0" u="none" strike="noStrike" cap="none">
           <a:solidFill>
             <a:srgbClr val="000000"/>
           </a:solidFill>
@@ -6038,7 +6191,7 @@
       </a:lvl9pPr>
     </p:bodyStyle>
     <p:otherStyle>
-      <a:defPPr lvl="0" marR="0" rtl="0" algn="l">
+      <a:defPPr marR="0" lvl="0" algn="l" rtl="0">
         <a:lnSpc>
           <a:spcPct val="100000"/>
         </a:lnSpc>
@@ -6049,7 +6202,7 @@
           <a:spcPts val="0"/>
         </a:spcAft>
       </a:defPPr>
-      <a:lvl1pPr lvl="0" marR="0" rtl="0" algn="l">
+      <a:lvl1pPr marR="0" lvl="0" algn="l" rtl="0">
         <a:lnSpc>
           <a:spcPct val="100000"/>
         </a:lnSpc>
@@ -6063,7 +6216,7 @@
           <a:srgbClr val="000000"/>
         </a:buClr>
         <a:buFont typeface="Arial"/>
-        <a:defRPr b="0" i="0" sz="1400" u="none" cap="none" strike="noStrike">
+        <a:defRPr sz="1400" b="0" i="0" u="none" strike="noStrike" cap="none">
           <a:solidFill>
             <a:srgbClr val="000000"/>
           </a:solidFill>
@@ -6073,7 +6226,7 @@
           <a:sym typeface="Arial"/>
         </a:defRPr>
       </a:lvl1pPr>
-      <a:lvl2pPr lvl="1" marR="0" rtl="0" algn="l">
+      <a:lvl2pPr marR="0" lvl="1" algn="l" rtl="0">
         <a:lnSpc>
           <a:spcPct val="100000"/>
         </a:lnSpc>
@@ -6087,7 +6240,7 @@
           <a:srgbClr val="000000"/>
         </a:buClr>
         <a:buFont typeface="Arial"/>
-        <a:defRPr b="0" i="0" sz="1400" u="none" cap="none" strike="noStrike">
+        <a:defRPr sz="1400" b="0" i="0" u="none" strike="noStrike" cap="none">
           <a:solidFill>
             <a:srgbClr val="000000"/>
           </a:solidFill>
@@ -6097,7 +6250,7 @@
           <a:sym typeface="Arial"/>
         </a:defRPr>
       </a:lvl2pPr>
-      <a:lvl3pPr lvl="2" marR="0" rtl="0" algn="l">
+      <a:lvl3pPr marR="0" lvl="2" algn="l" rtl="0">
         <a:lnSpc>
           <a:spcPct val="100000"/>
         </a:lnSpc>
@@ -6111,7 +6264,7 @@
           <a:srgbClr val="000000"/>
         </a:buClr>
         <a:buFont typeface="Arial"/>
-        <a:defRPr b="0" i="0" sz="1400" u="none" cap="none" strike="noStrike">
+        <a:defRPr sz="1400" b="0" i="0" u="none" strike="noStrike" cap="none">
           <a:solidFill>
             <a:srgbClr val="000000"/>
           </a:solidFill>
@@ -6121,7 +6274,7 @@
           <a:sym typeface="Arial"/>
         </a:defRPr>
       </a:lvl3pPr>
-      <a:lvl4pPr lvl="3" marR="0" rtl="0" algn="l">
+      <a:lvl4pPr marR="0" lvl="3" algn="l" rtl="0">
         <a:lnSpc>
           <a:spcPct val="100000"/>
         </a:lnSpc>
@@ -6135,7 +6288,7 @@
           <a:srgbClr val="000000"/>
         </a:buClr>
         <a:buFont typeface="Arial"/>
-        <a:defRPr b="0" i="0" sz="1400" u="none" cap="none" strike="noStrike">
+        <a:defRPr sz="1400" b="0" i="0" u="none" strike="noStrike" cap="none">
           <a:solidFill>
             <a:srgbClr val="000000"/>
           </a:solidFill>
@@ -6145,7 +6298,7 @@
           <a:sym typeface="Arial"/>
         </a:defRPr>
       </a:lvl4pPr>
-      <a:lvl5pPr lvl="4" marR="0" rtl="0" algn="l">
+      <a:lvl5pPr marR="0" lvl="4" algn="l" rtl="0">
         <a:lnSpc>
           <a:spcPct val="100000"/>
         </a:lnSpc>
@@ -6159,7 +6312,7 @@
           <a:srgbClr val="000000"/>
         </a:buClr>
         <a:buFont typeface="Arial"/>
-        <a:defRPr b="0" i="0" sz="1400" u="none" cap="none" strike="noStrike">
+        <a:defRPr sz="1400" b="0" i="0" u="none" strike="noStrike" cap="none">
           <a:solidFill>
             <a:srgbClr val="000000"/>
           </a:solidFill>
@@ -6169,7 +6322,7 @@
           <a:sym typeface="Arial"/>
         </a:defRPr>
       </a:lvl5pPr>
-      <a:lvl6pPr lvl="5" marR="0" rtl="0" algn="l">
+      <a:lvl6pPr marR="0" lvl="5" algn="l" rtl="0">
         <a:lnSpc>
           <a:spcPct val="100000"/>
         </a:lnSpc>
@@ -6183,7 +6336,7 @@
           <a:srgbClr val="000000"/>
         </a:buClr>
         <a:buFont typeface="Arial"/>
-        <a:defRPr b="0" i="0" sz="1400" u="none" cap="none" strike="noStrike">
+        <a:defRPr sz="1400" b="0" i="0" u="none" strike="noStrike" cap="none">
           <a:solidFill>
             <a:srgbClr val="000000"/>
           </a:solidFill>
@@ -6193,7 +6346,7 @@
           <a:sym typeface="Arial"/>
         </a:defRPr>
       </a:lvl6pPr>
-      <a:lvl7pPr lvl="6" marR="0" rtl="0" algn="l">
+      <a:lvl7pPr marR="0" lvl="6" algn="l" rtl="0">
         <a:lnSpc>
           <a:spcPct val="100000"/>
         </a:lnSpc>
@@ -6207,7 +6360,7 @@
           <a:srgbClr val="000000"/>
         </a:buClr>
         <a:buFont typeface="Arial"/>
-        <a:defRPr b="0" i="0" sz="1400" u="none" cap="none" strike="noStrike">
+        <a:defRPr sz="1400" b="0" i="0" u="none" strike="noStrike" cap="none">
           <a:solidFill>
             <a:srgbClr val="000000"/>
           </a:solidFill>
@@ -6217,7 +6370,7 @@
           <a:sym typeface="Arial"/>
         </a:defRPr>
       </a:lvl7pPr>
-      <a:lvl8pPr lvl="7" marR="0" rtl="0" algn="l">
+      <a:lvl8pPr marR="0" lvl="7" algn="l" rtl="0">
         <a:lnSpc>
           <a:spcPct val="100000"/>
         </a:lnSpc>
@@ -6231,7 +6384,7 @@
           <a:srgbClr val="000000"/>
         </a:buClr>
         <a:buFont typeface="Arial"/>
-        <a:defRPr b="0" i="0" sz="1400" u="none" cap="none" strike="noStrike">
+        <a:defRPr sz="1400" b="0" i="0" u="none" strike="noStrike" cap="none">
           <a:solidFill>
             <a:srgbClr val="000000"/>
           </a:solidFill>
@@ -6241,7 +6394,7 @@
           <a:sym typeface="Arial"/>
         </a:defRPr>
       </a:lvl8pPr>
-      <a:lvl9pPr lvl="8" marR="0" rtl="0" algn="l">
+      <a:lvl9pPr marR="0" lvl="8" algn="l" rtl="0">
         <a:lnSpc>
           <a:spcPct val="100000"/>
         </a:lnSpc>
@@ -6255,7 +6408,7 @@
           <a:srgbClr val="000000"/>
         </a:buClr>
         <a:buFont typeface="Arial"/>
-        <a:defRPr b="0" i="0" sz="1400" u="none" cap="none" strike="noStrike">
+        <a:defRPr sz="1400" b="0" i="0" u="none" strike="noStrike" cap="none">
           <a:solidFill>
             <a:srgbClr val="000000"/>
           </a:solidFill>
@@ -6271,11 +6424,11 @@
 </file>
 
 <file path=ppt/slides/slide1.xml><?xml version="1.0" encoding="utf-8"?>
-<p:sld xmlns:a="http://schemas.openxmlformats.org/drawingml/2006/main" xmlns:r="http://schemas.openxmlformats.org/officeDocument/2006/relationships" xmlns:mc="http://schemas.openxmlformats.org/markup-compatibility/2006" xmlns:mv="urn:schemas-microsoft-com:mac:vml" xmlns:p="http://schemas.openxmlformats.org/presentationml/2006/main" xmlns:c="http://schemas.openxmlformats.org/drawingml/2006/chart" xmlns:dgm="http://schemas.openxmlformats.org/drawingml/2006/diagram" xmlns:o="urn:schemas-microsoft-com:office:office" xmlns:v="urn:schemas-microsoft-com:vml" xmlns:pvml="urn:schemas-microsoft-com:office:powerpoint" xmlns:com="http://schemas.openxmlformats.org/drawingml/2006/compatibility" xmlns:p14="http://schemas.microsoft.com/office/powerpoint/2010/main" xmlns:p15="http://schemas.microsoft.com/office/powerpoint/2012/main" xmlns:ahyp="http://schemas.microsoft.com/office/drawing/2018/hyperlinkcolor">
+<p:sld xmlns:a="http://schemas.openxmlformats.org/drawingml/2006/main" xmlns:r="http://schemas.openxmlformats.org/officeDocument/2006/relationships" xmlns:p="http://schemas.openxmlformats.org/presentationml/2006/main">
   <p:cSld>
     <p:spTree>
       <p:nvGrpSpPr>
-        <p:cNvPr id="53" name="Shape 53"/>
+        <p:cNvPr id="1" name="Shape 53"/>
         <p:cNvGrpSpPr/>
         <p:nvPr/>
       </p:nvGrpSpPr>
@@ -6290,7 +6443,9 @@
       <p:sp>
         <p:nvSpPr>
           <p:cNvPr id="54" name="Google Shape;54;p13"/>
-          <p:cNvSpPr txBox="1"/>
+          <p:cNvSpPr txBox="1">
+            <a:spLocks noGrp="1"/>
+          </p:cNvSpPr>
           <p:nvPr>
             <p:ph type="ctrTitle"/>
           </p:nvPr>
@@ -6305,12 +6460,12 @@
           </a:prstGeom>
         </p:spPr>
         <p:txBody>
-          <a:bodyPr anchorCtr="0" anchor="b" bIns="91425" lIns="91425" spcFirstLastPara="1" rIns="91425" wrap="square" tIns="91425">
+          <a:bodyPr spcFirstLastPara="1" wrap="square" lIns="91425" tIns="91425" rIns="91425" bIns="91425" anchor="b" anchorCtr="0">
             <a:normAutofit/>
           </a:bodyPr>
           <a:lstStyle/>
           <a:p>
-            <a:pPr indent="0" lvl="0" marL="0" rtl="0" algn="ctr">
+            <a:pPr marL="0" lvl="0" indent="0" algn="ctr" rtl="0">
               <a:spcBef>
                 <a:spcPts val="0"/>
               </a:spcBef>
@@ -6320,19 +6475,21 @@
               <a:buNone/>
             </a:pPr>
             <a:r>
-              <a:rPr lang="ru"/>
-              <a:t>&lt;Название проекта&gt;</a:t>
+              <a:rPr lang="en-US" dirty="0"/>
+              <a:t>Pleasure Chatting</a:t>
             </a:r>
-            <a:endParaRPr/>
+            <a:endParaRPr dirty="0"/>
           </a:p>
         </p:txBody>
       </p:sp>
       <p:sp>
         <p:nvSpPr>
           <p:cNvPr id="55" name="Google Shape;55;p13"/>
-          <p:cNvSpPr txBox="1"/>
+          <p:cNvSpPr txBox="1">
+            <a:spLocks noGrp="1"/>
+          </p:cNvSpPr>
           <p:nvPr>
-            <p:ph idx="1" type="subTitle"/>
+            <p:ph type="subTitle" idx="1"/>
           </p:nvPr>
         </p:nvSpPr>
         <p:spPr>
@@ -6345,12 +6502,12 @@
           </a:prstGeom>
         </p:spPr>
         <p:txBody>
-          <a:bodyPr anchorCtr="0" anchor="t" bIns="91425" lIns="91425" spcFirstLastPara="1" rIns="91425" wrap="square" tIns="91425">
+          <a:bodyPr spcFirstLastPara="1" wrap="square" lIns="91425" tIns="91425" rIns="91425" bIns="91425" anchor="t" anchorCtr="0">
             <a:normAutofit/>
           </a:bodyPr>
           <a:lstStyle/>
           <a:p>
-            <a:pPr indent="0" lvl="0" marL="0" rtl="0" algn="ctr">
+            <a:pPr marL="0" lvl="0" indent="0" algn="ctr" rtl="0">
               <a:spcBef>
                 <a:spcPts val="0"/>
               </a:spcBef>
@@ -6360,10 +6517,10 @@
               <a:buNone/>
             </a:pPr>
             <a:r>
-              <a:rPr lang="ru"/>
+              <a:rPr lang="ru" dirty="0"/>
               <a:t>Задание 5</a:t>
             </a:r>
-            <a:endParaRPr/>
+            <a:endParaRPr dirty="0"/>
           </a:p>
         </p:txBody>
       </p:sp>
@@ -6376,11 +6533,11 @@
 </file>
 
 <file path=ppt/slides/slide2.xml><?xml version="1.0" encoding="utf-8"?>
-<p:sld xmlns:a="http://schemas.openxmlformats.org/drawingml/2006/main" xmlns:r="http://schemas.openxmlformats.org/officeDocument/2006/relationships" xmlns:mc="http://schemas.openxmlformats.org/markup-compatibility/2006" xmlns:mv="urn:schemas-microsoft-com:mac:vml" xmlns:p="http://schemas.openxmlformats.org/presentationml/2006/main" xmlns:c="http://schemas.openxmlformats.org/drawingml/2006/chart" xmlns:dgm="http://schemas.openxmlformats.org/drawingml/2006/diagram" xmlns:o="urn:schemas-microsoft-com:office:office" xmlns:v="urn:schemas-microsoft-com:vml" xmlns:pvml="urn:schemas-microsoft-com:office:powerpoint" xmlns:com="http://schemas.openxmlformats.org/drawingml/2006/compatibility" xmlns:p14="http://schemas.microsoft.com/office/powerpoint/2010/main" xmlns:p15="http://schemas.microsoft.com/office/powerpoint/2012/main" xmlns:ahyp="http://schemas.microsoft.com/office/drawing/2018/hyperlinkcolor">
+<p:sld xmlns:a="http://schemas.openxmlformats.org/drawingml/2006/main" xmlns:r="http://schemas.openxmlformats.org/officeDocument/2006/relationships" xmlns:p="http://schemas.openxmlformats.org/presentationml/2006/main">
   <p:cSld>
     <p:spTree>
       <p:nvGrpSpPr>
-        <p:cNvPr id="59" name="Shape 59"/>
+        <p:cNvPr id="1" name="Shape 59"/>
         <p:cNvGrpSpPr/>
         <p:nvPr/>
       </p:nvGrpSpPr>
@@ -6395,7 +6552,9 @@
       <p:sp>
         <p:nvSpPr>
           <p:cNvPr id="60" name="Google Shape;60;p14"/>
-          <p:cNvSpPr txBox="1"/>
+          <p:cNvSpPr txBox="1">
+            <a:spLocks noGrp="1"/>
+          </p:cNvSpPr>
           <p:nvPr>
             <p:ph type="title"/>
           </p:nvPr>
@@ -6410,12 +6569,12 @@
           </a:prstGeom>
         </p:spPr>
         <p:txBody>
-          <a:bodyPr anchorCtr="0" anchor="t" bIns="91425" lIns="91425" spcFirstLastPara="1" rIns="91425" wrap="square" tIns="91425">
+          <a:bodyPr spcFirstLastPara="1" wrap="square" lIns="91425" tIns="91425" rIns="91425" bIns="91425" anchor="t" anchorCtr="0">
             <a:normAutofit fontScale="90000"/>
           </a:bodyPr>
           <a:lstStyle/>
           <a:p>
-            <a:pPr indent="0" lvl="0" marL="0" rtl="0" algn="l">
+            <a:pPr marL="0" lvl="0" indent="0" algn="l" rtl="0">
               <a:spcBef>
                 <a:spcPts val="0"/>
               </a:spcBef>
@@ -6425,19 +6584,21 @@
               <a:buNone/>
             </a:pPr>
             <a:r>
-              <a:rPr lang="ru"/>
+              <a:rPr lang="ru" dirty="0"/>
               <a:t>Описание проекта</a:t>
             </a:r>
-            <a:endParaRPr/>
+            <a:endParaRPr dirty="0"/>
           </a:p>
         </p:txBody>
       </p:sp>
       <p:sp>
         <p:nvSpPr>
           <p:cNvPr id="61" name="Google Shape;61;p14"/>
-          <p:cNvSpPr txBox="1"/>
+          <p:cNvSpPr txBox="1">
+            <a:spLocks noGrp="1"/>
+          </p:cNvSpPr>
           <p:nvPr>
-            <p:ph idx="1" type="body"/>
+            <p:ph type="body" idx="1"/>
           </p:nvPr>
         </p:nvSpPr>
         <p:spPr>
@@ -6450,14 +6611,14 @@
           </a:prstGeom>
         </p:spPr>
         <p:txBody>
-          <a:bodyPr anchorCtr="0" anchor="t" bIns="91425" lIns="91425" spcFirstLastPara="1" rIns="91425" wrap="square" tIns="91425">
-            <a:normAutofit/>
+          <a:bodyPr spcFirstLastPara="1" wrap="square" lIns="91425" tIns="91425" rIns="91425" bIns="91425" anchor="t" anchorCtr="0">
+            <a:normAutofit lnSpcReduction="10000"/>
           </a:bodyPr>
           <a:lstStyle/>
           <a:p>
-            <a:pPr indent="0" lvl="0" marL="0" rtl="0" algn="l">
-              <a:spcBef>
-                <a:spcPts val="0"/>
+            <a:pPr marL="0" lvl="0" indent="0" algn="l" rtl="0">
+              <a:spcBef>
+                <a:spcPts val="1200"/>
               </a:spcBef>
               <a:spcAft>
                 <a:spcPts val="0"/>
@@ -6465,13 +6626,37 @@
               <a:buNone/>
             </a:pPr>
             <a:r>
-              <a:rPr lang="ru"/>
-              <a:t>&lt;краткое описание проекта в нескольких предложениях&gt;</a:t>
+              <a:rPr lang="ru-RU" dirty="0"/>
+              <a:t>Сайт знакомств для людей, которые не желают сразу открываться собеседнику, но предпочитают сначала узнать собеседника через общение. Сайт помогает как найти нового друга или партнера, так и товарища по интересам.</a:t>
             </a:r>
-            <a:endParaRPr/>
+            <a:endParaRPr dirty="0"/>
           </a:p>
           <a:p>
-            <a:pPr indent="0" lvl="0" marL="0" rtl="0" algn="l">
+            <a:pPr marL="0" lvl="0" indent="0" algn="l" rtl="0">
+              <a:spcBef>
+                <a:spcPts val="1200"/>
+              </a:spcBef>
+              <a:spcAft>
+                <a:spcPts val="0"/>
+              </a:spcAft>
+              <a:buNone/>
+            </a:pPr>
+            <a:endParaRPr dirty="0"/>
+          </a:p>
+          <a:p>
+            <a:pPr marL="0" lvl="0" indent="0" algn="l" rtl="0">
+              <a:spcBef>
+                <a:spcPts val="1200"/>
+              </a:spcBef>
+              <a:spcAft>
+                <a:spcPts val="0"/>
+              </a:spcAft>
+              <a:buNone/>
+            </a:pPr>
+            <a:endParaRPr dirty="0"/>
+          </a:p>
+          <a:p>
+            <a:pPr marL="0" lvl="0" indent="0" algn="l" rtl="0">
               <a:spcBef>
                 <a:spcPts val="1200"/>
               </a:spcBef>
@@ -6481,12 +6666,25 @@
               <a:buNone/>
             </a:pPr>
             <a:r>
-              <a:t/>
+              <a:rPr lang="ru" dirty="0"/>
+              <a:t>Команда: </a:t>
             </a:r>
-            <a:endParaRPr/>
+            <a:r>
+              <a:rPr lang="ru-RU" dirty="0"/>
+              <a:t>Раскин Иван, </a:t>
+            </a:r>
+            <a:r>
+              <a:rPr lang="ru-RU" dirty="0" err="1"/>
+              <a:t>Кутакова</a:t>
+            </a:r>
+            <a:r>
+              <a:rPr lang="ru-RU" dirty="0"/>
+              <a:t> Арина, Беляев Анастас</a:t>
+            </a:r>
+            <a:endParaRPr dirty="0"/>
           </a:p>
           <a:p>
-            <a:pPr indent="0" lvl="0" marL="0" rtl="0" algn="l">
+            <a:pPr marL="0" lvl="0" indent="0" algn="l" rtl="0">
               <a:spcBef>
                 <a:spcPts val="1200"/>
               </a:spcBef>
@@ -6496,84 +6694,14 @@
               <a:buNone/>
             </a:pPr>
             <a:r>
-              <a:t/>
-            </a:r>
-            <a:endParaRPr/>
-          </a:p>
-          <a:p>
-            <a:pPr indent="0" lvl="0" marL="0" rtl="0" algn="l">
-              <a:spcBef>
-                <a:spcPts val="1200"/>
-              </a:spcBef>
-              <a:spcAft>
-                <a:spcPts val="0"/>
-              </a:spcAft>
-              <a:buNone/>
-            </a:pPr>
-            <a:r>
-              <a:t/>
-            </a:r>
-            <a:endParaRPr/>
-          </a:p>
-          <a:p>
-            <a:pPr indent="0" lvl="0" marL="0" rtl="0" algn="l">
-              <a:spcBef>
-                <a:spcPts val="1200"/>
-              </a:spcBef>
-              <a:spcAft>
-                <a:spcPts val="0"/>
-              </a:spcAft>
-              <a:buNone/>
-            </a:pPr>
-            <a:r>
-              <a:rPr lang="ru"/>
-              <a:t>Команда: перечислить участников</a:t>
-            </a:r>
-            <a:endParaRPr/>
-          </a:p>
-          <a:p>
-            <a:pPr indent="0" lvl="0" marL="0" rtl="0" algn="l">
-              <a:spcBef>
-                <a:spcPts val="1200"/>
-              </a:spcBef>
-              <a:spcAft>
-                <a:spcPts val="0"/>
-              </a:spcAft>
-              <a:buNone/>
-            </a:pPr>
-            <a:r>
-              <a:rPr lang="ru"/>
-              <a:t>Репозиторий проекта</a:t>
+              <a:rPr lang="ru" dirty="0"/>
+              <a:t>Репозиторий проекта: </a:t>
             </a:r>
             <a:r>
-              <a:rPr lang="ru"/>
-              <a:t>: ссылка на репозиторий</a:t>
+              <a:rPr lang="en-US" dirty="0"/>
+              <a:t>https://github.com/Renki-mipt/Software-Systems-Design</a:t>
             </a:r>
-            <a:endParaRPr/>
-          </a:p>
-          <a:p>
-            <a:pPr indent="0" lvl="0" marL="0" rtl="0" algn="l">
-              <a:spcBef>
-                <a:spcPts val="1200"/>
-              </a:spcBef>
-              <a:spcAft>
-                <a:spcPts val="1200"/>
-              </a:spcAft>
-              <a:buNone/>
-            </a:pPr>
-            <a:r>
-              <a:rPr lang="ru"/>
-              <a:t>Отчет</a:t>
-            </a:r>
-            <a:r>
-              <a:rPr lang="ru"/>
-              <a:t>:</a:t>
-            </a:r>
-            <a:r>
-              <a:rPr lang="ru"/>
-              <a:t> ссылка на этот отчет</a:t>
-            </a:r>
-            <a:endParaRPr/>
+            <a:endParaRPr dirty="0"/>
           </a:p>
         </p:txBody>
       </p:sp>
@@ -6586,11 +6714,11 @@
 </file>
 
 <file path=ppt/slides/slide3.xml><?xml version="1.0" encoding="utf-8"?>
-<p:sld xmlns:a="http://schemas.openxmlformats.org/drawingml/2006/main" xmlns:r="http://schemas.openxmlformats.org/officeDocument/2006/relationships" xmlns:mc="http://schemas.openxmlformats.org/markup-compatibility/2006" xmlns:mv="urn:schemas-microsoft-com:mac:vml" xmlns:p="http://schemas.openxmlformats.org/presentationml/2006/main" xmlns:c="http://schemas.openxmlformats.org/drawingml/2006/chart" xmlns:dgm="http://schemas.openxmlformats.org/drawingml/2006/diagram" xmlns:o="urn:schemas-microsoft-com:office:office" xmlns:v="urn:schemas-microsoft-com:vml" xmlns:pvml="urn:schemas-microsoft-com:office:powerpoint" xmlns:com="http://schemas.openxmlformats.org/drawingml/2006/compatibility" xmlns:p14="http://schemas.microsoft.com/office/powerpoint/2010/main" xmlns:p15="http://schemas.microsoft.com/office/powerpoint/2012/main" xmlns:ahyp="http://schemas.microsoft.com/office/drawing/2018/hyperlinkcolor">
+<p:sld xmlns:a="http://schemas.openxmlformats.org/drawingml/2006/main" xmlns:r="http://schemas.openxmlformats.org/officeDocument/2006/relationships" xmlns:p="http://schemas.openxmlformats.org/presentationml/2006/main">
   <p:cSld>
     <p:spTree>
       <p:nvGrpSpPr>
-        <p:cNvPr id="65" name="Shape 65"/>
+        <p:cNvPr id="1" name="Shape 65"/>
         <p:cNvGrpSpPr/>
         <p:nvPr/>
       </p:nvGrpSpPr>
@@ -6605,7 +6733,9 @@
       <p:sp>
         <p:nvSpPr>
           <p:cNvPr id="66" name="Google Shape;66;p15"/>
-          <p:cNvSpPr txBox="1"/>
+          <p:cNvSpPr txBox="1">
+            <a:spLocks noGrp="1"/>
+          </p:cNvSpPr>
           <p:nvPr>
             <p:ph type="title"/>
           </p:nvPr>
@@ -6620,12 +6750,12 @@
           </a:prstGeom>
         </p:spPr>
         <p:txBody>
-          <a:bodyPr anchorCtr="0" anchor="t" bIns="91425" lIns="91425" spcFirstLastPara="1" rIns="91425" wrap="square" tIns="91425">
+          <a:bodyPr spcFirstLastPara="1" wrap="square" lIns="91425" tIns="91425" rIns="91425" bIns="91425" anchor="t" anchorCtr="0">
             <a:normAutofit fontScale="90000"/>
           </a:bodyPr>
           <a:lstStyle/>
           <a:p>
-            <a:pPr indent="0" lvl="0" marL="0" rtl="0" algn="l">
+            <a:pPr marL="0" lvl="0" indent="0" algn="l" rtl="0">
               <a:spcBef>
                 <a:spcPts val="0"/>
               </a:spcBef>
@@ -6645,9 +6775,11 @@
       <p:sp>
         <p:nvSpPr>
           <p:cNvPr id="67" name="Google Shape;67;p15"/>
-          <p:cNvSpPr txBox="1"/>
+          <p:cNvSpPr txBox="1">
+            <a:spLocks noGrp="1"/>
+          </p:cNvSpPr>
           <p:nvPr>
-            <p:ph idx="1" type="body"/>
+            <p:ph type="body" idx="1"/>
           </p:nvPr>
         </p:nvSpPr>
         <p:spPr>
@@ -6660,12 +6792,12 @@
           </a:prstGeom>
         </p:spPr>
         <p:txBody>
-          <a:bodyPr anchorCtr="0" anchor="t" bIns="91425" lIns="91425" spcFirstLastPara="1" rIns="91425" wrap="square" tIns="91425">
+          <a:bodyPr spcFirstLastPara="1" wrap="square" lIns="91425" tIns="91425" rIns="91425" bIns="91425" anchor="t" anchorCtr="0">
             <a:normAutofit/>
           </a:bodyPr>
           <a:lstStyle/>
           <a:p>
-            <a:pPr indent="0" lvl="0" marL="0" rtl="0" algn="l">
+            <a:pPr marL="0" lvl="0" indent="0" algn="l" rtl="0">
               <a:spcBef>
                 <a:spcPts val="0"/>
               </a:spcBef>
@@ -6681,7 +6813,7 @@
             <a:endParaRPr/>
           </a:p>
           <a:p>
-            <a:pPr indent="0" lvl="0" marL="0" rtl="0" algn="l">
+            <a:pPr marL="0" lvl="0" indent="0" algn="l" rtl="0">
               <a:spcBef>
                 <a:spcPts val="1200"/>
               </a:spcBef>
@@ -6697,7 +6829,7 @@
             <a:endParaRPr/>
           </a:p>
           <a:p>
-            <a:pPr indent="0" lvl="0" marL="0" rtl="0" algn="l">
+            <a:pPr marL="0" lvl="0" indent="0" algn="l" rtl="0">
               <a:spcBef>
                 <a:spcPts val="1200"/>
               </a:spcBef>
@@ -6723,11 +6855,11 @@
 </file>
 
 <file path=ppt/slides/slide4.xml><?xml version="1.0" encoding="utf-8"?>
-<p:sld xmlns:a="http://schemas.openxmlformats.org/drawingml/2006/main" xmlns:r="http://schemas.openxmlformats.org/officeDocument/2006/relationships" xmlns:mc="http://schemas.openxmlformats.org/markup-compatibility/2006" xmlns:mv="urn:schemas-microsoft-com:mac:vml" xmlns:p="http://schemas.openxmlformats.org/presentationml/2006/main" xmlns:c="http://schemas.openxmlformats.org/drawingml/2006/chart" xmlns:dgm="http://schemas.openxmlformats.org/drawingml/2006/diagram" xmlns:o="urn:schemas-microsoft-com:office:office" xmlns:v="urn:schemas-microsoft-com:vml" xmlns:pvml="urn:schemas-microsoft-com:office:powerpoint" xmlns:com="http://schemas.openxmlformats.org/drawingml/2006/compatibility" xmlns:p14="http://schemas.microsoft.com/office/powerpoint/2010/main" xmlns:p15="http://schemas.microsoft.com/office/powerpoint/2012/main" xmlns:ahyp="http://schemas.microsoft.com/office/drawing/2018/hyperlinkcolor">
+<p:sld xmlns:a="http://schemas.openxmlformats.org/drawingml/2006/main" xmlns:r="http://schemas.openxmlformats.org/officeDocument/2006/relationships" xmlns:p="http://schemas.openxmlformats.org/presentationml/2006/main">
   <p:cSld>
     <p:spTree>
       <p:nvGrpSpPr>
-        <p:cNvPr id="71" name="Shape 71"/>
+        <p:cNvPr id="1" name="Shape 71"/>
         <p:cNvGrpSpPr/>
         <p:nvPr/>
       </p:nvGrpSpPr>
@@ -6776,11 +6908,11 @@
 </file>
 
 <file path=ppt/slides/slide5.xml><?xml version="1.0" encoding="utf-8"?>
-<p:sld xmlns:a="http://schemas.openxmlformats.org/drawingml/2006/main" xmlns:r="http://schemas.openxmlformats.org/officeDocument/2006/relationships" xmlns:mc="http://schemas.openxmlformats.org/markup-compatibility/2006" xmlns:mv="urn:schemas-microsoft-com:mac:vml" xmlns:p="http://schemas.openxmlformats.org/presentationml/2006/main" xmlns:c="http://schemas.openxmlformats.org/drawingml/2006/chart" xmlns:dgm="http://schemas.openxmlformats.org/drawingml/2006/diagram" xmlns:o="urn:schemas-microsoft-com:office:office" xmlns:v="urn:schemas-microsoft-com:vml" xmlns:pvml="urn:schemas-microsoft-com:office:powerpoint" xmlns:com="http://schemas.openxmlformats.org/drawingml/2006/compatibility" xmlns:p14="http://schemas.microsoft.com/office/powerpoint/2010/main" xmlns:p15="http://schemas.microsoft.com/office/powerpoint/2012/main" xmlns:ahyp="http://schemas.microsoft.com/office/drawing/2018/hyperlinkcolor">
+<p:sld xmlns:a="http://schemas.openxmlformats.org/drawingml/2006/main" xmlns:r="http://schemas.openxmlformats.org/officeDocument/2006/relationships" xmlns:p="http://schemas.openxmlformats.org/presentationml/2006/main">
   <p:cSld>
     <p:spTree>
       <p:nvGrpSpPr>
-        <p:cNvPr id="76" name="Shape 76"/>
+        <p:cNvPr id="1" name="Shape 76"/>
         <p:cNvGrpSpPr/>
         <p:nvPr/>
       </p:nvGrpSpPr>
@@ -6810,10 +6942,34 @@
                 <a:tableStyleId>{C24E8251-887D-4685-AB0F-6712FF0FE956}</a:tableStyleId>
               </a:tblPr>
               <a:tblGrid>
-                <a:gridCol w="1518025"/>
-                <a:gridCol w="1809750"/>
-                <a:gridCol w="1809750"/>
-                <a:gridCol w="3714750"/>
+                <a:gridCol w="1518025">
+                  <a:extLst>
+                    <a:ext uri="{9D8B030D-6E8A-4147-A177-3AD203B41FA5}">
+                      <a16:colId xmlns:a16="http://schemas.microsoft.com/office/drawing/2014/main" val="20000"/>
+                    </a:ext>
+                  </a:extLst>
+                </a:gridCol>
+                <a:gridCol w="1809750">
+                  <a:extLst>
+                    <a:ext uri="{9D8B030D-6E8A-4147-A177-3AD203B41FA5}">
+                      <a16:colId xmlns:a16="http://schemas.microsoft.com/office/drawing/2014/main" val="20001"/>
+                    </a:ext>
+                  </a:extLst>
+                </a:gridCol>
+                <a:gridCol w="1809750">
+                  <a:extLst>
+                    <a:ext uri="{9D8B030D-6E8A-4147-A177-3AD203B41FA5}">
+                      <a16:colId xmlns:a16="http://schemas.microsoft.com/office/drawing/2014/main" val="20002"/>
+                    </a:ext>
+                  </a:extLst>
+                </a:gridCol>
+                <a:gridCol w="3714750">
+                  <a:extLst>
+                    <a:ext uri="{9D8B030D-6E8A-4147-A177-3AD203B41FA5}">
+                      <a16:colId xmlns:a16="http://schemas.microsoft.com/office/drawing/2014/main" val="20003"/>
+                    </a:ext>
+                  </a:extLst>
+                </a:gridCol>
               </a:tblGrid>
               <a:tr h="331825">
                 <a:tc>
@@ -6821,7 +6977,7 @@
                     <a:bodyPr/>
                     <a:lstStyle/>
                     <a:p>
-                      <a:pPr indent="0" lvl="0" marL="0" rtl="0" algn="l">
+                      <a:pPr marL="0" lvl="0" indent="0" algn="l" rtl="0">
                         <a:spcBef>
                           <a:spcPts val="0"/>
                         </a:spcBef>
@@ -6831,20 +6987,20 @@
                         <a:buNone/>
                       </a:pPr>
                       <a:r>
-                        <a:rPr b="1" lang="ru" sz="1100"/>
+                        <a:rPr lang="ru" sz="1100" b="1"/>
                         <a:t>Потенциальный класс</a:t>
                       </a:r>
-                      <a:endParaRPr b="1" sz="1100"/>
+                      <a:endParaRPr sz="1100" b="1"/>
                     </a:p>
                   </a:txBody>
-                  <a:tcPr marT="91425" marB="91425" marR="91425" marL="91425"/>
+                  <a:tcPr marL="91425" marR="91425" marT="91425" marB="91425"/>
                 </a:tc>
                 <a:tc>
                   <a:txBody>
                     <a:bodyPr/>
                     <a:lstStyle/>
                     <a:p>
-                      <a:pPr indent="0" lvl="0" marL="0" rtl="0" algn="l">
+                      <a:pPr marL="0" lvl="0" indent="0" algn="l" rtl="0">
                         <a:spcBef>
                           <a:spcPts val="0"/>
                         </a:spcBef>
@@ -6854,20 +7010,20 @@
                         <a:buNone/>
                       </a:pPr>
                       <a:r>
-                        <a:rPr b="1" lang="ru" sz="1100"/>
+                        <a:rPr lang="ru" sz="1100" b="1"/>
                         <a:t>Критерии</a:t>
                       </a:r>
-                      <a:endParaRPr b="1" sz="1100"/>
+                      <a:endParaRPr sz="1100" b="1"/>
                     </a:p>
                   </a:txBody>
-                  <a:tcPr marT="91425" marB="91425" marR="91425" marL="91425"/>
+                  <a:tcPr marL="91425" marR="91425" marT="91425" marB="91425"/>
                 </a:tc>
                 <a:tc>
                   <a:txBody>
                     <a:bodyPr/>
                     <a:lstStyle/>
                     <a:p>
-                      <a:pPr indent="0" lvl="0" marL="0" rtl="0" algn="l">
+                      <a:pPr marL="0" lvl="0" indent="0" algn="l" rtl="0">
                         <a:spcBef>
                           <a:spcPts val="0"/>
                         </a:spcBef>
@@ -6877,20 +7033,20 @@
                         <a:buNone/>
                       </a:pPr>
                       <a:r>
-                        <a:rPr b="1" lang="ru" sz="1100"/>
+                        <a:rPr lang="ru" sz="1100" b="1"/>
                         <a:t>Хранимая информация</a:t>
                       </a:r>
-                      <a:endParaRPr b="1" sz="1100"/>
+                      <a:endParaRPr sz="1100" b="1"/>
                     </a:p>
                   </a:txBody>
-                  <a:tcPr marT="91425" marB="91425" marR="91425" marL="91425"/>
+                  <a:tcPr marL="91425" marR="91425" marT="91425" marB="91425"/>
                 </a:tc>
                 <a:tc>
                   <a:txBody>
                     <a:bodyPr/>
                     <a:lstStyle/>
                     <a:p>
-                      <a:pPr indent="0" lvl="0" marL="0" rtl="0" algn="l">
+                      <a:pPr marL="0" lvl="0" indent="0" algn="l" rtl="0">
                         <a:spcBef>
                           <a:spcPts val="0"/>
                         </a:spcBef>
@@ -6900,14 +7056,19 @@
                         <a:buNone/>
                       </a:pPr>
                       <a:r>
-                        <a:rPr b="1" lang="ru" sz="1100"/>
+                        <a:rPr lang="ru" sz="1100" b="1"/>
                         <a:t>Выделенные действия</a:t>
                       </a:r>
-                      <a:endParaRPr b="1" sz="1100"/>
+                      <a:endParaRPr sz="1100" b="1"/>
                     </a:p>
                   </a:txBody>
-                  <a:tcPr marT="91425" marB="91425" marR="91425" marL="91425"/>
+                  <a:tcPr marL="91425" marR="91425" marT="91425" marB="91425"/>
                 </a:tc>
+                <a:extLst>
+                  <a:ext uri="{0D108BD9-81ED-4DB2-BD59-A6C34878D82A}">
+                    <a16:rowId xmlns:a16="http://schemas.microsoft.com/office/drawing/2014/main" val="10000"/>
+                  </a:ext>
+                </a:extLst>
               </a:tr>
               <a:tr h="381000">
                 <a:tc>
@@ -6915,7 +7076,7 @@
                     <a:bodyPr/>
                     <a:lstStyle/>
                     <a:p>
-                      <a:pPr indent="0" lvl="0" marL="0" rtl="0" algn="l">
+                      <a:pPr marL="0" lvl="0" indent="0" algn="l" rtl="0">
                         <a:spcBef>
                           <a:spcPts val="0"/>
                         </a:spcBef>
@@ -6931,14 +7092,14 @@
                       <a:endParaRPr sz="1200"/>
                     </a:p>
                   </a:txBody>
-                  <a:tcPr marT="91425" marB="91425" marR="91425" marL="91425"/>
+                  <a:tcPr marL="91425" marR="91425" marT="91425" marB="91425"/>
                 </a:tc>
                 <a:tc>
                   <a:txBody>
                     <a:bodyPr/>
                     <a:lstStyle/>
                     <a:p>
-                      <a:pPr indent="0" lvl="0" marL="0" rtl="0" algn="l">
+                      <a:pPr marL="0" lvl="0" indent="0" algn="l" rtl="0">
                         <a:spcBef>
                           <a:spcPts val="0"/>
                         </a:spcBef>
@@ -6954,14 +7115,14 @@
                       <a:endParaRPr sz="1200"/>
                     </a:p>
                   </a:txBody>
-                  <a:tcPr marT="91425" marB="91425" marR="91425" marL="91425"/>
+                  <a:tcPr marL="91425" marR="91425" marT="91425" marB="91425"/>
                 </a:tc>
                 <a:tc>
                   <a:txBody>
                     <a:bodyPr/>
                     <a:lstStyle/>
                     <a:p>
-                      <a:pPr indent="0" lvl="0" marL="0" rtl="0" algn="l">
+                      <a:pPr marL="0" lvl="0" indent="0" algn="l" rtl="0">
                         <a:spcBef>
                           <a:spcPts val="0"/>
                         </a:spcBef>
@@ -6977,14 +7138,14 @@
                       <a:endParaRPr sz="1200"/>
                     </a:p>
                   </a:txBody>
-                  <a:tcPr marT="91425" marB="91425" marR="91425" marL="91425"/>
+                  <a:tcPr marL="91425" marR="91425" marT="91425" marB="91425"/>
                 </a:tc>
                 <a:tc>
                   <a:txBody>
                     <a:bodyPr/>
                     <a:lstStyle/>
                     <a:p>
-                      <a:pPr indent="0" lvl="0" marL="0" rtl="0" algn="l">
+                      <a:pPr marL="0" lvl="0" indent="0" algn="l" rtl="0">
                         <a:spcBef>
                           <a:spcPts val="0"/>
                         </a:spcBef>
@@ -6993,14 +7154,16 @@
                         </a:spcAft>
                         <a:buNone/>
                       </a:pPr>
-                      <a:r>
-                        <a:t/>
-                      </a:r>
                       <a:endParaRPr sz="1200"/>
                     </a:p>
                   </a:txBody>
-                  <a:tcPr marT="91425" marB="91425" marR="91425" marL="91425"/>
+                  <a:tcPr marL="91425" marR="91425" marT="91425" marB="91425"/>
                 </a:tc>
+                <a:extLst>
+                  <a:ext uri="{0D108BD9-81ED-4DB2-BD59-A6C34878D82A}">
+                    <a16:rowId xmlns:a16="http://schemas.microsoft.com/office/drawing/2014/main" val="10001"/>
+                  </a:ext>
+                </a:extLst>
               </a:tr>
               <a:tr h="381000">
                 <a:tc>
@@ -7008,7 +7171,7 @@
                     <a:bodyPr/>
                     <a:lstStyle/>
                     <a:p>
-                      <a:pPr indent="0" lvl="0" marL="0" rtl="0" algn="l">
+                      <a:pPr marL="0" lvl="0" indent="0" algn="l" rtl="0">
                         <a:spcBef>
                           <a:spcPts val="0"/>
                         </a:spcBef>
@@ -7024,14 +7187,14 @@
                       <a:endParaRPr sz="1200"/>
                     </a:p>
                   </a:txBody>
-                  <a:tcPr marT="91425" marB="91425" marR="91425" marL="91425"/>
+                  <a:tcPr marL="91425" marR="91425" marT="91425" marB="91425"/>
                 </a:tc>
                 <a:tc>
                   <a:txBody>
                     <a:bodyPr/>
                     <a:lstStyle/>
                     <a:p>
-                      <a:pPr indent="0" lvl="0" marL="0" rtl="0" algn="l">
+                      <a:pPr marL="0" lvl="0" indent="0" algn="l" rtl="0">
                         <a:spcBef>
                           <a:spcPts val="0"/>
                         </a:spcBef>
@@ -7047,14 +7210,14 @@
                       <a:endParaRPr sz="1200"/>
                     </a:p>
                   </a:txBody>
-                  <a:tcPr marT="91425" marB="91425" marR="91425" marL="91425"/>
+                  <a:tcPr marL="91425" marR="91425" marT="91425" marB="91425"/>
                 </a:tc>
                 <a:tc>
                   <a:txBody>
                     <a:bodyPr/>
                     <a:lstStyle/>
                     <a:p>
-                      <a:pPr indent="0" lvl="0" marL="0" rtl="0" algn="l">
+                      <a:pPr marL="0" lvl="0" indent="0" algn="l" rtl="0">
                         <a:spcBef>
                           <a:spcPts val="0"/>
                         </a:spcBef>
@@ -7070,14 +7233,14 @@
                       <a:endParaRPr sz="1200"/>
                     </a:p>
                   </a:txBody>
-                  <a:tcPr marT="91425" marB="91425" marR="91425" marL="91425"/>
+                  <a:tcPr marL="91425" marR="91425" marT="91425" marB="91425"/>
                 </a:tc>
                 <a:tc>
                   <a:txBody>
                     <a:bodyPr/>
                     <a:lstStyle/>
                     <a:p>
-                      <a:pPr indent="0" lvl="0" marL="0" rtl="0" algn="l">
+                      <a:pPr marL="0" lvl="0" indent="0" algn="l" rtl="0">
                         <a:spcBef>
                           <a:spcPts val="0"/>
                         </a:spcBef>
@@ -7093,8 +7256,13 @@
                       <a:endParaRPr sz="1200"/>
                     </a:p>
                   </a:txBody>
-                  <a:tcPr marT="91425" marB="91425" marR="91425" marL="91425"/>
+                  <a:tcPr marL="91425" marR="91425" marT="91425" marB="91425"/>
                 </a:tc>
+                <a:extLst>
+                  <a:ext uri="{0D108BD9-81ED-4DB2-BD59-A6C34878D82A}">
+                    <a16:rowId xmlns:a16="http://schemas.microsoft.com/office/drawing/2014/main" val="10002"/>
+                  </a:ext>
+                </a:extLst>
               </a:tr>
               <a:tr h="381000">
                 <a:tc>
@@ -7102,7 +7270,7 @@
                     <a:bodyPr/>
                     <a:lstStyle/>
                     <a:p>
-                      <a:pPr indent="0" lvl="0" marL="0" rtl="0" algn="l">
+                      <a:pPr marL="0" lvl="0" indent="0" algn="l" rtl="0">
                         <a:spcBef>
                           <a:spcPts val="0"/>
                         </a:spcBef>
@@ -7118,14 +7286,14 @@
                       <a:endParaRPr sz="1200"/>
                     </a:p>
                   </a:txBody>
-                  <a:tcPr marT="91425" marB="91425" marR="91425" marL="91425"/>
+                  <a:tcPr marL="91425" marR="91425" marT="91425" marB="91425"/>
                 </a:tc>
                 <a:tc>
                   <a:txBody>
                     <a:bodyPr/>
                     <a:lstStyle/>
                     <a:p>
-                      <a:pPr indent="0" lvl="0" marL="0" rtl="0" algn="l">
+                      <a:pPr marL="0" lvl="0" indent="0" algn="l" rtl="0">
                         <a:spcBef>
                           <a:spcPts val="0"/>
                         </a:spcBef>
@@ -7141,14 +7309,14 @@
                       <a:endParaRPr sz="1200"/>
                     </a:p>
                   </a:txBody>
-                  <a:tcPr marT="91425" marB="91425" marR="91425" marL="91425"/>
+                  <a:tcPr marL="91425" marR="91425" marT="91425" marB="91425"/>
                 </a:tc>
                 <a:tc>
                   <a:txBody>
                     <a:bodyPr/>
                     <a:lstStyle/>
                     <a:p>
-                      <a:pPr indent="0" lvl="0" marL="0" rtl="0" algn="l">
+                      <a:pPr marL="0" lvl="0" indent="0" algn="l" rtl="0">
                         <a:spcBef>
                           <a:spcPts val="0"/>
                         </a:spcBef>
@@ -7164,14 +7332,14 @@
                       <a:endParaRPr sz="1200"/>
                     </a:p>
                   </a:txBody>
-                  <a:tcPr marT="91425" marB="91425" marR="91425" marL="91425"/>
+                  <a:tcPr marL="91425" marR="91425" marT="91425" marB="91425"/>
                 </a:tc>
                 <a:tc>
                   <a:txBody>
                     <a:bodyPr/>
                     <a:lstStyle/>
                     <a:p>
-                      <a:pPr indent="0" lvl="0" marL="0" rtl="0" algn="l">
+                      <a:pPr marL="0" lvl="0" indent="0" algn="l" rtl="0">
                         <a:spcBef>
                           <a:spcPts val="0"/>
                         </a:spcBef>
@@ -7187,8 +7355,13 @@
                       <a:endParaRPr sz="1200"/>
                     </a:p>
                   </a:txBody>
-                  <a:tcPr marT="91425" marB="91425" marR="91425" marL="91425"/>
+                  <a:tcPr marL="91425" marR="91425" marT="91425" marB="91425"/>
                 </a:tc>
+                <a:extLst>
+                  <a:ext uri="{0D108BD9-81ED-4DB2-BD59-A6C34878D82A}">
+                    <a16:rowId xmlns:a16="http://schemas.microsoft.com/office/drawing/2014/main" val="10003"/>
+                  </a:ext>
+                </a:extLst>
               </a:tr>
               <a:tr h="381000">
                 <a:tc>
@@ -7196,7 +7369,7 @@
                     <a:bodyPr/>
                     <a:lstStyle/>
                     <a:p>
-                      <a:pPr indent="0" lvl="0" marL="0" rtl="0" algn="l">
+                      <a:pPr marL="0" lvl="0" indent="0" algn="l" rtl="0">
                         <a:spcBef>
                           <a:spcPts val="0"/>
                         </a:spcBef>
@@ -7212,14 +7385,14 @@
                       <a:endParaRPr sz="1200"/>
                     </a:p>
                   </a:txBody>
-                  <a:tcPr marT="91425" marB="91425" marR="91425" marL="91425"/>
+                  <a:tcPr marL="91425" marR="91425" marT="91425" marB="91425"/>
                 </a:tc>
                 <a:tc>
                   <a:txBody>
                     <a:bodyPr/>
                     <a:lstStyle/>
                     <a:p>
-                      <a:pPr indent="0" lvl="0" marL="0" rtl="0" algn="l">
+                      <a:pPr marL="0" lvl="0" indent="0" algn="l" rtl="0">
                         <a:spcBef>
                           <a:spcPts val="0"/>
                         </a:spcBef>
@@ -7235,14 +7408,14 @@
                       <a:endParaRPr sz="1200"/>
                     </a:p>
                   </a:txBody>
-                  <a:tcPr marT="91425" marB="91425" marR="91425" marL="91425"/>
+                  <a:tcPr marL="91425" marR="91425" marT="91425" marB="91425"/>
                 </a:tc>
                 <a:tc>
                   <a:txBody>
                     <a:bodyPr/>
                     <a:lstStyle/>
                     <a:p>
-                      <a:pPr indent="0" lvl="0" marL="0" rtl="0" algn="l">
+                      <a:pPr marL="0" lvl="0" indent="0" algn="l" rtl="0">
                         <a:spcBef>
                           <a:spcPts val="0"/>
                         </a:spcBef>
@@ -7258,14 +7431,14 @@
                       <a:endParaRPr sz="1200"/>
                     </a:p>
                   </a:txBody>
-                  <a:tcPr marT="91425" marB="91425" marR="91425" marL="91425"/>
+                  <a:tcPr marL="91425" marR="91425" marT="91425" marB="91425"/>
                 </a:tc>
                 <a:tc>
                   <a:txBody>
                     <a:bodyPr/>
                     <a:lstStyle/>
                     <a:p>
-                      <a:pPr indent="0" lvl="0" marL="0" rtl="0" algn="l">
+                      <a:pPr marL="0" lvl="0" indent="0" algn="l" rtl="0">
                         <a:spcBef>
                           <a:spcPts val="0"/>
                         </a:spcBef>
@@ -7281,8 +7454,13 @@
                       <a:endParaRPr sz="1200"/>
                     </a:p>
                   </a:txBody>
-                  <a:tcPr marT="91425" marB="91425" marR="91425" marL="91425"/>
+                  <a:tcPr marL="91425" marR="91425" marT="91425" marB="91425"/>
                 </a:tc>
+                <a:extLst>
+                  <a:ext uri="{0D108BD9-81ED-4DB2-BD59-A6C34878D82A}">
+                    <a16:rowId xmlns:a16="http://schemas.microsoft.com/office/drawing/2014/main" val="10004"/>
+                  </a:ext>
+                </a:extLst>
               </a:tr>
               <a:tr h="381000">
                 <a:tc>
@@ -7290,7 +7468,7 @@
                     <a:bodyPr/>
                     <a:lstStyle/>
                     <a:p>
-                      <a:pPr indent="0" lvl="0" marL="0" rtl="0" algn="l">
+                      <a:pPr marL="0" lvl="0" indent="0" algn="l" rtl="0">
                         <a:spcBef>
                           <a:spcPts val="0"/>
                         </a:spcBef>
@@ -7306,14 +7484,14 @@
                       <a:endParaRPr sz="1200"/>
                     </a:p>
                   </a:txBody>
-                  <a:tcPr marT="91425" marB="91425" marR="91425" marL="91425"/>
+                  <a:tcPr marL="91425" marR="91425" marT="91425" marB="91425"/>
                 </a:tc>
                 <a:tc>
                   <a:txBody>
                     <a:bodyPr/>
                     <a:lstStyle/>
                     <a:p>
-                      <a:pPr indent="0" lvl="0" marL="0" rtl="0" algn="l">
+                      <a:pPr marL="0" lvl="0" indent="0" algn="l" rtl="0">
                         <a:spcBef>
                           <a:spcPts val="0"/>
                         </a:spcBef>
@@ -7329,14 +7507,14 @@
                       <a:endParaRPr sz="1200"/>
                     </a:p>
                   </a:txBody>
-                  <a:tcPr marT="91425" marB="91425" marR="91425" marL="91425"/>
+                  <a:tcPr marL="91425" marR="91425" marT="91425" marB="91425"/>
                 </a:tc>
                 <a:tc>
                   <a:txBody>
                     <a:bodyPr/>
                     <a:lstStyle/>
                     <a:p>
-                      <a:pPr indent="0" lvl="0" marL="0" rtl="0" algn="l">
+                      <a:pPr marL="0" lvl="0" indent="0" algn="l" rtl="0">
                         <a:spcBef>
                           <a:spcPts val="0"/>
                         </a:spcBef>
@@ -7352,14 +7530,14 @@
                       <a:endParaRPr sz="1200"/>
                     </a:p>
                   </a:txBody>
-                  <a:tcPr marT="91425" marB="91425" marR="91425" marL="91425"/>
+                  <a:tcPr marL="91425" marR="91425" marT="91425" marB="91425"/>
                 </a:tc>
                 <a:tc>
                   <a:txBody>
                     <a:bodyPr/>
                     <a:lstStyle/>
                     <a:p>
-                      <a:pPr indent="0" lvl="0" marL="0" rtl="0" algn="l">
+                      <a:pPr marL="0" lvl="0" indent="0" algn="l" rtl="0">
                         <a:spcBef>
                           <a:spcPts val="0"/>
                         </a:spcBef>
@@ -7375,7 +7553,7 @@
                       <a:endParaRPr sz="1200"/>
                     </a:p>
                     <a:p>
-                      <a:pPr indent="0" lvl="0" marL="0" rtl="0" algn="l">
+                      <a:pPr marL="0" lvl="0" indent="0" algn="l" rtl="0">
                         <a:spcBef>
                           <a:spcPts val="0"/>
                         </a:spcBef>
@@ -7391,8 +7569,13 @@
                       <a:endParaRPr sz="1200"/>
                     </a:p>
                   </a:txBody>
-                  <a:tcPr marT="91425" marB="91425" marR="91425" marL="91425"/>
+                  <a:tcPr marL="91425" marR="91425" marT="91425" marB="91425"/>
                 </a:tc>
+                <a:extLst>
+                  <a:ext uri="{0D108BD9-81ED-4DB2-BD59-A6C34878D82A}">
+                    <a16:rowId xmlns:a16="http://schemas.microsoft.com/office/drawing/2014/main" val="10005"/>
+                  </a:ext>
+                </a:extLst>
               </a:tr>
               <a:tr h="381000">
                 <a:tc>
@@ -7400,7 +7583,7 @@
                     <a:bodyPr/>
                     <a:lstStyle/>
                     <a:p>
-                      <a:pPr indent="0" lvl="0" marL="0" rtl="0" algn="l">
+                      <a:pPr marL="0" lvl="0" indent="0" algn="l" rtl="0">
                         <a:spcBef>
                           <a:spcPts val="0"/>
                         </a:spcBef>
@@ -7416,14 +7599,14 @@
                       <a:endParaRPr sz="1200"/>
                     </a:p>
                   </a:txBody>
-                  <a:tcPr marT="91425" marB="91425" marR="91425" marL="91425"/>
+                  <a:tcPr marL="91425" marR="91425" marT="91425" marB="91425"/>
                 </a:tc>
                 <a:tc>
                   <a:txBody>
                     <a:bodyPr/>
                     <a:lstStyle/>
                     <a:p>
-                      <a:pPr indent="0" lvl="0" marL="0" rtl="0" algn="l">
+                      <a:pPr marL="0" lvl="0" indent="0" algn="l" rtl="0">
                         <a:spcBef>
                           <a:spcPts val="0"/>
                         </a:spcBef>
@@ -7439,14 +7622,14 @@
                       <a:endParaRPr sz="1200"/>
                     </a:p>
                   </a:txBody>
-                  <a:tcPr marT="91425" marB="91425" marR="91425" marL="91425"/>
+                  <a:tcPr marL="91425" marR="91425" marT="91425" marB="91425"/>
                 </a:tc>
                 <a:tc>
                   <a:txBody>
                     <a:bodyPr/>
                     <a:lstStyle/>
                     <a:p>
-                      <a:pPr indent="0" lvl="0" marL="0" rtl="0" algn="l">
+                      <a:pPr marL="0" lvl="0" indent="0" algn="l" rtl="0">
                         <a:spcBef>
                           <a:spcPts val="0"/>
                         </a:spcBef>
@@ -7462,14 +7645,14 @@
                       <a:endParaRPr sz="1200"/>
                     </a:p>
                   </a:txBody>
-                  <a:tcPr marT="91425" marB="91425" marR="91425" marL="91425"/>
+                  <a:tcPr marL="91425" marR="91425" marT="91425" marB="91425"/>
                 </a:tc>
                 <a:tc>
                   <a:txBody>
                     <a:bodyPr/>
                     <a:lstStyle/>
                     <a:p>
-                      <a:pPr indent="0" lvl="0" marL="0" rtl="0" algn="l">
+                      <a:pPr marL="0" lvl="0" indent="0" algn="l" rtl="0">
                         <a:spcBef>
                           <a:spcPts val="0"/>
                         </a:spcBef>
@@ -7485,8 +7668,13 @@
                       <a:endParaRPr sz="1200"/>
                     </a:p>
                   </a:txBody>
-                  <a:tcPr marT="91425" marB="91425" marR="91425" marL="91425"/>
+                  <a:tcPr marL="91425" marR="91425" marT="91425" marB="91425"/>
                 </a:tc>
+                <a:extLst>
+                  <a:ext uri="{0D108BD9-81ED-4DB2-BD59-A6C34878D82A}">
+                    <a16:rowId xmlns:a16="http://schemas.microsoft.com/office/drawing/2014/main" val="10006"/>
+                  </a:ext>
+                </a:extLst>
               </a:tr>
               <a:tr h="381000">
                 <a:tc>
@@ -7494,7 +7682,7 @@
                     <a:bodyPr/>
                     <a:lstStyle/>
                     <a:p>
-                      <a:pPr indent="0" lvl="0" marL="0" rtl="0" algn="l">
+                      <a:pPr marL="0" lvl="0" indent="0" algn="l" rtl="0">
                         <a:spcBef>
                           <a:spcPts val="0"/>
                         </a:spcBef>
@@ -7510,14 +7698,14 @@
                       <a:endParaRPr sz="1200"/>
                     </a:p>
                   </a:txBody>
-                  <a:tcPr marT="91425" marB="91425" marR="91425" marL="91425"/>
+                  <a:tcPr marL="91425" marR="91425" marT="91425" marB="91425"/>
                 </a:tc>
                 <a:tc>
                   <a:txBody>
                     <a:bodyPr/>
                     <a:lstStyle/>
                     <a:p>
-                      <a:pPr indent="0" lvl="0" marL="0" rtl="0" algn="l">
+                      <a:pPr marL="0" lvl="0" indent="0" algn="l" rtl="0">
                         <a:spcBef>
                           <a:spcPts val="0"/>
                         </a:spcBef>
@@ -7526,20 +7714,17 @@
                         </a:spcAft>
                         <a:buNone/>
                       </a:pPr>
-                      <a:r>
-                        <a:t/>
-                      </a:r>
                       <a:endParaRPr sz="1200"/>
                     </a:p>
                   </a:txBody>
-                  <a:tcPr marT="91425" marB="91425" marR="91425" marL="91425"/>
+                  <a:tcPr marL="91425" marR="91425" marT="91425" marB="91425"/>
                 </a:tc>
                 <a:tc>
                   <a:txBody>
                     <a:bodyPr/>
                     <a:lstStyle/>
                     <a:p>
-                      <a:pPr indent="0" lvl="0" marL="0" rtl="0" algn="l">
+                      <a:pPr marL="0" lvl="0" indent="0" algn="l" rtl="0">
                         <a:spcBef>
                           <a:spcPts val="0"/>
                         </a:spcBef>
@@ -7548,20 +7733,17 @@
                         </a:spcAft>
                         <a:buNone/>
                       </a:pPr>
-                      <a:r>
-                        <a:t/>
-                      </a:r>
                       <a:endParaRPr sz="1200"/>
                     </a:p>
                   </a:txBody>
-                  <a:tcPr marT="91425" marB="91425" marR="91425" marL="91425"/>
+                  <a:tcPr marL="91425" marR="91425" marT="91425" marB="91425"/>
                 </a:tc>
                 <a:tc>
                   <a:txBody>
                     <a:bodyPr/>
                     <a:lstStyle/>
                     <a:p>
-                      <a:pPr indent="0" lvl="0" marL="0" rtl="0" algn="l">
+                      <a:pPr marL="0" lvl="0" indent="0" algn="l" rtl="0">
                         <a:spcBef>
                           <a:spcPts val="0"/>
                         </a:spcBef>
@@ -7570,14 +7752,16 @@
                         </a:spcAft>
                         <a:buNone/>
                       </a:pPr>
-                      <a:r>
-                        <a:t/>
-                      </a:r>
                       <a:endParaRPr sz="1200"/>
                     </a:p>
                   </a:txBody>
-                  <a:tcPr marT="91425" marB="91425" marR="91425" marL="91425"/>
+                  <a:tcPr marL="91425" marR="91425" marT="91425" marB="91425"/>
                 </a:tc>
+                <a:extLst>
+                  <a:ext uri="{0D108BD9-81ED-4DB2-BD59-A6C34878D82A}">
+                    <a16:rowId xmlns:a16="http://schemas.microsoft.com/office/drawing/2014/main" val="10007"/>
+                  </a:ext>
+                </a:extLst>
               </a:tr>
               <a:tr h="381000">
                 <a:tc>
@@ -7585,7 +7769,7 @@
                     <a:bodyPr/>
                     <a:lstStyle/>
                     <a:p>
-                      <a:pPr indent="0" lvl="0" marL="0" rtl="0" algn="l">
+                      <a:pPr marL="0" lvl="0" indent="0" algn="l" rtl="0">
                         <a:spcBef>
                           <a:spcPts val="0"/>
                         </a:spcBef>
@@ -7601,14 +7785,14 @@
                       <a:endParaRPr sz="1200"/>
                     </a:p>
                   </a:txBody>
-                  <a:tcPr marT="91425" marB="91425" marR="91425" marL="91425"/>
+                  <a:tcPr marL="91425" marR="91425" marT="91425" marB="91425"/>
                 </a:tc>
                 <a:tc>
                   <a:txBody>
                     <a:bodyPr/>
                     <a:lstStyle/>
                     <a:p>
-                      <a:pPr indent="0" lvl="0" marL="0" rtl="0" algn="l">
+                      <a:pPr marL="0" lvl="0" indent="0" algn="l" rtl="0">
                         <a:spcBef>
                           <a:spcPts val="0"/>
                         </a:spcBef>
@@ -7624,14 +7808,14 @@
                       <a:endParaRPr sz="1200"/>
                     </a:p>
                   </a:txBody>
-                  <a:tcPr marT="91425" marB="91425" marR="91425" marL="91425"/>
+                  <a:tcPr marL="91425" marR="91425" marT="91425" marB="91425"/>
                 </a:tc>
                 <a:tc>
                   <a:txBody>
                     <a:bodyPr/>
                     <a:lstStyle/>
                     <a:p>
-                      <a:pPr indent="0" lvl="0" marL="0" rtl="0" algn="l">
+                      <a:pPr marL="0" lvl="0" indent="0" algn="l" rtl="0">
                         <a:spcBef>
                           <a:spcPts val="0"/>
                         </a:spcBef>
@@ -7640,20 +7824,17 @@
                         </a:spcAft>
                         <a:buNone/>
                       </a:pPr>
-                      <a:r>
-                        <a:t/>
-                      </a:r>
                       <a:endParaRPr sz="1200"/>
                     </a:p>
                   </a:txBody>
-                  <a:tcPr marT="91425" marB="91425" marR="91425" marL="91425"/>
+                  <a:tcPr marL="91425" marR="91425" marT="91425" marB="91425"/>
                 </a:tc>
                 <a:tc>
                   <a:txBody>
                     <a:bodyPr/>
                     <a:lstStyle/>
                     <a:p>
-                      <a:pPr indent="0" lvl="0" marL="0" rtl="0" algn="l">
+                      <a:pPr marL="0" lvl="0" indent="0" algn="l" rtl="0">
                         <a:spcBef>
                           <a:spcPts val="0"/>
                         </a:spcBef>
@@ -7669,8 +7850,13 @@
                       <a:endParaRPr sz="1200"/>
                     </a:p>
                   </a:txBody>
-                  <a:tcPr marT="91425" marB="91425" marR="91425" marL="91425"/>
+                  <a:tcPr marL="91425" marR="91425" marT="91425" marB="91425"/>
                 </a:tc>
+                <a:extLst>
+                  <a:ext uri="{0D108BD9-81ED-4DB2-BD59-A6C34878D82A}">
+                    <a16:rowId xmlns:a16="http://schemas.microsoft.com/office/drawing/2014/main" val="10008"/>
+                  </a:ext>
+                </a:extLst>
               </a:tr>
               <a:tr h="381000">
                 <a:tc>
@@ -7678,7 +7864,7 @@
                     <a:bodyPr/>
                     <a:lstStyle/>
                     <a:p>
-                      <a:pPr indent="0" lvl="0" marL="0" rtl="0" algn="l">
+                      <a:pPr marL="0" lvl="0" indent="0" algn="l" rtl="0">
                         <a:spcBef>
                           <a:spcPts val="0"/>
                         </a:spcBef>
@@ -7694,14 +7880,14 @@
                       <a:endParaRPr sz="1200"/>
                     </a:p>
                   </a:txBody>
-                  <a:tcPr marT="91425" marB="91425" marR="91425" marL="91425"/>
+                  <a:tcPr marL="91425" marR="91425" marT="91425" marB="91425"/>
                 </a:tc>
                 <a:tc>
                   <a:txBody>
                     <a:bodyPr/>
                     <a:lstStyle/>
                     <a:p>
-                      <a:pPr indent="0" lvl="0" marL="0" rtl="0" algn="l">
+                      <a:pPr marL="0" lvl="0" indent="0" algn="l" rtl="0">
                         <a:spcBef>
                           <a:spcPts val="0"/>
                         </a:spcBef>
@@ -7717,14 +7903,14 @@
                       <a:endParaRPr sz="1200"/>
                     </a:p>
                   </a:txBody>
-                  <a:tcPr marT="91425" marB="91425" marR="91425" marL="91425"/>
+                  <a:tcPr marL="91425" marR="91425" marT="91425" marB="91425"/>
                 </a:tc>
                 <a:tc>
                   <a:txBody>
                     <a:bodyPr/>
                     <a:lstStyle/>
                     <a:p>
-                      <a:pPr indent="0" lvl="0" marL="0" rtl="0" algn="l">
+                      <a:pPr marL="0" lvl="0" indent="0" algn="l" rtl="0">
                         <a:spcBef>
                           <a:spcPts val="0"/>
                         </a:spcBef>
@@ -7740,14 +7926,14 @@
                       <a:endParaRPr sz="1200"/>
                     </a:p>
                   </a:txBody>
-                  <a:tcPr marT="91425" marB="91425" marR="91425" marL="91425"/>
+                  <a:tcPr marL="91425" marR="91425" marT="91425" marB="91425"/>
                 </a:tc>
                 <a:tc>
                   <a:txBody>
                     <a:bodyPr/>
                     <a:lstStyle/>
                     <a:p>
-                      <a:pPr indent="0" lvl="0" marL="0" rtl="0" algn="l">
+                      <a:pPr marL="0" lvl="0" indent="0" algn="l" rtl="0">
                         <a:spcBef>
                           <a:spcPts val="0"/>
                         </a:spcBef>
@@ -7763,8 +7949,13 @@
                       <a:endParaRPr sz="1200"/>
                     </a:p>
                   </a:txBody>
-                  <a:tcPr marT="91425" marB="91425" marR="91425" marL="91425"/>
+                  <a:tcPr marL="91425" marR="91425" marT="91425" marB="91425"/>
                 </a:tc>
+                <a:extLst>
+                  <a:ext uri="{0D108BD9-81ED-4DB2-BD59-A6C34878D82A}">
+                    <a16:rowId xmlns:a16="http://schemas.microsoft.com/office/drawing/2014/main" val="10009"/>
+                  </a:ext>
+                </a:extLst>
               </a:tr>
               <a:tr h="381000">
                 <a:tc>
@@ -7772,7 +7963,7 @@
                     <a:bodyPr/>
                     <a:lstStyle/>
                     <a:p>
-                      <a:pPr indent="0" lvl="0" marL="0" rtl="0" algn="l">
+                      <a:pPr marL="0" lvl="0" indent="0" algn="l" rtl="0">
                         <a:spcBef>
                           <a:spcPts val="0"/>
                         </a:spcBef>
@@ -7788,14 +7979,14 @@
                       <a:endParaRPr sz="1200"/>
                     </a:p>
                   </a:txBody>
-                  <a:tcPr marT="91425" marB="91425" marR="91425" marL="91425"/>
+                  <a:tcPr marL="91425" marR="91425" marT="91425" marB="91425"/>
                 </a:tc>
                 <a:tc>
                   <a:txBody>
                     <a:bodyPr/>
                     <a:lstStyle/>
                     <a:p>
-                      <a:pPr indent="0" lvl="0" marL="0" rtl="0" algn="l">
+                      <a:pPr marL="0" lvl="0" indent="0" algn="l" rtl="0">
                         <a:spcBef>
                           <a:spcPts val="0"/>
                         </a:spcBef>
@@ -7811,14 +8002,14 @@
                       <a:endParaRPr sz="1200"/>
                     </a:p>
                   </a:txBody>
-                  <a:tcPr marT="91425" marB="91425" marR="91425" marL="91425"/>
+                  <a:tcPr marL="91425" marR="91425" marT="91425" marB="91425"/>
                 </a:tc>
                 <a:tc>
                   <a:txBody>
                     <a:bodyPr/>
                     <a:lstStyle/>
                     <a:p>
-                      <a:pPr indent="0" lvl="0" marL="0" rtl="0" algn="l">
+                      <a:pPr marL="0" lvl="0" indent="0" algn="l" rtl="0">
                         <a:spcBef>
                           <a:spcPts val="0"/>
                         </a:spcBef>
@@ -7834,14 +8025,14 @@
                       <a:endParaRPr sz="1200"/>
                     </a:p>
                   </a:txBody>
-                  <a:tcPr marT="91425" marB="91425" marR="91425" marL="91425"/>
+                  <a:tcPr marL="91425" marR="91425" marT="91425" marB="91425"/>
                 </a:tc>
                 <a:tc>
                   <a:txBody>
                     <a:bodyPr/>
                     <a:lstStyle/>
                     <a:p>
-                      <a:pPr indent="0" lvl="0" marL="0" rtl="0" algn="l">
+                      <a:pPr marL="0" lvl="0" indent="0" algn="l" rtl="0">
                         <a:spcBef>
                           <a:spcPts val="0"/>
                         </a:spcBef>
@@ -7857,8 +8048,13 @@
                       <a:endParaRPr sz="1200"/>
                     </a:p>
                   </a:txBody>
-                  <a:tcPr marT="91425" marB="91425" marR="91425" marL="91425"/>
+                  <a:tcPr marL="91425" marR="91425" marT="91425" marB="91425"/>
                 </a:tc>
+                <a:extLst>
+                  <a:ext uri="{0D108BD9-81ED-4DB2-BD59-A6C34878D82A}">
+                    <a16:rowId xmlns:a16="http://schemas.microsoft.com/office/drawing/2014/main" val="10010"/>
+                  </a:ext>
+                </a:extLst>
               </a:tr>
               <a:tr h="381000">
                 <a:tc>
@@ -7866,7 +8062,7 @@
                     <a:bodyPr/>
                     <a:lstStyle/>
                     <a:p>
-                      <a:pPr indent="0" lvl="0" marL="0" rtl="0" algn="l">
+                      <a:pPr marL="0" lvl="0" indent="0" algn="l" rtl="0">
                         <a:spcBef>
                           <a:spcPts val="0"/>
                         </a:spcBef>
@@ -7882,14 +8078,14 @@
                       <a:endParaRPr sz="1200"/>
                     </a:p>
                   </a:txBody>
-                  <a:tcPr marT="91425" marB="91425" marR="91425" marL="91425"/>
+                  <a:tcPr marL="91425" marR="91425" marT="91425" marB="91425"/>
                 </a:tc>
                 <a:tc>
                   <a:txBody>
                     <a:bodyPr/>
                     <a:lstStyle/>
                     <a:p>
-                      <a:pPr indent="0" lvl="0" marL="0" rtl="0" algn="l">
+                      <a:pPr marL="0" lvl="0" indent="0" algn="l" rtl="0">
                         <a:spcBef>
                           <a:spcPts val="0"/>
                         </a:spcBef>
@@ -7898,20 +8094,17 @@
                         </a:spcAft>
                         <a:buNone/>
                       </a:pPr>
-                      <a:r>
-                        <a:t/>
-                      </a:r>
                       <a:endParaRPr sz="1200"/>
                     </a:p>
                   </a:txBody>
-                  <a:tcPr marT="91425" marB="91425" marR="91425" marL="91425"/>
+                  <a:tcPr marL="91425" marR="91425" marT="91425" marB="91425"/>
                 </a:tc>
                 <a:tc>
                   <a:txBody>
                     <a:bodyPr/>
                     <a:lstStyle/>
                     <a:p>
-                      <a:pPr indent="0" lvl="0" marL="0" rtl="0" algn="l">
+                      <a:pPr marL="0" lvl="0" indent="0" algn="l" rtl="0">
                         <a:spcBef>
                           <a:spcPts val="0"/>
                         </a:spcBef>
@@ -7920,20 +8113,17 @@
                         </a:spcAft>
                         <a:buNone/>
                       </a:pPr>
-                      <a:r>
-                        <a:t/>
-                      </a:r>
                       <a:endParaRPr sz="1200"/>
                     </a:p>
                   </a:txBody>
-                  <a:tcPr marT="91425" marB="91425" marR="91425" marL="91425"/>
+                  <a:tcPr marL="91425" marR="91425" marT="91425" marB="91425"/>
                 </a:tc>
                 <a:tc>
                   <a:txBody>
                     <a:bodyPr/>
                     <a:lstStyle/>
                     <a:p>
-                      <a:pPr indent="0" lvl="0" marL="0" rtl="0" algn="l">
+                      <a:pPr marL="0" lvl="0" indent="0" algn="l" rtl="0">
                         <a:spcBef>
                           <a:spcPts val="0"/>
                         </a:spcBef>
@@ -7942,14 +8132,16 @@
                         </a:spcAft>
                         <a:buNone/>
                       </a:pPr>
-                      <a:r>
-                        <a:t/>
-                      </a:r>
                       <a:endParaRPr sz="1200"/>
                     </a:p>
                   </a:txBody>
-                  <a:tcPr marT="91425" marB="91425" marR="91425" marL="91425"/>
+                  <a:tcPr marL="91425" marR="91425" marT="91425" marB="91425"/>
                 </a:tc>
+                <a:extLst>
+                  <a:ext uri="{0D108BD9-81ED-4DB2-BD59-A6C34878D82A}">
+                    <a16:rowId xmlns:a16="http://schemas.microsoft.com/office/drawing/2014/main" val="10011"/>
+                  </a:ext>
+                </a:extLst>
               </a:tr>
             </a:tbl>
           </a:graphicData>
@@ -7964,11 +8156,11 @@
 </file>
 
 <file path=ppt/slides/slide6.xml><?xml version="1.0" encoding="utf-8"?>
-<p:sld xmlns:a="http://schemas.openxmlformats.org/drawingml/2006/main" xmlns:r="http://schemas.openxmlformats.org/officeDocument/2006/relationships" xmlns:mc="http://schemas.openxmlformats.org/markup-compatibility/2006" xmlns:mv="urn:schemas-microsoft-com:mac:vml" xmlns:p="http://schemas.openxmlformats.org/presentationml/2006/main" xmlns:c="http://schemas.openxmlformats.org/drawingml/2006/chart" xmlns:dgm="http://schemas.openxmlformats.org/drawingml/2006/diagram" xmlns:o="urn:schemas-microsoft-com:office:office" xmlns:v="urn:schemas-microsoft-com:vml" xmlns:pvml="urn:schemas-microsoft-com:office:powerpoint" xmlns:com="http://schemas.openxmlformats.org/drawingml/2006/compatibility" xmlns:p14="http://schemas.microsoft.com/office/powerpoint/2010/main" xmlns:p15="http://schemas.microsoft.com/office/powerpoint/2012/main" xmlns:ahyp="http://schemas.microsoft.com/office/drawing/2018/hyperlinkcolor">
+<p:sld xmlns:a="http://schemas.openxmlformats.org/drawingml/2006/main" xmlns:r="http://schemas.openxmlformats.org/officeDocument/2006/relationships" xmlns:p="http://schemas.openxmlformats.org/presentationml/2006/main">
   <p:cSld>
     <p:spTree>
       <p:nvGrpSpPr>
-        <p:cNvPr id="81" name="Shape 81"/>
+        <p:cNvPr id="1" name="Shape 81"/>
         <p:cNvGrpSpPr/>
         <p:nvPr/>
       </p:nvGrpSpPr>
@@ -7983,7 +8175,9 @@
       <p:sp>
         <p:nvSpPr>
           <p:cNvPr id="82" name="Google Shape;82;p18"/>
-          <p:cNvSpPr txBox="1"/>
+          <p:cNvSpPr txBox="1">
+            <a:spLocks noGrp="1"/>
+          </p:cNvSpPr>
           <p:nvPr>
             <p:ph type="title"/>
           </p:nvPr>
@@ -7998,12 +8192,12 @@
           </a:prstGeom>
         </p:spPr>
         <p:txBody>
-          <a:bodyPr anchorCtr="0" anchor="t" bIns="91425" lIns="91425" spcFirstLastPara="1" rIns="91425" wrap="square" tIns="91425">
+          <a:bodyPr spcFirstLastPara="1" wrap="square" lIns="91425" tIns="91425" rIns="91425" bIns="91425" anchor="t" anchorCtr="0">
             <a:normAutofit fontScale="90000"/>
           </a:bodyPr>
           <a:lstStyle/>
           <a:p>
-            <a:pPr indent="0" lvl="0" marL="0" rtl="0" algn="l">
+            <a:pPr marL="0" lvl="0" indent="0" algn="l" rtl="0">
               <a:spcBef>
                 <a:spcPts val="0"/>
               </a:spcBef>
@@ -8023,9 +8217,11 @@
       <p:sp>
         <p:nvSpPr>
           <p:cNvPr id="83" name="Google Shape;83;p18"/>
-          <p:cNvSpPr txBox="1"/>
+          <p:cNvSpPr txBox="1">
+            <a:spLocks noGrp="1"/>
+          </p:cNvSpPr>
           <p:nvPr>
-            <p:ph idx="1" type="body"/>
+            <p:ph type="body" idx="1"/>
           </p:nvPr>
         </p:nvSpPr>
         <p:spPr>
@@ -8038,12 +8234,12 @@
           </a:prstGeom>
         </p:spPr>
         <p:txBody>
-          <a:bodyPr anchorCtr="0" anchor="t" bIns="91425" lIns="91425" spcFirstLastPara="1" rIns="91425" wrap="square" tIns="91425">
+          <a:bodyPr spcFirstLastPara="1" wrap="square" lIns="91425" tIns="91425" rIns="91425" bIns="91425" anchor="t" anchorCtr="0">
             <a:normAutofit/>
           </a:bodyPr>
           <a:lstStyle/>
           <a:p>
-            <a:pPr indent="0" lvl="0" marL="0" rtl="0" algn="l">
+            <a:pPr marL="0" lvl="0" indent="0" algn="l" rtl="0">
               <a:spcBef>
                 <a:spcPts val="0"/>
               </a:spcBef>
@@ -8059,7 +8255,7 @@
             <a:endParaRPr/>
           </a:p>
           <a:p>
-            <a:pPr indent="0" lvl="0" marL="0" rtl="0" algn="l">
+            <a:pPr marL="0" lvl="0" indent="0" algn="l" rtl="0">
               <a:spcBef>
                 <a:spcPts val="1200"/>
               </a:spcBef>
@@ -8085,11 +8281,11 @@
 </file>
 
 <file path=ppt/slides/slide7.xml><?xml version="1.0" encoding="utf-8"?>
-<p:sld xmlns:a="http://schemas.openxmlformats.org/drawingml/2006/main" xmlns:r="http://schemas.openxmlformats.org/officeDocument/2006/relationships" xmlns:mc="http://schemas.openxmlformats.org/markup-compatibility/2006" xmlns:mv="urn:schemas-microsoft-com:mac:vml" xmlns:p="http://schemas.openxmlformats.org/presentationml/2006/main" xmlns:c="http://schemas.openxmlformats.org/drawingml/2006/chart" xmlns:dgm="http://schemas.openxmlformats.org/drawingml/2006/diagram" xmlns:o="urn:schemas-microsoft-com:office:office" xmlns:v="urn:schemas-microsoft-com:vml" xmlns:pvml="urn:schemas-microsoft-com:office:powerpoint" xmlns:com="http://schemas.openxmlformats.org/drawingml/2006/compatibility" xmlns:p14="http://schemas.microsoft.com/office/powerpoint/2010/main" xmlns:p15="http://schemas.microsoft.com/office/powerpoint/2012/main" xmlns:ahyp="http://schemas.microsoft.com/office/drawing/2018/hyperlinkcolor">
+<p:sld xmlns:a="http://schemas.openxmlformats.org/drawingml/2006/main" xmlns:r="http://schemas.openxmlformats.org/officeDocument/2006/relationships" xmlns:p="http://schemas.openxmlformats.org/presentationml/2006/main">
   <p:cSld>
     <p:spTree>
       <p:nvGrpSpPr>
-        <p:cNvPr id="87" name="Shape 87"/>
+        <p:cNvPr id="1" name="Shape 87"/>
         <p:cNvGrpSpPr/>
         <p:nvPr/>
       </p:nvGrpSpPr>
@@ -8138,7 +8334,7 @@
 </file>
 
 <file path=ppt/theme/theme1.xml><?xml version="1.0" encoding="utf-8"?>
-<a:theme xmlns:a="http://schemas.openxmlformats.org/drawingml/2006/main" xmlns:r="http://schemas.openxmlformats.org/officeDocument/2006/relationships" name="Simple Light">
+<a:theme xmlns:a="http://schemas.openxmlformats.org/drawingml/2006/main" name="Simple Light">
   <a:themeElements>
     <a:clrScheme name="Simple Light">
       <a:dk1>
@@ -8413,11 +8609,13 @@
       </a:bgFillStyleLst>
     </a:fmtScheme>
   </a:themeElements>
+  <a:objectDefaults/>
+  <a:extraClrSchemeLst/>
 </a:theme>
 </file>
 
 <file path=ppt/theme/theme2.xml><?xml version="1.0" encoding="utf-8"?>
-<a:theme xmlns:a="http://schemas.openxmlformats.org/drawingml/2006/main" xmlns:r="http://schemas.openxmlformats.org/officeDocument/2006/relationships">
+<a:theme xmlns:a="http://schemas.openxmlformats.org/drawingml/2006/main">
   <a:themeElements>
     <a:clrScheme name="Default">
       <a:dk1>
@@ -8692,5 +8890,7 @@
       </a:bgFillStyleLst>
     </a:fmtScheme>
   </a:themeElements>
+  <a:objectDefaults/>
+  <a:extraClrSchemeLst/>
 </a:theme>
 </file>